--- a/Mutation.pptx
+++ b/Mutation.pptx
@@ -5,34 +5,39 @@
     <p:sldMasterId id="2147483660" r:id="rId2"/>
   </p:sldMasterIdLst>
   <p:notesMasterIdLst>
-    <p:notesMasterId r:id="rId25"/>
+    <p:notesMasterId r:id="rId30"/>
   </p:notesMasterIdLst>
   <p:handoutMasterIdLst>
-    <p:handoutMasterId r:id="rId26"/>
+    <p:handoutMasterId r:id="rId31"/>
   </p:handoutMasterIdLst>
   <p:sldIdLst>
     <p:sldId id="257" r:id="rId3"/>
-    <p:sldId id="256" r:id="rId4"/>
-    <p:sldId id="258" r:id="rId5"/>
-    <p:sldId id="276" r:id="rId6"/>
-    <p:sldId id="277" r:id="rId7"/>
-    <p:sldId id="259" r:id="rId8"/>
-    <p:sldId id="278" r:id="rId9"/>
-    <p:sldId id="273" r:id="rId10"/>
-    <p:sldId id="274" r:id="rId11"/>
-    <p:sldId id="280" r:id="rId12"/>
-    <p:sldId id="260" r:id="rId13"/>
-    <p:sldId id="267" r:id="rId14"/>
-    <p:sldId id="281" r:id="rId15"/>
-    <p:sldId id="282" r:id="rId16"/>
-    <p:sldId id="263" r:id="rId17"/>
-    <p:sldId id="270" r:id="rId18"/>
-    <p:sldId id="262" r:id="rId19"/>
-    <p:sldId id="279" r:id="rId20"/>
-    <p:sldId id="264" r:id="rId21"/>
-    <p:sldId id="265" r:id="rId22"/>
-    <p:sldId id="268" r:id="rId23"/>
-    <p:sldId id="283" r:id="rId24"/>
+    <p:sldId id="286" r:id="rId4"/>
+    <p:sldId id="256" r:id="rId5"/>
+    <p:sldId id="258" r:id="rId6"/>
+    <p:sldId id="276" r:id="rId7"/>
+    <p:sldId id="277" r:id="rId8"/>
+    <p:sldId id="287" r:id="rId9"/>
+    <p:sldId id="259" r:id="rId10"/>
+    <p:sldId id="278" r:id="rId11"/>
+    <p:sldId id="273" r:id="rId12"/>
+    <p:sldId id="274" r:id="rId13"/>
+    <p:sldId id="280" r:id="rId14"/>
+    <p:sldId id="260" r:id="rId15"/>
+    <p:sldId id="267" r:id="rId16"/>
+    <p:sldId id="281" r:id="rId17"/>
+    <p:sldId id="284" r:id="rId18"/>
+    <p:sldId id="282" r:id="rId19"/>
+    <p:sldId id="263" r:id="rId20"/>
+    <p:sldId id="285" r:id="rId21"/>
+    <p:sldId id="270" r:id="rId22"/>
+    <p:sldId id="262" r:id="rId23"/>
+    <p:sldId id="279" r:id="rId24"/>
+    <p:sldId id="264" r:id="rId25"/>
+    <p:sldId id="265" r:id="rId26"/>
+    <p:sldId id="268" r:id="rId27"/>
+    <p:sldId id="283" r:id="rId28"/>
+    <p:sldId id="288" r:id="rId29"/>
   </p:sldIdLst>
   <p:sldSz cx="12192000" cy="6858000"/>
   <p:notesSz cx="6858000" cy="9144000"/>
@@ -224,7 +229,7 @@
           <a:p>
             <a:fld id="{3369A499-AB0E-41E7-8F43-0B644843E13C}" type="datetimeFigureOut">
               <a:rPr lang="ru-RU" smtClean="0"/>
-              <a:t>08.12.2018</a:t>
+              <a:t>24.02.2019</a:t>
             </a:fld>
             <a:endParaRPr lang="ru-RU"/>
           </a:p>
@@ -389,7 +394,7 @@
           <a:p>
             <a:fld id="{65DF805E-4D42-4930-AF02-3208323ECEC0}" type="datetimeFigureOut">
               <a:rPr lang="ru-RU" smtClean="0"/>
-              <a:t>06.12.2018</a:t>
+              <a:t>24.02.2019</a:t>
             </a:fld>
             <a:endParaRPr lang="ru-RU"/>
           </a:p>
@@ -724,7 +729,7 @@
           <a:p>
             <a:fld id="{9C003A2D-F27E-469C-ADB1-04668A9E28C3}" type="slidenum">
               <a:rPr lang="ru-RU" smtClean="0"/>
-              <a:t>2</a:t>
+              <a:t>3</a:t>
             </a:fld>
             <a:endParaRPr lang="ru-RU"/>
           </a:p>
@@ -811,7 +816,7 @@
           <a:p>
             <a:fld id="{9C003A2D-F27E-469C-ADB1-04668A9E28C3}" type="slidenum">
               <a:rPr lang="ru-RU" smtClean="0"/>
-              <a:t>11</a:t>
+              <a:t>13</a:t>
             </a:fld>
             <a:endParaRPr lang="ru-RU"/>
           </a:p>
@@ -898,7 +903,7 @@
           <a:p>
             <a:fld id="{9C003A2D-F27E-469C-ADB1-04668A9E28C3}" type="slidenum">
               <a:rPr lang="ru-RU" smtClean="0"/>
-              <a:t>12</a:t>
+              <a:t>14</a:t>
             </a:fld>
             <a:endParaRPr lang="ru-RU"/>
           </a:p>
@@ -985,7 +990,7 @@
           <a:p>
             <a:fld id="{9C003A2D-F27E-469C-ADB1-04668A9E28C3}" type="slidenum">
               <a:rPr lang="ru-RU" smtClean="0"/>
-              <a:t>13</a:t>
+              <a:t>15</a:t>
             </a:fld>
             <a:endParaRPr lang="ru-RU"/>
           </a:p>
@@ -1072,7 +1077,7 @@
           <a:p>
             <a:fld id="{9C003A2D-F27E-469C-ADB1-04668A9E28C3}" type="slidenum">
               <a:rPr lang="ru-RU" smtClean="0"/>
-              <a:t>14</a:t>
+              <a:t>16</a:t>
             </a:fld>
             <a:endParaRPr lang="ru-RU"/>
           </a:p>
@@ -1081,7 +1086,7 @@
     </p:spTree>
     <p:extLst>
       <p:ext uri="{BB962C8B-B14F-4D97-AF65-F5344CB8AC3E}">
-        <p14:creationId xmlns:p14="http://schemas.microsoft.com/office/powerpoint/2010/main" val="1660098420"/>
+        <p14:creationId xmlns:p14="http://schemas.microsoft.com/office/powerpoint/2010/main" val="1665566852"/>
       </p:ext>
     </p:extLst>
   </p:cSld>
@@ -1159,7 +1164,7 @@
           <a:p>
             <a:fld id="{9C003A2D-F27E-469C-ADB1-04668A9E28C3}" type="slidenum">
               <a:rPr lang="ru-RU" smtClean="0"/>
-              <a:t>15</a:t>
+              <a:t>17</a:t>
             </a:fld>
             <a:endParaRPr lang="ru-RU"/>
           </a:p>
@@ -1168,7 +1173,7 @@
     </p:spTree>
     <p:extLst>
       <p:ext uri="{BB962C8B-B14F-4D97-AF65-F5344CB8AC3E}">
-        <p14:creationId xmlns:p14="http://schemas.microsoft.com/office/powerpoint/2010/main" val="3821467194"/>
+        <p14:creationId xmlns:p14="http://schemas.microsoft.com/office/powerpoint/2010/main" val="1660098420"/>
       </p:ext>
     </p:extLst>
   </p:cSld>
@@ -1246,7 +1251,7 @@
           <a:p>
             <a:fld id="{9C003A2D-F27E-469C-ADB1-04668A9E28C3}" type="slidenum">
               <a:rPr lang="ru-RU" smtClean="0"/>
-              <a:t>16</a:t>
+              <a:t>18</a:t>
             </a:fld>
             <a:endParaRPr lang="ru-RU"/>
           </a:p>
@@ -1255,7 +1260,7 @@
     </p:spTree>
     <p:extLst>
       <p:ext uri="{BB962C8B-B14F-4D97-AF65-F5344CB8AC3E}">
-        <p14:creationId xmlns:p14="http://schemas.microsoft.com/office/powerpoint/2010/main" val="463080334"/>
+        <p14:creationId xmlns:p14="http://schemas.microsoft.com/office/powerpoint/2010/main" val="3821467194"/>
       </p:ext>
     </p:extLst>
   </p:cSld>
@@ -1333,7 +1338,7 @@
           <a:p>
             <a:fld id="{9C003A2D-F27E-469C-ADB1-04668A9E28C3}" type="slidenum">
               <a:rPr lang="ru-RU" smtClean="0"/>
-              <a:t>17</a:t>
+              <a:t>19</a:t>
             </a:fld>
             <a:endParaRPr lang="ru-RU"/>
           </a:p>
@@ -1342,7 +1347,7 @@
     </p:spTree>
     <p:extLst>
       <p:ext uri="{BB962C8B-B14F-4D97-AF65-F5344CB8AC3E}">
-        <p14:creationId xmlns:p14="http://schemas.microsoft.com/office/powerpoint/2010/main" val="670403274"/>
+        <p14:creationId xmlns:p14="http://schemas.microsoft.com/office/powerpoint/2010/main" val="1024969221"/>
       </p:ext>
     </p:extLst>
   </p:cSld>
@@ -1420,7 +1425,7 @@
           <a:p>
             <a:fld id="{9C003A2D-F27E-469C-ADB1-04668A9E28C3}" type="slidenum">
               <a:rPr lang="ru-RU" smtClean="0"/>
-              <a:t>18</a:t>
+              <a:t>20</a:t>
             </a:fld>
             <a:endParaRPr lang="ru-RU"/>
           </a:p>
@@ -1429,7 +1434,7 @@
     </p:spTree>
     <p:extLst>
       <p:ext uri="{BB962C8B-B14F-4D97-AF65-F5344CB8AC3E}">
-        <p14:creationId xmlns:p14="http://schemas.microsoft.com/office/powerpoint/2010/main" val="3413063944"/>
+        <p14:creationId xmlns:p14="http://schemas.microsoft.com/office/powerpoint/2010/main" val="463080334"/>
       </p:ext>
     </p:extLst>
   </p:cSld>
@@ -1507,7 +1512,7 @@
           <a:p>
             <a:fld id="{9C003A2D-F27E-469C-ADB1-04668A9E28C3}" type="slidenum">
               <a:rPr lang="ru-RU" smtClean="0"/>
-              <a:t>19</a:t>
+              <a:t>21</a:t>
             </a:fld>
             <a:endParaRPr lang="ru-RU"/>
           </a:p>
@@ -1516,7 +1521,7 @@
     </p:spTree>
     <p:extLst>
       <p:ext uri="{BB962C8B-B14F-4D97-AF65-F5344CB8AC3E}">
-        <p14:creationId xmlns:p14="http://schemas.microsoft.com/office/powerpoint/2010/main" val="891204119"/>
+        <p14:creationId xmlns:p14="http://schemas.microsoft.com/office/powerpoint/2010/main" val="670403274"/>
       </p:ext>
     </p:extLst>
   </p:cSld>
@@ -1594,7 +1599,7 @@
           <a:p>
             <a:fld id="{9C003A2D-F27E-469C-ADB1-04668A9E28C3}" type="slidenum">
               <a:rPr lang="ru-RU" smtClean="0"/>
-              <a:t>20</a:t>
+              <a:t>22</a:t>
             </a:fld>
             <a:endParaRPr lang="ru-RU"/>
           </a:p>
@@ -1603,7 +1608,7 @@
     </p:spTree>
     <p:extLst>
       <p:ext uri="{BB962C8B-B14F-4D97-AF65-F5344CB8AC3E}">
-        <p14:creationId xmlns:p14="http://schemas.microsoft.com/office/powerpoint/2010/main" val="661384710"/>
+        <p14:creationId xmlns:p14="http://schemas.microsoft.com/office/powerpoint/2010/main" val="3413063944"/>
       </p:ext>
     </p:extLst>
   </p:cSld>
@@ -1688,7 +1693,7 @@
           <a:p>
             <a:fld id="{9C003A2D-F27E-469C-ADB1-04668A9E28C3}" type="slidenum">
               <a:rPr lang="ru-RU" smtClean="0"/>
-              <a:t>3</a:t>
+              <a:t>4</a:t>
             </a:fld>
             <a:endParaRPr lang="ru-RU"/>
           </a:p>
@@ -1775,7 +1780,7 @@
           <a:p>
             <a:fld id="{9C003A2D-F27E-469C-ADB1-04668A9E28C3}" type="slidenum">
               <a:rPr lang="ru-RU" smtClean="0"/>
-              <a:t>21</a:t>
+              <a:t>23</a:t>
             </a:fld>
             <a:endParaRPr lang="ru-RU"/>
           </a:p>
@@ -1784,7 +1789,7 @@
     </p:spTree>
     <p:extLst>
       <p:ext uri="{BB962C8B-B14F-4D97-AF65-F5344CB8AC3E}">
-        <p14:creationId xmlns:p14="http://schemas.microsoft.com/office/powerpoint/2010/main" val="3951593836"/>
+        <p14:creationId xmlns:p14="http://schemas.microsoft.com/office/powerpoint/2010/main" val="891204119"/>
       </p:ext>
     </p:extLst>
   </p:cSld>
@@ -1862,7 +1867,181 @@
           <a:p>
             <a:fld id="{9C003A2D-F27E-469C-ADB1-04668A9E28C3}" type="slidenum">
               <a:rPr lang="ru-RU" smtClean="0"/>
-              <a:t>22</a:t>
+              <a:t>24</a:t>
+            </a:fld>
+            <a:endParaRPr lang="ru-RU"/>
+          </a:p>
+        </p:txBody>
+      </p:sp>
+    </p:spTree>
+    <p:extLst>
+      <p:ext uri="{BB962C8B-B14F-4D97-AF65-F5344CB8AC3E}">
+        <p14:creationId xmlns:p14="http://schemas.microsoft.com/office/powerpoint/2010/main" val="661384710"/>
+      </p:ext>
+    </p:extLst>
+  </p:cSld>
+  <p:clrMapOvr>
+    <a:masterClrMapping/>
+  </p:clrMapOvr>
+</p:notes>
+</file>
+
+<file path=ppt/notesSlides/notesSlide22.xml><?xml version="1.0" encoding="utf-8"?>
+<p:notes xmlns:a="http://schemas.openxmlformats.org/drawingml/2006/main" xmlns:r="http://schemas.openxmlformats.org/officeDocument/2006/relationships" xmlns:p="http://schemas.openxmlformats.org/presentationml/2006/main">
+  <p:cSld>
+    <p:spTree>
+      <p:nvGrpSpPr>
+        <p:cNvPr id="1" name=""/>
+        <p:cNvGrpSpPr/>
+        <p:nvPr/>
+      </p:nvGrpSpPr>
+      <p:grpSpPr>
+        <a:xfrm>
+          <a:off x="0" y="0"/>
+          <a:ext cx="0" cy="0"/>
+          <a:chOff x="0" y="0"/>
+          <a:chExt cx="0" cy="0"/>
+        </a:xfrm>
+      </p:grpSpPr>
+      <p:sp>
+        <p:nvSpPr>
+          <p:cNvPr id="2" name="Slide Image Placeholder 1"/>
+          <p:cNvSpPr>
+            <a:spLocks noGrp="1" noRot="1" noChangeAspect="1"/>
+          </p:cNvSpPr>
+          <p:nvPr>
+            <p:ph type="sldImg"/>
+          </p:nvPr>
+        </p:nvSpPr>
+        <p:spPr/>
+      </p:sp>
+      <p:sp>
+        <p:nvSpPr>
+          <p:cNvPr id="3" name="Notes Placeholder 2"/>
+          <p:cNvSpPr>
+            <a:spLocks noGrp="1"/>
+          </p:cNvSpPr>
+          <p:nvPr>
+            <p:ph type="body" idx="1"/>
+          </p:nvPr>
+        </p:nvSpPr>
+        <p:spPr/>
+        <p:txBody>
+          <a:bodyPr/>
+          <a:lstStyle/>
+          <a:p>
+            <a:r>
+              <a:rPr lang="en-GB" sz="1200" dirty="0"/>
+              <a:t>What is WC (vs kendo)</a:t>
+            </a:r>
+          </a:p>
+        </p:txBody>
+      </p:sp>
+      <p:sp>
+        <p:nvSpPr>
+          <p:cNvPr id="4" name="Slide Number Placeholder 3"/>
+          <p:cNvSpPr>
+            <a:spLocks noGrp="1"/>
+          </p:cNvSpPr>
+          <p:nvPr>
+            <p:ph type="sldNum" sz="quarter" idx="10"/>
+          </p:nvPr>
+        </p:nvSpPr>
+        <p:spPr/>
+        <p:txBody>
+          <a:bodyPr/>
+          <a:lstStyle/>
+          <a:p>
+            <a:fld id="{9C003A2D-F27E-469C-ADB1-04668A9E28C3}" type="slidenum">
+              <a:rPr lang="ru-RU" smtClean="0"/>
+              <a:t>25</a:t>
+            </a:fld>
+            <a:endParaRPr lang="ru-RU"/>
+          </a:p>
+        </p:txBody>
+      </p:sp>
+    </p:spTree>
+    <p:extLst>
+      <p:ext uri="{BB962C8B-B14F-4D97-AF65-F5344CB8AC3E}">
+        <p14:creationId xmlns:p14="http://schemas.microsoft.com/office/powerpoint/2010/main" val="3951593836"/>
+      </p:ext>
+    </p:extLst>
+  </p:cSld>
+  <p:clrMapOvr>
+    <a:masterClrMapping/>
+  </p:clrMapOvr>
+</p:notes>
+</file>
+
+<file path=ppt/notesSlides/notesSlide23.xml><?xml version="1.0" encoding="utf-8"?>
+<p:notes xmlns:a="http://schemas.openxmlformats.org/drawingml/2006/main" xmlns:r="http://schemas.openxmlformats.org/officeDocument/2006/relationships" xmlns:p="http://schemas.openxmlformats.org/presentationml/2006/main">
+  <p:cSld>
+    <p:spTree>
+      <p:nvGrpSpPr>
+        <p:cNvPr id="1" name=""/>
+        <p:cNvGrpSpPr/>
+        <p:nvPr/>
+      </p:nvGrpSpPr>
+      <p:grpSpPr>
+        <a:xfrm>
+          <a:off x="0" y="0"/>
+          <a:ext cx="0" cy="0"/>
+          <a:chOff x="0" y="0"/>
+          <a:chExt cx="0" cy="0"/>
+        </a:xfrm>
+      </p:grpSpPr>
+      <p:sp>
+        <p:nvSpPr>
+          <p:cNvPr id="2" name="Slide Image Placeholder 1"/>
+          <p:cNvSpPr>
+            <a:spLocks noGrp="1" noRot="1" noChangeAspect="1"/>
+          </p:cNvSpPr>
+          <p:nvPr>
+            <p:ph type="sldImg"/>
+          </p:nvPr>
+        </p:nvSpPr>
+        <p:spPr/>
+      </p:sp>
+      <p:sp>
+        <p:nvSpPr>
+          <p:cNvPr id="3" name="Notes Placeholder 2"/>
+          <p:cNvSpPr>
+            <a:spLocks noGrp="1"/>
+          </p:cNvSpPr>
+          <p:nvPr>
+            <p:ph type="body" idx="1"/>
+          </p:nvPr>
+        </p:nvSpPr>
+        <p:spPr/>
+        <p:txBody>
+          <a:bodyPr/>
+          <a:lstStyle/>
+          <a:p>
+            <a:r>
+              <a:rPr lang="en-GB" sz="1200" dirty="0"/>
+              <a:t>What is WC (vs kendo)</a:t>
+            </a:r>
+          </a:p>
+        </p:txBody>
+      </p:sp>
+      <p:sp>
+        <p:nvSpPr>
+          <p:cNvPr id="4" name="Slide Number Placeholder 3"/>
+          <p:cNvSpPr>
+            <a:spLocks noGrp="1"/>
+          </p:cNvSpPr>
+          <p:nvPr>
+            <p:ph type="sldNum" sz="quarter" idx="10"/>
+          </p:nvPr>
+        </p:nvSpPr>
+        <p:spPr/>
+        <p:txBody>
+          <a:bodyPr/>
+          <a:lstStyle/>
+          <a:p>
+            <a:fld id="{9C003A2D-F27E-469C-ADB1-04668A9E28C3}" type="slidenum">
+              <a:rPr lang="ru-RU" smtClean="0"/>
+              <a:t>26</a:t>
             </a:fld>
             <a:endParaRPr lang="ru-RU"/>
           </a:p>
@@ -1949,7 +2128,7 @@
           <a:p>
             <a:fld id="{9C003A2D-F27E-469C-ADB1-04668A9E28C3}" type="slidenum">
               <a:rPr lang="ru-RU" smtClean="0"/>
-              <a:t>4</a:t>
+              <a:t>5</a:t>
             </a:fld>
             <a:endParaRPr lang="ru-RU"/>
           </a:p>
@@ -2036,7 +2215,7 @@
           <a:p>
             <a:fld id="{9C003A2D-F27E-469C-ADB1-04668A9E28C3}" type="slidenum">
               <a:rPr lang="ru-RU" smtClean="0"/>
-              <a:t>5</a:t>
+              <a:t>6</a:t>
             </a:fld>
             <a:endParaRPr lang="ru-RU"/>
           </a:p>
@@ -2123,7 +2302,7 @@
           <a:p>
             <a:fld id="{9C003A2D-F27E-469C-ADB1-04668A9E28C3}" type="slidenum">
               <a:rPr lang="ru-RU" smtClean="0"/>
-              <a:t>6</a:t>
+              <a:t>8</a:t>
             </a:fld>
             <a:endParaRPr lang="ru-RU"/>
           </a:p>
@@ -2210,7 +2389,7 @@
           <a:p>
             <a:fld id="{9C003A2D-F27E-469C-ADB1-04668A9E28C3}" type="slidenum">
               <a:rPr lang="ru-RU" smtClean="0"/>
-              <a:t>7</a:t>
+              <a:t>9</a:t>
             </a:fld>
             <a:endParaRPr lang="ru-RU"/>
           </a:p>
@@ -2297,7 +2476,7 @@
           <a:p>
             <a:fld id="{9C003A2D-F27E-469C-ADB1-04668A9E28C3}" type="slidenum">
               <a:rPr lang="ru-RU" smtClean="0"/>
-              <a:t>8</a:t>
+              <a:t>10</a:t>
             </a:fld>
             <a:endParaRPr lang="ru-RU"/>
           </a:p>
@@ -2387,7 +2566,7 @@
           <a:p>
             <a:fld id="{9C003A2D-F27E-469C-ADB1-04668A9E28C3}" type="slidenum">
               <a:rPr lang="ru-RU" smtClean="0"/>
-              <a:t>9</a:t>
+              <a:t>11</a:t>
             </a:fld>
             <a:endParaRPr lang="ru-RU"/>
           </a:p>
@@ -2477,7 +2656,7 @@
           <a:p>
             <a:fld id="{9C003A2D-F27E-469C-ADB1-04668A9E28C3}" type="slidenum">
               <a:rPr lang="ru-RU" smtClean="0"/>
-              <a:t>10</a:t>
+              <a:t>12</a:t>
             </a:fld>
             <a:endParaRPr lang="ru-RU"/>
           </a:p>
@@ -17848,7 +18027,7 @@
           <a:p>
             <a:fld id="{ABEEAFE4-1161-498B-8894-A81D750AFA3C}" type="datetimeFigureOut">
               <a:rPr lang="ru-RU" smtClean="0"/>
-              <a:t>06.12.2018</a:t>
+              <a:t>24.02.2019</a:t>
             </a:fld>
             <a:endParaRPr lang="ru-RU"/>
           </a:p>
@@ -18364,226 +18543,386 @@
           <a:p>
             <a:r>
               <a:rPr lang="en-GB" dirty="0"/>
-              <a:t>Mutations</a:t>
+              <a:t>Mutants</a:t>
             </a:r>
           </a:p>
           <a:p>
             <a:endParaRPr lang="ru-RU" dirty="0"/>
-          </a:p>
-        </p:txBody>
-      </p:sp>
-      <p:sp>
-        <p:nvSpPr>
-          <p:cNvPr id="3" name="Rectangle 2"/>
-          <p:cNvSpPr/>
-          <p:nvPr/>
-        </p:nvSpPr>
-        <p:spPr>
-          <a:xfrm>
-            <a:off x="1426813" y="1723873"/>
-            <a:ext cx="6096000" cy="3139321"/>
-          </a:xfrm>
-          <a:prstGeom prst="rect">
-            <a:avLst/>
-          </a:prstGeom>
-        </p:spPr>
-        <p:txBody>
-          <a:bodyPr>
-            <a:spAutoFit/>
-          </a:bodyPr>
-          <a:lstStyle/>
-          <a:p>
-            <a:pPr marL="285750" indent="-285750">
-              <a:buFont typeface="Arial" panose="020B0604020202020204" pitchFamily="34" charset="0"/>
-              <a:buChar char="•"/>
-            </a:pPr>
-            <a:r>
-              <a:rPr lang="en-GB" dirty="0"/>
-              <a:t>Block Statement	</a:t>
-            </a:r>
-          </a:p>
-          <a:p>
-            <a:pPr marL="285750" indent="-285750">
-              <a:buFont typeface="Arial" panose="020B0604020202020204" pitchFamily="34" charset="0"/>
-              <a:buChar char="•"/>
-            </a:pPr>
-            <a:r>
-              <a:rPr lang="en-GB" dirty="0"/>
-              <a:t>Arithmetic Operator</a:t>
-            </a:r>
-          </a:p>
-          <a:p>
-            <a:pPr marL="285750" indent="-285750">
-              <a:buFont typeface="Arial" panose="020B0604020202020204" pitchFamily="34" charset="0"/>
-              <a:buChar char="•"/>
-            </a:pPr>
-            <a:r>
-              <a:rPr lang="en-GB" dirty="0"/>
-              <a:t>Array Declaration	</a:t>
-            </a:r>
-          </a:p>
-          <a:p>
-            <a:pPr marL="285750" indent="-285750">
-              <a:buFont typeface="Arial" panose="020B0604020202020204" pitchFamily="34" charset="0"/>
-              <a:buChar char="•"/>
-            </a:pPr>
-            <a:r>
-              <a:rPr lang="en-GB" dirty="0"/>
-              <a:t>Boolean Literal	</a:t>
-            </a:r>
-          </a:p>
-          <a:p>
-            <a:pPr marL="285750" indent="-285750">
-              <a:buFont typeface="Arial" panose="020B0604020202020204" pitchFamily="34" charset="0"/>
-              <a:buChar char="•"/>
-            </a:pPr>
-            <a:r>
-              <a:rPr lang="en-GB" dirty="0"/>
-              <a:t>Checked Statement	</a:t>
-            </a:r>
-          </a:p>
-          <a:p>
-            <a:pPr marL="285750" indent="-285750">
-              <a:buFont typeface="Arial" panose="020B0604020202020204" pitchFamily="34" charset="0"/>
-              <a:buChar char="•"/>
-            </a:pPr>
-            <a:r>
-              <a:rPr lang="en-GB" dirty="0"/>
-              <a:t>Conditional Expression	</a:t>
-            </a:r>
-          </a:p>
-          <a:p>
-            <a:pPr marL="285750" indent="-285750">
-              <a:buFont typeface="Arial" panose="020B0604020202020204" pitchFamily="34" charset="0"/>
-              <a:buChar char="•"/>
-            </a:pPr>
-            <a:r>
-              <a:rPr lang="en-GB" dirty="0"/>
-              <a:t>Equality Operator	</a:t>
-            </a:r>
-          </a:p>
-          <a:p>
-            <a:pPr marL="285750" indent="-285750">
-              <a:buFont typeface="Arial" panose="020B0604020202020204" pitchFamily="34" charset="0"/>
-              <a:buChar char="•"/>
-            </a:pPr>
-            <a:r>
-              <a:rPr lang="en-GB" dirty="0"/>
-              <a:t>Logical Operator	</a:t>
-            </a:r>
-          </a:p>
-          <a:p>
-            <a:pPr marL="285750" indent="-285750">
-              <a:buFont typeface="Arial" panose="020B0604020202020204" pitchFamily="34" charset="0"/>
-              <a:buChar char="•"/>
-            </a:pPr>
-            <a:r>
-              <a:rPr lang="en-GB" dirty="0"/>
-              <a:t>String Literal	</a:t>
-            </a:r>
-          </a:p>
-          <a:p>
-            <a:pPr marL="285750" indent="-285750">
-              <a:buFont typeface="Arial" panose="020B0604020202020204" pitchFamily="34" charset="0"/>
-              <a:buChar char="•"/>
-            </a:pPr>
-            <a:r>
-              <a:rPr lang="en-GB" dirty="0"/>
-              <a:t>Unary Operator	</a:t>
-            </a:r>
-          </a:p>
-          <a:p>
-            <a:pPr marL="285750" indent="-285750">
-              <a:buFont typeface="Arial" panose="020B0604020202020204" pitchFamily="34" charset="0"/>
-              <a:buChar char="•"/>
-            </a:pPr>
-            <a:r>
-              <a:rPr lang="en-GB" dirty="0"/>
-              <a:t>Update Operator</a:t>
-            </a:r>
           </a:p>
         </p:txBody>
       </p:sp>
       <p:pic>
         <p:nvPicPr>
-          <p:cNvPr id="1026" name="Picture 2" descr="Stryker"/>
+          <p:cNvPr id="3" name="Picture 2"/>
           <p:cNvPicPr>
-            <a:picLocks noChangeAspect="1" noChangeArrowheads="1"/>
+            <a:picLocks noChangeAspect="1"/>
           </p:cNvPicPr>
           <p:nvPr/>
         </p:nvPicPr>
         <p:blipFill>
-          <a:blip r:embed="rId3">
-            <a:extLst>
-              <a:ext uri="{28A0092B-C50C-407E-A947-70E740481C1C}">
-                <a14:useLocalDpi xmlns:a14="http://schemas.microsoft.com/office/drawing/2010/main" val="0"/>
-              </a:ext>
-            </a:extLst>
-          </a:blip>
-          <a:srcRect/>
+          <a:blip r:embed="rId3"/>
           <a:stretch>
             <a:fillRect/>
           </a:stretch>
         </p:blipFill>
-        <p:spPr bwMode="auto">
-          <a:xfrm>
-            <a:off x="6697133" y="1723873"/>
-            <a:ext cx="3810000" cy="3390900"/>
+        <p:spPr>
+          <a:xfrm>
+            <a:off x="888117" y="2207154"/>
+            <a:ext cx="2996779" cy="2443868"/>
           </a:xfrm>
           <a:prstGeom prst="rect">
             <a:avLst/>
           </a:prstGeom>
-          <a:noFill/>
-          <a:extLst>
-            <a:ext uri="{909E8E84-426E-40DD-AFC4-6F175D3DCCD1}">
-              <a14:hiddenFill xmlns:a14="http://schemas.microsoft.com/office/drawing/2010/main">
-                <a:solidFill>
-                  <a:srgbClr val="FFFFFF"/>
-                </a:solidFill>
-              </a14:hiddenFill>
-            </a:ext>
-          </a:extLst>
+          <a:ln>
+            <a:solidFill>
+              <a:schemeClr val="bg1"/>
+            </a:solidFill>
+          </a:ln>
+          <a:effectLst>
+            <a:outerShdw blurRad="63500" sx="102000" sy="102000" algn="ctr" rotWithShape="0">
+              <a:prstClr val="black">
+                <a:alpha val="40000"/>
+              </a:prstClr>
+            </a:outerShdw>
+          </a:effectLst>
         </p:spPr>
       </p:pic>
       <p:sp>
         <p:nvSpPr>
-          <p:cNvPr id="4" name="Rectangle 3"/>
+          <p:cNvPr id="4" name="Arrow: Right 3"/>
           <p:cNvSpPr/>
           <p:nvPr/>
         </p:nvSpPr>
         <p:spPr>
           <a:xfrm>
-            <a:off x="4474813" y="5323117"/>
-            <a:ext cx="3583802" cy="369332"/>
+            <a:off x="4118614" y="3339968"/>
+            <a:ext cx="745067" cy="178240"/>
+          </a:xfrm>
+          <a:prstGeom prst="rightArrow">
+            <a:avLst/>
+          </a:prstGeom>
+        </p:spPr>
+        <p:style>
+          <a:lnRef idx="2">
+            <a:schemeClr val="accent1">
+              <a:shade val="50000"/>
+            </a:schemeClr>
+          </a:lnRef>
+          <a:fillRef idx="1">
+            <a:schemeClr val="accent1"/>
+          </a:fillRef>
+          <a:effectRef idx="0">
+            <a:schemeClr val="accent1"/>
+          </a:effectRef>
+          <a:fontRef idx="minor">
+            <a:schemeClr val="lt1"/>
+          </a:fontRef>
+        </p:style>
+        <p:txBody>
+          <a:bodyPr rtlCol="0" anchor="ctr"/>
+          <a:lstStyle/>
+          <a:p>
+            <a:pPr algn="ctr"/>
+            <a:endParaRPr lang="en-GB"/>
+          </a:p>
+        </p:txBody>
+      </p:sp>
+      <p:sp>
+        <p:nvSpPr>
+          <p:cNvPr id="5" name="Arrow: Right 4"/>
+          <p:cNvSpPr/>
+          <p:nvPr/>
+        </p:nvSpPr>
+        <p:spPr>
+          <a:xfrm>
+            <a:off x="4153828" y="5426871"/>
+            <a:ext cx="745067" cy="178240"/>
+          </a:xfrm>
+          <a:prstGeom prst="rightArrow">
+            <a:avLst/>
+          </a:prstGeom>
+        </p:spPr>
+        <p:style>
+          <a:lnRef idx="2">
+            <a:schemeClr val="accent1">
+              <a:shade val="50000"/>
+            </a:schemeClr>
+          </a:lnRef>
+          <a:fillRef idx="1">
+            <a:schemeClr val="accent1"/>
+          </a:fillRef>
+          <a:effectRef idx="0">
+            <a:schemeClr val="accent1"/>
+          </a:effectRef>
+          <a:fontRef idx="minor">
+            <a:schemeClr val="lt1"/>
+          </a:fontRef>
+        </p:style>
+        <p:txBody>
+          <a:bodyPr rtlCol="0" anchor="ctr"/>
+          <a:lstStyle/>
+          <a:p>
+            <a:pPr algn="ctr"/>
+            <a:endParaRPr lang="en-GB"/>
+          </a:p>
+        </p:txBody>
+      </p:sp>
+      <p:pic>
+        <p:nvPicPr>
+          <p:cNvPr id="6" name="Picture 5"/>
+          <p:cNvPicPr>
+            <a:picLocks noChangeAspect="1"/>
+          </p:cNvPicPr>
+          <p:nvPr/>
+        </p:nvPicPr>
+        <p:blipFill>
+          <a:blip r:embed="rId4"/>
+          <a:stretch>
+            <a:fillRect/>
+          </a:stretch>
+        </p:blipFill>
+        <p:spPr>
+          <a:xfrm>
+            <a:off x="1982890" y="5322095"/>
+            <a:ext cx="1294953" cy="390260"/>
           </a:xfrm>
           <a:prstGeom prst="rect">
             <a:avLst/>
           </a:prstGeom>
-        </p:spPr>
-        <p:txBody>
-          <a:bodyPr wrap="none">
-            <a:spAutoFit/>
-          </a:bodyPr>
-          <a:lstStyle/>
-          <a:p>
-            <a:r>
-              <a:rPr lang="en-GB" dirty="0">
-                <a:hlinkClick r:id="rId4"/>
-              </a:rPr>
-              <a:t>https://github.com/stryker-mutator</a:t>
-            </a:r>
-            <a:r>
-              <a:rPr lang="en-GB" dirty="0"/>
-              <a:t> </a:t>
-            </a:r>
-            <a:endParaRPr lang="en-GB" dirty="0"/>
-          </a:p>
-        </p:txBody>
-      </p:sp>
+          <a:ln>
+            <a:solidFill>
+              <a:schemeClr val="bg1"/>
+            </a:solidFill>
+          </a:ln>
+          <a:effectLst>
+            <a:outerShdw blurRad="63500" sx="102000" sy="102000" algn="ctr" rotWithShape="0">
+              <a:prstClr val="black">
+                <a:alpha val="40000"/>
+              </a:prstClr>
+            </a:outerShdw>
+          </a:effectLst>
+        </p:spPr>
+      </p:pic>
+      <p:pic>
+        <p:nvPicPr>
+          <p:cNvPr id="7" name="Picture 6"/>
+          <p:cNvPicPr>
+            <a:picLocks noChangeAspect="1"/>
+          </p:cNvPicPr>
+          <p:nvPr/>
+        </p:nvPicPr>
+        <p:blipFill>
+          <a:blip r:embed="rId5"/>
+          <a:stretch>
+            <a:fillRect/>
+          </a:stretch>
+        </p:blipFill>
+        <p:spPr>
+          <a:xfrm>
+            <a:off x="5582969" y="5214851"/>
+            <a:ext cx="1593562" cy="390260"/>
+          </a:xfrm>
+          <a:prstGeom prst="rect">
+            <a:avLst/>
+          </a:prstGeom>
+          <a:ln w="38100">
+            <a:solidFill>
+              <a:schemeClr val="bg1"/>
+            </a:solidFill>
+          </a:ln>
+          <a:effectLst>
+            <a:outerShdw blurRad="63500" sx="102000" sy="102000" algn="ctr" rotWithShape="0">
+              <a:prstClr val="black">
+                <a:alpha val="40000"/>
+              </a:prstClr>
+            </a:outerShdw>
+          </a:effectLst>
+        </p:spPr>
+      </p:pic>
+      <p:pic>
+        <p:nvPicPr>
+          <p:cNvPr id="9" name="Picture 8"/>
+          <p:cNvPicPr>
+            <a:picLocks noChangeAspect="1"/>
+          </p:cNvPicPr>
+          <p:nvPr/>
+        </p:nvPicPr>
+        <p:blipFill>
+          <a:blip r:embed="rId6"/>
+          <a:stretch>
+            <a:fillRect/>
+          </a:stretch>
+        </p:blipFill>
+        <p:spPr>
+          <a:xfrm>
+            <a:off x="5214232" y="1322695"/>
+            <a:ext cx="2984525" cy="2195513"/>
+          </a:xfrm>
+          <a:prstGeom prst="rect">
+            <a:avLst/>
+          </a:prstGeom>
+          <a:ln w="38100">
+            <a:solidFill>
+              <a:schemeClr val="bg1"/>
+            </a:solidFill>
+          </a:ln>
+          <a:effectLst>
+            <a:outerShdw blurRad="63500" sx="102000" sy="102000" algn="ctr" rotWithShape="0">
+              <a:prstClr val="black">
+                <a:alpha val="40000"/>
+              </a:prstClr>
+            </a:outerShdw>
+          </a:effectLst>
+        </p:spPr>
+      </p:pic>
+      <p:pic>
+        <p:nvPicPr>
+          <p:cNvPr id="10" name="Picture 9"/>
+          <p:cNvPicPr>
+            <a:picLocks noChangeAspect="1"/>
+          </p:cNvPicPr>
+          <p:nvPr/>
+        </p:nvPicPr>
+        <p:blipFill>
+          <a:blip r:embed="rId7"/>
+          <a:stretch>
+            <a:fillRect/>
+          </a:stretch>
+        </p:blipFill>
+        <p:spPr>
+          <a:xfrm>
+            <a:off x="6872463" y="2331331"/>
+            <a:ext cx="3010343" cy="2195513"/>
+          </a:xfrm>
+          <a:prstGeom prst="rect">
+            <a:avLst/>
+          </a:prstGeom>
+          <a:ln w="38100">
+            <a:solidFill>
+              <a:schemeClr val="bg1"/>
+            </a:solidFill>
+          </a:ln>
+          <a:effectLst>
+            <a:outerShdw blurRad="63500" sx="102000" sy="102000" algn="ctr" rotWithShape="0">
+              <a:prstClr val="black">
+                <a:alpha val="40000"/>
+              </a:prstClr>
+            </a:outerShdw>
+          </a:effectLst>
+        </p:spPr>
+      </p:pic>
+      <p:pic>
+        <p:nvPicPr>
+          <p:cNvPr id="11" name="Picture 10"/>
+          <p:cNvPicPr>
+            <a:picLocks noChangeAspect="1"/>
+          </p:cNvPicPr>
+          <p:nvPr/>
+        </p:nvPicPr>
+        <p:blipFill>
+          <a:blip r:embed="rId8"/>
+          <a:stretch>
+            <a:fillRect/>
+          </a:stretch>
+        </p:blipFill>
+        <p:spPr>
+          <a:xfrm>
+            <a:off x="8590816" y="3126582"/>
+            <a:ext cx="2950221" cy="2195513"/>
+          </a:xfrm>
+          <a:prstGeom prst="rect">
+            <a:avLst/>
+          </a:prstGeom>
+          <a:ln w="38100">
+            <a:solidFill>
+              <a:schemeClr val="bg1"/>
+            </a:solidFill>
+          </a:ln>
+          <a:effectLst>
+            <a:outerShdw blurRad="63500" sx="102000" sy="102000" algn="ctr" rotWithShape="0">
+              <a:prstClr val="black">
+                <a:alpha val="40000"/>
+              </a:prstClr>
+            </a:outerShdw>
+          </a:effectLst>
+        </p:spPr>
+      </p:pic>
+      <p:pic>
+        <p:nvPicPr>
+          <p:cNvPr id="12" name="Picture 11"/>
+          <p:cNvPicPr>
+            <a:picLocks noChangeAspect="1"/>
+          </p:cNvPicPr>
+          <p:nvPr/>
+        </p:nvPicPr>
+        <p:blipFill>
+          <a:blip r:embed="rId5"/>
+          <a:stretch>
+            <a:fillRect/>
+          </a:stretch>
+        </p:blipFill>
+        <p:spPr>
+          <a:xfrm>
+            <a:off x="6519947" y="5511715"/>
+            <a:ext cx="1593562" cy="390260"/>
+          </a:xfrm>
+          <a:prstGeom prst="rect">
+            <a:avLst/>
+          </a:prstGeom>
+          <a:ln w="38100">
+            <a:solidFill>
+              <a:schemeClr val="bg1"/>
+            </a:solidFill>
+          </a:ln>
+          <a:effectLst>
+            <a:outerShdw blurRad="63500" sx="102000" sy="102000" algn="ctr" rotWithShape="0">
+              <a:prstClr val="black">
+                <a:alpha val="40000"/>
+              </a:prstClr>
+            </a:outerShdw>
+          </a:effectLst>
+        </p:spPr>
+      </p:pic>
+      <p:pic>
+        <p:nvPicPr>
+          <p:cNvPr id="13" name="Picture 12"/>
+          <p:cNvPicPr>
+            <a:picLocks noChangeAspect="1"/>
+          </p:cNvPicPr>
+          <p:nvPr/>
+        </p:nvPicPr>
+        <p:blipFill>
+          <a:blip r:embed="rId5"/>
+          <a:stretch>
+            <a:fillRect/>
+          </a:stretch>
+        </p:blipFill>
+        <p:spPr>
+          <a:xfrm>
+            <a:off x="7291621" y="5808579"/>
+            <a:ext cx="1593562" cy="390260"/>
+          </a:xfrm>
+          <a:prstGeom prst="rect">
+            <a:avLst/>
+          </a:prstGeom>
+          <a:ln w="38100">
+            <a:solidFill>
+              <a:schemeClr val="bg1"/>
+            </a:solidFill>
+          </a:ln>
+          <a:effectLst>
+            <a:outerShdw blurRad="63500" sx="102000" sy="102000" algn="ctr" rotWithShape="0">
+              <a:prstClr val="black">
+                <a:alpha val="40000"/>
+              </a:prstClr>
+            </a:outerShdw>
+          </a:effectLst>
+        </p:spPr>
+      </p:pic>
     </p:spTree>
     <p:extLst>
       <p:ext uri="{BB962C8B-B14F-4D97-AF65-F5344CB8AC3E}">
-        <p14:creationId xmlns:p14="http://schemas.microsoft.com/office/powerpoint/2010/main" val="1634304619"/>
+        <p14:creationId xmlns:p14="http://schemas.microsoft.com/office/powerpoint/2010/main" val="621114528"/>
       </p:ext>
     </p:extLst>
   </p:cSld>
@@ -18627,11 +18966,8 @@
           <a:p>
             <a:r>
               <a:rPr lang="en-GB" dirty="0"/>
-              <a:t>Mutant killing</a:t>
-            </a:r>
-          </a:p>
-          <a:p>
-            <a:endParaRPr lang="en-GB" dirty="0"/>
+              <a:t>Mutations</a:t>
+            </a:r>
           </a:p>
           <a:p>
             <a:endParaRPr lang="ru-RU" dirty="0"/>
@@ -18640,7 +18976,7 @@
       </p:sp>
       <p:pic>
         <p:nvPicPr>
-          <p:cNvPr id="4" name="Picture 3"/>
+          <p:cNvPr id="5" name="Picture 4"/>
           <p:cNvPicPr>
             <a:picLocks noChangeAspect="1"/>
           </p:cNvPicPr>
@@ -18654,8 +18990,56 @@
         </p:blipFill>
         <p:spPr>
           <a:xfrm>
-            <a:off x="380118" y="1484665"/>
-            <a:ext cx="11274924" cy="3787246"/>
+            <a:off x="738191" y="1289070"/>
+            <a:ext cx="3086100" cy="3724275"/>
+          </a:xfrm>
+          <a:prstGeom prst="rect">
+            <a:avLst/>
+          </a:prstGeom>
+        </p:spPr>
+      </p:pic>
+      <p:pic>
+        <p:nvPicPr>
+          <p:cNvPr id="6" name="Picture 5"/>
+          <p:cNvPicPr>
+            <a:picLocks noChangeAspect="1"/>
+          </p:cNvPicPr>
+          <p:nvPr/>
+        </p:nvPicPr>
+        <p:blipFill>
+          <a:blip r:embed="rId4"/>
+          <a:stretch>
+            <a:fillRect/>
+          </a:stretch>
+        </p:blipFill>
+        <p:spPr>
+          <a:xfrm>
+            <a:off x="3361304" y="2436893"/>
+            <a:ext cx="3086100" cy="2657475"/>
+          </a:xfrm>
+          <a:prstGeom prst="rect">
+            <a:avLst/>
+          </a:prstGeom>
+        </p:spPr>
+      </p:pic>
+      <p:pic>
+        <p:nvPicPr>
+          <p:cNvPr id="7" name="Picture 6"/>
+          <p:cNvPicPr>
+            <a:picLocks noChangeAspect="1"/>
+          </p:cNvPicPr>
+          <p:nvPr/>
+        </p:nvPicPr>
+        <p:blipFill>
+          <a:blip r:embed="rId5"/>
+          <a:stretch>
+            <a:fillRect/>
+          </a:stretch>
+        </p:blipFill>
+        <p:spPr>
+          <a:xfrm>
+            <a:off x="7659003" y="1381668"/>
+            <a:ext cx="2962275" cy="3267075"/>
           </a:xfrm>
           <a:prstGeom prst="rect">
             <a:avLst/>
@@ -18665,7 +19049,7 @@
     </p:spTree>
     <p:extLst>
       <p:ext uri="{BB962C8B-B14F-4D97-AF65-F5344CB8AC3E}">
-        <p14:creationId xmlns:p14="http://schemas.microsoft.com/office/powerpoint/2010/main" val="250124743"/>
+        <p14:creationId xmlns:p14="http://schemas.microsoft.com/office/powerpoint/2010/main" val="347344376"/>
       </p:ext>
     </p:extLst>
   </p:cSld>
@@ -18709,129 +19093,225 @@
           <a:p>
             <a:r>
               <a:rPr lang="en-GB" dirty="0"/>
-              <a:t>Equal mutant</a:t>
-            </a:r>
-          </a:p>
-          <a:p>
-            <a:endParaRPr lang="en-GB" dirty="0"/>
+              <a:t>Mutations</a:t>
+            </a:r>
           </a:p>
           <a:p>
             <a:endParaRPr lang="ru-RU" dirty="0"/>
+          </a:p>
+        </p:txBody>
+      </p:sp>
+      <p:sp>
+        <p:nvSpPr>
+          <p:cNvPr id="3" name="Rectangle 2"/>
+          <p:cNvSpPr/>
+          <p:nvPr/>
+        </p:nvSpPr>
+        <p:spPr>
+          <a:xfrm>
+            <a:off x="1073523" y="1341831"/>
+            <a:ext cx="6096000" cy="4154984"/>
+          </a:xfrm>
+          <a:prstGeom prst="rect">
+            <a:avLst/>
+          </a:prstGeom>
+        </p:spPr>
+        <p:txBody>
+          <a:bodyPr>
+            <a:spAutoFit/>
+          </a:bodyPr>
+          <a:lstStyle/>
+          <a:p>
+            <a:pPr marL="285750" indent="-285750">
+              <a:buFont typeface="Arial" panose="020B0604020202020204" pitchFamily="34" charset="0"/>
+              <a:buChar char="•"/>
+            </a:pPr>
+            <a:r>
+              <a:rPr lang="en-GB" sz="2400" dirty="0"/>
+              <a:t>Block Statement	</a:t>
+            </a:r>
+          </a:p>
+          <a:p>
+            <a:pPr marL="285750" indent="-285750">
+              <a:buFont typeface="Arial" panose="020B0604020202020204" pitchFamily="34" charset="0"/>
+              <a:buChar char="•"/>
+            </a:pPr>
+            <a:r>
+              <a:rPr lang="en-GB" sz="2400" dirty="0"/>
+              <a:t>Arithmetic Operator</a:t>
+            </a:r>
+          </a:p>
+          <a:p>
+            <a:pPr marL="285750" indent="-285750">
+              <a:buFont typeface="Arial" panose="020B0604020202020204" pitchFamily="34" charset="0"/>
+              <a:buChar char="•"/>
+            </a:pPr>
+            <a:r>
+              <a:rPr lang="en-GB" sz="2400" dirty="0"/>
+              <a:t>Array Declaration	</a:t>
+            </a:r>
+          </a:p>
+          <a:p>
+            <a:pPr marL="285750" indent="-285750">
+              <a:buFont typeface="Arial" panose="020B0604020202020204" pitchFamily="34" charset="0"/>
+              <a:buChar char="•"/>
+            </a:pPr>
+            <a:r>
+              <a:rPr lang="en-GB" sz="2400" dirty="0"/>
+              <a:t>Boolean Literal	</a:t>
+            </a:r>
+          </a:p>
+          <a:p>
+            <a:pPr marL="285750" indent="-285750">
+              <a:buFont typeface="Arial" panose="020B0604020202020204" pitchFamily="34" charset="0"/>
+              <a:buChar char="•"/>
+            </a:pPr>
+            <a:r>
+              <a:rPr lang="en-GB" sz="2400" dirty="0"/>
+              <a:t>Checked Statement	</a:t>
+            </a:r>
+          </a:p>
+          <a:p>
+            <a:pPr marL="285750" indent="-285750">
+              <a:buFont typeface="Arial" panose="020B0604020202020204" pitchFamily="34" charset="0"/>
+              <a:buChar char="•"/>
+            </a:pPr>
+            <a:r>
+              <a:rPr lang="en-GB" sz="2400" dirty="0"/>
+              <a:t>Conditional Expression	</a:t>
+            </a:r>
+          </a:p>
+          <a:p>
+            <a:pPr marL="285750" indent="-285750">
+              <a:buFont typeface="Arial" panose="020B0604020202020204" pitchFamily="34" charset="0"/>
+              <a:buChar char="•"/>
+            </a:pPr>
+            <a:r>
+              <a:rPr lang="en-GB" sz="2400" dirty="0"/>
+              <a:t>Equality Operator	</a:t>
+            </a:r>
+          </a:p>
+          <a:p>
+            <a:pPr marL="285750" indent="-285750">
+              <a:buFont typeface="Arial" panose="020B0604020202020204" pitchFamily="34" charset="0"/>
+              <a:buChar char="•"/>
+            </a:pPr>
+            <a:r>
+              <a:rPr lang="en-GB" sz="2400" dirty="0"/>
+              <a:t>Logical Operator	</a:t>
+            </a:r>
+          </a:p>
+          <a:p>
+            <a:pPr marL="285750" indent="-285750">
+              <a:buFont typeface="Arial" panose="020B0604020202020204" pitchFamily="34" charset="0"/>
+              <a:buChar char="•"/>
+            </a:pPr>
+            <a:r>
+              <a:rPr lang="en-GB" sz="2400" dirty="0"/>
+              <a:t>String Literal	</a:t>
+            </a:r>
+          </a:p>
+          <a:p>
+            <a:pPr marL="285750" indent="-285750">
+              <a:buFont typeface="Arial" panose="020B0604020202020204" pitchFamily="34" charset="0"/>
+              <a:buChar char="•"/>
+            </a:pPr>
+            <a:r>
+              <a:rPr lang="en-GB" sz="2400" dirty="0"/>
+              <a:t>Unary Operator	</a:t>
+            </a:r>
+          </a:p>
+          <a:p>
+            <a:pPr marL="285750" indent="-285750">
+              <a:buFont typeface="Arial" panose="020B0604020202020204" pitchFamily="34" charset="0"/>
+              <a:buChar char="•"/>
+            </a:pPr>
+            <a:r>
+              <a:rPr lang="en-GB" sz="2400" dirty="0"/>
+              <a:t>Update Operator</a:t>
+            </a:r>
           </a:p>
         </p:txBody>
       </p:sp>
       <p:pic>
         <p:nvPicPr>
-          <p:cNvPr id="3" name="Picture 2"/>
+          <p:cNvPr id="1026" name="Picture 2" descr="Stryker"/>
           <p:cNvPicPr>
-            <a:picLocks noChangeAspect="1"/>
+            <a:picLocks noChangeAspect="1" noChangeArrowheads="1"/>
           </p:cNvPicPr>
           <p:nvPr/>
         </p:nvPicPr>
         <p:blipFill>
-          <a:blip r:embed="rId3"/>
+          <a:blip r:embed="rId3">
+            <a:extLst>
+              <a:ext uri="{28A0092B-C50C-407E-A947-70E740481C1C}">
+                <a14:useLocalDpi xmlns:a14="http://schemas.microsoft.com/office/drawing/2010/main" val="0"/>
+              </a:ext>
+            </a:extLst>
+          </a:blip>
+          <a:srcRect/>
           <a:stretch>
             <a:fillRect/>
           </a:stretch>
         </p:blipFill>
-        <p:spPr>
-          <a:xfrm>
-            <a:off x="3788358" y="1369309"/>
-            <a:ext cx="4294114" cy="2218843"/>
-          </a:xfrm>
-          <a:prstGeom prst="rect">
-            <a:avLst/>
-          </a:prstGeom>
-        </p:spPr>
-      </p:pic>
-      <p:pic>
-        <p:nvPicPr>
-          <p:cNvPr id="4" name="Picture 3"/>
-          <p:cNvPicPr>
-            <a:picLocks noChangeAspect="1"/>
-          </p:cNvPicPr>
-          <p:nvPr/>
-        </p:nvPicPr>
-        <p:blipFill>
-          <a:blip r:embed="rId4"/>
-          <a:stretch>
-            <a:fillRect/>
-          </a:stretch>
-        </p:blipFill>
-        <p:spPr>
-          <a:xfrm>
-            <a:off x="3788358" y="4106118"/>
-            <a:ext cx="6230770" cy="1218236"/>
-          </a:xfrm>
-          <a:prstGeom prst="rect">
-            <a:avLst/>
-          </a:prstGeom>
-        </p:spPr>
-      </p:pic>
-      <p:sp>
-        <p:nvSpPr>
-          <p:cNvPr id="5" name="TextBox 4"/>
-          <p:cNvSpPr txBox="1"/>
-          <p:nvPr/>
-        </p:nvSpPr>
-        <p:spPr>
-          <a:xfrm>
-            <a:off x="738191" y="1306381"/>
-            <a:ext cx="667170" cy="369332"/>
+        <p:spPr bwMode="auto">
+          <a:xfrm>
+            <a:off x="6697133" y="1723873"/>
+            <a:ext cx="3810000" cy="3390900"/>
           </a:xfrm>
           <a:prstGeom prst="rect">
             <a:avLst/>
           </a:prstGeom>
           <a:noFill/>
-        </p:spPr>
-        <p:txBody>
-          <a:bodyPr wrap="none" rtlCol="0">
+          <a:extLst>
+            <a:ext uri="{909E8E84-426E-40DD-AFC4-6F175D3DCCD1}">
+              <a14:hiddenFill xmlns:a14="http://schemas.microsoft.com/office/drawing/2010/main">
+                <a:solidFill>
+                  <a:srgbClr val="FFFFFF"/>
+                </a:solidFill>
+              </a14:hiddenFill>
+            </a:ext>
+          </a:extLst>
+        </p:spPr>
+      </p:pic>
+      <p:sp>
+        <p:nvSpPr>
+          <p:cNvPr id="4" name="Rectangle 3"/>
+          <p:cNvSpPr/>
+          <p:nvPr/>
+        </p:nvSpPr>
+        <p:spPr>
+          <a:xfrm>
+            <a:off x="4474813" y="5323117"/>
+            <a:ext cx="3583802" cy="369332"/>
+          </a:xfrm>
+          <a:prstGeom prst="rect">
+            <a:avLst/>
+          </a:prstGeom>
+        </p:spPr>
+        <p:txBody>
+          <a:bodyPr wrap="none">
             <a:spAutoFit/>
           </a:bodyPr>
           <a:lstStyle/>
           <a:p>
             <a:r>
-              <a:rPr lang="en-US" dirty="0"/>
-              <a:t>Code</a:t>
-            </a:r>
-            <a:endParaRPr lang="en-GB" dirty="0"/>
-          </a:p>
-        </p:txBody>
-      </p:sp>
-      <p:sp>
-        <p:nvSpPr>
-          <p:cNvPr id="6" name="TextBox 5"/>
-          <p:cNvSpPr txBox="1"/>
-          <p:nvPr/>
-        </p:nvSpPr>
-        <p:spPr>
-          <a:xfrm>
-            <a:off x="738191" y="4080074"/>
-            <a:ext cx="1539332" cy="369332"/>
-          </a:xfrm>
-          <a:prstGeom prst="rect">
-            <a:avLst/>
-          </a:prstGeom>
-          <a:noFill/>
-        </p:spPr>
-        <p:txBody>
-          <a:bodyPr wrap="none" rtlCol="0">
-            <a:spAutoFit/>
-          </a:bodyPr>
-          <a:lstStyle/>
-          <a:p>
-            <a:r>
-              <a:rPr lang="en-US" dirty="0"/>
-              <a:t>Stryker output</a:t>
-            </a:r>
-            <a:endParaRPr lang="en-GB" dirty="0"/>
+              <a:rPr lang="en-GB" dirty="0">
+                <a:hlinkClick r:id="rId4"/>
+              </a:rPr>
+              <a:t>https://github.com/stryker-mutator</a:t>
+            </a:r>
+            <a:r>
+              <a:rPr lang="en-GB" dirty="0"/>
+              <a:t> </a:t>
+            </a:r>
           </a:p>
         </p:txBody>
       </p:sp>
     </p:spTree>
     <p:extLst>
       <p:ext uri="{BB962C8B-B14F-4D97-AF65-F5344CB8AC3E}">
-        <p14:creationId xmlns:p14="http://schemas.microsoft.com/office/powerpoint/2010/main" val="2437326866"/>
+        <p14:creationId xmlns:p14="http://schemas.microsoft.com/office/powerpoint/2010/main" val="1634304619"/>
       </p:ext>
     </p:extLst>
   </p:cSld>
@@ -18875,8 +19355,10 @@
           <a:p>
             <a:r>
               <a:rPr lang="en-GB" dirty="0"/>
-              <a:t>Flaky tests</a:t>
-            </a:r>
+              <a:t>Mutant killing</a:t>
+            </a:r>
+          </a:p>
+          <a:p>
             <a:endParaRPr lang="en-GB" dirty="0"/>
           </a:p>
           <a:p>
@@ -18886,49 +19368,32 @@
       </p:sp>
       <p:pic>
         <p:nvPicPr>
-          <p:cNvPr id="1026" name="Picture 2" descr="Related image"/>
+          <p:cNvPr id="4" name="Picture 3"/>
           <p:cNvPicPr>
-            <a:picLocks noChangeAspect="1" noChangeArrowheads="1"/>
+            <a:picLocks noChangeAspect="1"/>
           </p:cNvPicPr>
           <p:nvPr/>
         </p:nvPicPr>
         <p:blipFill>
-          <a:blip r:embed="rId3">
-            <a:extLst>
-              <a:ext uri="{28A0092B-C50C-407E-A947-70E740481C1C}">
-                <a14:useLocalDpi xmlns:a14="http://schemas.microsoft.com/office/drawing/2010/main" val="0"/>
-              </a:ext>
-            </a:extLst>
-          </a:blip>
-          <a:srcRect/>
+          <a:blip r:embed="rId3"/>
           <a:stretch>
             <a:fillRect/>
           </a:stretch>
         </p:blipFill>
-        <p:spPr bwMode="auto">
-          <a:xfrm>
-            <a:off x="3714750" y="1643063"/>
-            <a:ext cx="4762500" cy="3571875"/>
+        <p:spPr>
+          <a:xfrm>
+            <a:off x="380118" y="1484665"/>
+            <a:ext cx="11274924" cy="3787246"/>
           </a:xfrm>
           <a:prstGeom prst="rect">
             <a:avLst/>
           </a:prstGeom>
-          <a:noFill/>
-          <a:extLst>
-            <a:ext uri="{909E8E84-426E-40DD-AFC4-6F175D3DCCD1}">
-              <a14:hiddenFill xmlns:a14="http://schemas.microsoft.com/office/drawing/2010/main">
-                <a:solidFill>
-                  <a:srgbClr val="FFFFFF"/>
-                </a:solidFill>
-              </a14:hiddenFill>
-            </a:ext>
-          </a:extLst>
         </p:spPr>
       </p:pic>
     </p:spTree>
     <p:extLst>
       <p:ext uri="{BB962C8B-B14F-4D97-AF65-F5344CB8AC3E}">
-        <p14:creationId xmlns:p14="http://schemas.microsoft.com/office/powerpoint/2010/main" val="2455905840"/>
+        <p14:creationId xmlns:p14="http://schemas.microsoft.com/office/powerpoint/2010/main" val="250124743"/>
       </p:ext>
     </p:extLst>
   </p:cSld>
@@ -18972,8 +19437,10 @@
           <a:p>
             <a:r>
               <a:rPr lang="en-GB" dirty="0"/>
-              <a:t>Jasmine/Karma fails</a:t>
-            </a:r>
+              <a:t>Equal mutant</a:t>
+            </a:r>
+          </a:p>
+          <a:p>
             <a:endParaRPr lang="en-GB" dirty="0"/>
           </a:p>
           <a:p>
@@ -18983,48 +19450,31 @@
       </p:sp>
       <p:pic>
         <p:nvPicPr>
-          <p:cNvPr id="2050" name="Picture 2" descr="Related image"/>
+          <p:cNvPr id="3" name="Picture 2"/>
           <p:cNvPicPr>
-            <a:picLocks noChangeAspect="1" noChangeArrowheads="1"/>
+            <a:picLocks noChangeAspect="1"/>
           </p:cNvPicPr>
           <p:nvPr/>
         </p:nvPicPr>
         <p:blipFill>
-          <a:blip r:embed="rId3">
-            <a:extLst>
-              <a:ext uri="{28A0092B-C50C-407E-A947-70E740481C1C}">
-                <a14:useLocalDpi xmlns:a14="http://schemas.microsoft.com/office/drawing/2010/main" val="0"/>
-              </a:ext>
-            </a:extLst>
-          </a:blip>
-          <a:srcRect/>
+          <a:blip r:embed="rId3"/>
           <a:stretch>
             <a:fillRect/>
           </a:stretch>
         </p:blipFill>
-        <p:spPr bwMode="auto">
-          <a:xfrm>
-            <a:off x="3666884" y="1678511"/>
-            <a:ext cx="4733925" cy="1857375"/>
+        <p:spPr>
+          <a:xfrm>
+            <a:off x="3788358" y="1369309"/>
+            <a:ext cx="4294114" cy="2218843"/>
           </a:xfrm>
           <a:prstGeom prst="rect">
             <a:avLst/>
           </a:prstGeom>
-          <a:noFill/>
-          <a:extLst>
-            <a:ext uri="{909E8E84-426E-40DD-AFC4-6F175D3DCCD1}">
-              <a14:hiddenFill xmlns:a14="http://schemas.microsoft.com/office/drawing/2010/main">
-                <a:solidFill>
-                  <a:srgbClr val="FFFFFF"/>
-                </a:solidFill>
-              </a14:hiddenFill>
-            </a:ext>
-          </a:extLst>
         </p:spPr>
       </p:pic>
       <p:pic>
         <p:nvPicPr>
-          <p:cNvPr id="3" name="Picture 2"/>
+          <p:cNvPr id="4" name="Picture 3"/>
           <p:cNvPicPr>
             <a:picLocks noChangeAspect="1"/>
           </p:cNvPicPr>
@@ -19038,18 +19488,78 @@
         </p:blipFill>
         <p:spPr>
           <a:xfrm>
-            <a:off x="4115704" y="3898358"/>
-            <a:ext cx="3836287" cy="1657490"/>
+            <a:off x="3788358" y="4106118"/>
+            <a:ext cx="6230770" cy="1218236"/>
           </a:xfrm>
           <a:prstGeom prst="rect">
             <a:avLst/>
           </a:prstGeom>
         </p:spPr>
       </p:pic>
+      <p:sp>
+        <p:nvSpPr>
+          <p:cNvPr id="5" name="TextBox 4"/>
+          <p:cNvSpPr txBox="1"/>
+          <p:nvPr/>
+        </p:nvSpPr>
+        <p:spPr>
+          <a:xfrm>
+            <a:off x="738191" y="1306381"/>
+            <a:ext cx="825867" cy="461665"/>
+          </a:xfrm>
+          <a:prstGeom prst="rect">
+            <a:avLst/>
+          </a:prstGeom>
+          <a:noFill/>
+        </p:spPr>
+        <p:txBody>
+          <a:bodyPr wrap="none" rtlCol="0">
+            <a:spAutoFit/>
+          </a:bodyPr>
+          <a:lstStyle/>
+          <a:p>
+            <a:r>
+              <a:rPr lang="en-US" sz="2400" dirty="0"/>
+              <a:t>Code</a:t>
+            </a:r>
+            <a:endParaRPr lang="en-GB" sz="2400" dirty="0"/>
+          </a:p>
+        </p:txBody>
+      </p:sp>
+      <p:sp>
+        <p:nvSpPr>
+          <p:cNvPr id="6" name="TextBox 5"/>
+          <p:cNvSpPr txBox="1"/>
+          <p:nvPr/>
+        </p:nvSpPr>
+        <p:spPr>
+          <a:xfrm>
+            <a:off x="738191" y="4080074"/>
+            <a:ext cx="1989199" cy="461665"/>
+          </a:xfrm>
+          <a:prstGeom prst="rect">
+            <a:avLst/>
+          </a:prstGeom>
+          <a:noFill/>
+        </p:spPr>
+        <p:txBody>
+          <a:bodyPr wrap="none" rtlCol="0">
+            <a:spAutoFit/>
+          </a:bodyPr>
+          <a:lstStyle/>
+          <a:p>
+            <a:r>
+              <a:rPr lang="en-US" sz="2400" dirty="0"/>
+              <a:t>Stryker output</a:t>
+            </a:r>
+            <a:endParaRPr lang="en-GB" sz="2400" dirty="0"/>
+          </a:p>
+        </p:txBody>
+      </p:sp>
     </p:spTree>
     <p:extLst>
       <p:ext uri="{BB962C8B-B14F-4D97-AF65-F5344CB8AC3E}">
-        <p14:creationId xmlns:p14="http://schemas.microsoft.com/office/powerpoint/2010/main" val="1135466741"/>
+        <p14:creationId xmlns:p14="http://schemas.microsoft.com/office/powerpoint/2010/main" val="2437326866"/>
       </p:ext>
     </p:extLst>
   </p:cSld>
@@ -19093,109 +19603,59 @@
           <a:p>
             <a:r>
               <a:rPr lang="en-GB" dirty="0"/>
-              <a:t>Mutant testing complexity</a:t>
-            </a:r>
-          </a:p>
-          <a:p>
-            <a:endParaRPr lang="en-GB" dirty="0"/>
-          </a:p>
-          <a:p>
-            <a:endParaRPr lang="en-GB" dirty="0"/>
+              <a:t>Flaky tests</a:t>
+            </a:r>
           </a:p>
           <a:p>
             <a:endParaRPr lang="ru-RU" dirty="0"/>
           </a:p>
         </p:txBody>
       </p:sp>
-      <p:sp>
-        <p:nvSpPr>
-          <p:cNvPr id="3" name="TextBox 2"/>
-          <p:cNvSpPr txBox="1"/>
+      <p:pic>
+        <p:nvPicPr>
+          <p:cNvPr id="1026" name="Picture 2" descr="Related image"/>
+          <p:cNvPicPr>
+            <a:picLocks noChangeAspect="1" noChangeArrowheads="1"/>
+          </p:cNvPicPr>
           <p:nvPr/>
-        </p:nvSpPr>
-        <p:spPr>
-          <a:xfrm>
-            <a:off x="1747777" y="1759352"/>
-            <a:ext cx="8102279" cy="2677656"/>
+        </p:nvPicPr>
+        <p:blipFill>
+          <a:blip r:embed="rId3">
+            <a:extLst>
+              <a:ext uri="{28A0092B-C50C-407E-A947-70E740481C1C}">
+                <a14:useLocalDpi xmlns:a14="http://schemas.microsoft.com/office/drawing/2010/main" val="0"/>
+              </a:ext>
+            </a:extLst>
+          </a:blip>
+          <a:srcRect/>
+          <a:stretch>
+            <a:fillRect/>
+          </a:stretch>
+        </p:blipFill>
+        <p:spPr bwMode="auto">
+          <a:xfrm>
+            <a:off x="3714750" y="1643063"/>
+            <a:ext cx="4762500" cy="3571875"/>
           </a:xfrm>
           <a:prstGeom prst="rect">
             <a:avLst/>
           </a:prstGeom>
           <a:noFill/>
-        </p:spPr>
-        <p:txBody>
-          <a:bodyPr wrap="square" rtlCol="0">
-            <a:spAutoFit/>
-          </a:bodyPr>
-          <a:lstStyle/>
-          <a:p>
-            <a:pPr marL="285750" indent="-285750">
-              <a:buFont typeface="Arial" panose="020B0604020202020204" pitchFamily="34" charset="0"/>
-              <a:buChar char="•"/>
-            </a:pPr>
-            <a:r>
-              <a:rPr lang="en-US" sz="2400" dirty="0"/>
-              <a:t>N^2 ?</a:t>
-            </a:r>
-          </a:p>
-          <a:p>
-            <a:pPr marL="285750" indent="-285750">
-              <a:buFont typeface="Arial" panose="020B0604020202020204" pitchFamily="34" charset="0"/>
-              <a:buChar char="•"/>
-            </a:pPr>
-            <a:endParaRPr lang="en-US" sz="2400" dirty="0"/>
-          </a:p>
-          <a:p>
-            <a:pPr marL="285750" indent="-285750">
-              <a:buFont typeface="Arial" panose="020B0604020202020204" pitchFamily="34" charset="0"/>
-              <a:buChar char="•"/>
-            </a:pPr>
-            <a:r>
-              <a:rPr lang="en-US" sz="2400" dirty="0"/>
-              <a:t>Independent for classes</a:t>
-            </a:r>
-          </a:p>
-          <a:p>
-            <a:pPr marL="285750" indent="-285750">
-              <a:buFont typeface="Arial" panose="020B0604020202020204" pitchFamily="34" charset="0"/>
-              <a:buChar char="•"/>
-            </a:pPr>
-            <a:endParaRPr lang="en-US" sz="2400" dirty="0"/>
-          </a:p>
-          <a:p>
-            <a:pPr marL="285750" indent="-285750">
-              <a:buFont typeface="Arial" panose="020B0604020202020204" pitchFamily="34" charset="0"/>
-              <a:buChar char="•"/>
-            </a:pPr>
-            <a:r>
-              <a:rPr lang="en-US" sz="2400" dirty="0"/>
-              <a:t>Clear code restriction</a:t>
-            </a:r>
-          </a:p>
-          <a:p>
-            <a:pPr marL="285750" indent="-285750">
-              <a:buFont typeface="Arial" panose="020B0604020202020204" pitchFamily="34" charset="0"/>
-              <a:buChar char="•"/>
-            </a:pPr>
-            <a:endParaRPr lang="en-US" sz="2400" dirty="0"/>
-          </a:p>
-          <a:p>
-            <a:pPr marL="285750" indent="-285750">
-              <a:buFont typeface="Arial" panose="020B0604020202020204" pitchFamily="34" charset="0"/>
-              <a:buChar char="•"/>
-            </a:pPr>
-            <a:r>
-              <a:rPr lang="en-US" sz="2400" dirty="0"/>
-              <a:t>Test coverage analyze</a:t>
-            </a:r>
-            <a:endParaRPr lang="en-GB" sz="2400" dirty="0"/>
-          </a:p>
-        </p:txBody>
-      </p:sp>
+          <a:extLst>
+            <a:ext uri="{909E8E84-426E-40DD-AFC4-6F175D3DCCD1}">
+              <a14:hiddenFill xmlns:a14="http://schemas.microsoft.com/office/drawing/2010/main">
+                <a:solidFill>
+                  <a:srgbClr val="FFFFFF"/>
+                </a:solidFill>
+              </a14:hiddenFill>
+            </a:ext>
+          </a:extLst>
+        </p:spPr>
+      </p:pic>
     </p:spTree>
     <p:extLst>
       <p:ext uri="{BB962C8B-B14F-4D97-AF65-F5344CB8AC3E}">
-        <p14:creationId xmlns:p14="http://schemas.microsoft.com/office/powerpoint/2010/main" val="3125230620"/>
+        <p14:creationId xmlns:p14="http://schemas.microsoft.com/office/powerpoint/2010/main" val="2455905840"/>
       </p:ext>
     </p:extLst>
   </p:cSld>
@@ -19239,14 +19699,8 @@
           <a:p>
             <a:r>
               <a:rPr lang="en-GB" dirty="0"/>
-              <a:t>Mutant testing advantages and disadvantages</a:t>
-            </a:r>
-          </a:p>
-          <a:p>
-            <a:endParaRPr lang="en-GB" dirty="0"/>
-          </a:p>
-          <a:p>
-            <a:endParaRPr lang="en-GB" dirty="0"/>
+              <a:t>Bad mutants</a:t>
+            </a:r>
           </a:p>
           <a:p>
             <a:endParaRPr lang="ru-RU" dirty="0"/>
@@ -19261,8 +19715,8 @@
         </p:nvSpPr>
         <p:spPr>
           <a:xfrm>
-            <a:off x="1027558" y="1805650"/>
-            <a:ext cx="3932359" cy="1200329"/>
+            <a:off x="1610592" y="1911927"/>
+            <a:ext cx="3196709" cy="2246769"/>
           </a:xfrm>
           <a:prstGeom prst="rect">
             <a:avLst/>
@@ -19280,8 +19734,8 @@
               <a:buChar char="•"/>
             </a:pPr>
             <a:r>
-              <a:rPr lang="en-US" sz="2400" dirty="0"/>
-              <a:t>Hard tested code</a:t>
+              <a:rPr lang="en-GB" sz="2800" dirty="0"/>
+              <a:t>Looping</a:t>
             </a:r>
           </a:p>
           <a:p>
@@ -19290,8 +19744,8 @@
               <a:buChar char="•"/>
             </a:pPr>
             <a:r>
-              <a:rPr lang="en-US" sz="2400" dirty="0"/>
-              <a:t>Show true untested code</a:t>
+              <a:rPr lang="en-GB" sz="2800" dirty="0"/>
+              <a:t>Memory gluttony</a:t>
             </a:r>
           </a:p>
           <a:p>
@@ -19300,42 +19754,18 @@
               <a:buChar char="•"/>
             </a:pPr>
             <a:r>
-              <a:rPr lang="en-US" sz="2400" dirty="0"/>
-              <a:t>Force to write code smarter</a:t>
-            </a:r>
-            <a:endParaRPr lang="en-GB" sz="2400" dirty="0"/>
-          </a:p>
-        </p:txBody>
-      </p:sp>
-      <p:sp>
-        <p:nvSpPr>
-          <p:cNvPr id="5" name="TextBox 4"/>
-          <p:cNvSpPr txBox="1"/>
-          <p:nvPr/>
-        </p:nvSpPr>
-        <p:spPr>
-          <a:xfrm>
-            <a:off x="6157072" y="1828270"/>
-            <a:ext cx="3385863" cy="1569660"/>
-          </a:xfrm>
-          <a:prstGeom prst="rect">
-            <a:avLst/>
-          </a:prstGeom>
-          <a:noFill/>
-        </p:spPr>
-        <p:txBody>
-          <a:bodyPr wrap="none" rtlCol="0">
-            <a:spAutoFit/>
-          </a:bodyPr>
-          <a:lstStyle/>
+              <a:rPr lang="en-GB" sz="2800" dirty="0"/>
+              <a:t>Memory leak</a:t>
+            </a:r>
+          </a:p>
           <a:p>
             <a:pPr marL="285750" indent="-285750">
               <a:buFont typeface="Arial" panose="020B0604020202020204" pitchFamily="34" charset="0"/>
               <a:buChar char="•"/>
             </a:pPr>
             <a:r>
-              <a:rPr lang="en-US" sz="2400" dirty="0"/>
-              <a:t>Hard to test code</a:t>
+              <a:rPr lang="en-GB" sz="2800" dirty="0"/>
+              <a:t>System calls</a:t>
             </a:r>
           </a:p>
           <a:p>
@@ -19344,45 +19774,16 @@
               <a:buChar char="•"/>
             </a:pPr>
             <a:r>
-              <a:rPr lang="en-US" sz="2400" dirty="0"/>
-              <a:t>Hard to change code</a:t>
-            </a:r>
-          </a:p>
-          <a:p>
-            <a:pPr marL="285750" indent="-285750">
-              <a:buFont typeface="Arial" panose="020B0604020202020204" pitchFamily="34" charset="0"/>
-              <a:buChar char="•"/>
-            </a:pPr>
-            <a:r>
-              <a:rPr lang="en-GB" sz="2400" dirty="0"/>
-              <a:t>“</a:t>
-            </a:r>
-            <a:r>
-              <a:rPr lang="en-US" sz="2400" dirty="0"/>
-              <a:t>Score”</a:t>
-            </a:r>
-            <a:r>
-              <a:rPr lang="ru-RU" sz="2400" dirty="0"/>
-              <a:t> </a:t>
-            </a:r>
-            <a:r>
-              <a:rPr lang="en-US" sz="2400" dirty="0"/>
-              <a:t>is not objective</a:t>
-            </a:r>
-          </a:p>
-          <a:p>
-            <a:pPr marL="285750" indent="-285750">
-              <a:buFont typeface="Arial" panose="020B0604020202020204" pitchFamily="34" charset="0"/>
-              <a:buChar char="•"/>
-            </a:pPr>
-            <a:endParaRPr lang="en-GB" sz="2400" dirty="0"/>
+              <a:rPr lang="en-GB" sz="2800" dirty="0"/>
+              <a:t>Environment crash</a:t>
+            </a:r>
           </a:p>
         </p:txBody>
       </p:sp>
     </p:spTree>
     <p:extLst>
       <p:ext uri="{BB962C8B-B14F-4D97-AF65-F5344CB8AC3E}">
-        <p14:creationId xmlns:p14="http://schemas.microsoft.com/office/powerpoint/2010/main" val="902548611"/>
+        <p14:creationId xmlns:p14="http://schemas.microsoft.com/office/powerpoint/2010/main" val="3787149450"/>
       </p:ext>
     </p:extLst>
   </p:cSld>
@@ -19426,14 +19827,8 @@
           <a:p>
             <a:r>
               <a:rPr lang="en-GB" dirty="0"/>
-              <a:t>Mutant tests can generate code?</a:t>
-            </a:r>
-          </a:p>
-          <a:p>
-            <a:endParaRPr lang="en-GB" dirty="0"/>
-          </a:p>
-          <a:p>
-            <a:endParaRPr lang="en-GB" dirty="0"/>
+              <a:t>Jasmine/Karma fails</a:t>
+            </a:r>
           </a:p>
           <a:p>
             <a:endParaRPr lang="ru-RU" dirty="0"/>
@@ -19442,89 +19837,48 @@
       </p:sp>
       <p:pic>
         <p:nvPicPr>
-          <p:cNvPr id="3" name="Picture 2"/>
+          <p:cNvPr id="2050" name="Picture 2" descr="Related image"/>
           <p:cNvPicPr>
-            <a:picLocks noChangeAspect="1"/>
+            <a:picLocks noChangeAspect="1" noChangeArrowheads="1"/>
           </p:cNvPicPr>
           <p:nvPr/>
         </p:nvPicPr>
         <p:blipFill>
-          <a:blip r:embed="rId3"/>
+          <a:blip r:embed="rId3">
+            <a:extLst>
+              <a:ext uri="{28A0092B-C50C-407E-A947-70E740481C1C}">
+                <a14:useLocalDpi xmlns:a14="http://schemas.microsoft.com/office/drawing/2010/main" val="0"/>
+              </a:ext>
+            </a:extLst>
+          </a:blip>
+          <a:srcRect/>
           <a:stretch>
             <a:fillRect/>
           </a:stretch>
         </p:blipFill>
-        <p:spPr>
-          <a:xfrm>
-            <a:off x="1012648" y="2110317"/>
-            <a:ext cx="3118133" cy="1231194"/>
-          </a:xfrm>
-          <a:prstGeom prst="rect">
-            <a:avLst/>
-          </a:prstGeom>
-        </p:spPr>
-      </p:pic>
-      <p:sp>
-        <p:nvSpPr>
-          <p:cNvPr id="4" name="TextBox 3"/>
-          <p:cNvSpPr txBox="1"/>
-          <p:nvPr/>
-        </p:nvSpPr>
-        <p:spPr>
-          <a:xfrm>
-            <a:off x="679063" y="1488193"/>
-            <a:ext cx="667170" cy="369332"/>
+        <p:spPr bwMode="auto">
+          <a:xfrm>
+            <a:off x="3666884" y="1678511"/>
+            <a:ext cx="4733925" cy="1857375"/>
           </a:xfrm>
           <a:prstGeom prst="rect">
             <a:avLst/>
           </a:prstGeom>
           <a:noFill/>
-        </p:spPr>
-        <p:txBody>
-          <a:bodyPr wrap="none" rtlCol="0">
-            <a:spAutoFit/>
-          </a:bodyPr>
-          <a:lstStyle/>
-          <a:p>
-            <a:r>
-              <a:rPr lang="en-GB" dirty="0"/>
-              <a:t>Code</a:t>
-            </a:r>
-          </a:p>
-        </p:txBody>
-      </p:sp>
-      <p:sp>
-        <p:nvSpPr>
-          <p:cNvPr id="5" name="TextBox 4"/>
-          <p:cNvSpPr txBox="1"/>
-          <p:nvPr/>
-        </p:nvSpPr>
-        <p:spPr>
-          <a:xfrm>
-            <a:off x="5594596" y="1488193"/>
-            <a:ext cx="645690" cy="369332"/>
-          </a:xfrm>
-          <a:prstGeom prst="rect">
-            <a:avLst/>
-          </a:prstGeom>
-          <a:noFill/>
-        </p:spPr>
-        <p:txBody>
-          <a:bodyPr wrap="none" rtlCol="0">
-            <a:spAutoFit/>
-          </a:bodyPr>
-          <a:lstStyle/>
-          <a:p>
-            <a:r>
-              <a:rPr lang="en-GB" dirty="0"/>
-              <a:t>Tests</a:t>
-            </a:r>
-          </a:p>
-        </p:txBody>
-      </p:sp>
+          <a:extLst>
+            <a:ext uri="{909E8E84-426E-40DD-AFC4-6F175D3DCCD1}">
+              <a14:hiddenFill xmlns:a14="http://schemas.microsoft.com/office/drawing/2010/main">
+                <a:solidFill>
+                  <a:srgbClr val="FFFFFF"/>
+                </a:solidFill>
+              </a14:hiddenFill>
+            </a:ext>
+          </a:extLst>
+        </p:spPr>
+      </p:pic>
       <p:pic>
         <p:nvPicPr>
-          <p:cNvPr id="9" name="Picture 8"/>
+          <p:cNvPr id="3" name="Picture 2"/>
           <p:cNvPicPr>
             <a:picLocks noChangeAspect="1"/>
           </p:cNvPicPr>
@@ -19538,32 +19892,8 @@
         </p:blipFill>
         <p:spPr>
           <a:xfrm>
-            <a:off x="5913437" y="2110317"/>
-            <a:ext cx="5551305" cy="719870"/>
-          </a:xfrm>
-          <a:prstGeom prst="rect">
-            <a:avLst/>
-          </a:prstGeom>
-        </p:spPr>
-      </p:pic>
-      <p:pic>
-        <p:nvPicPr>
-          <p:cNvPr id="10" name="Picture 9"/>
-          <p:cNvPicPr>
-            <a:picLocks noChangeAspect="1"/>
-          </p:cNvPicPr>
-          <p:nvPr/>
-        </p:nvPicPr>
-        <p:blipFill>
-          <a:blip r:embed="rId5"/>
-          <a:stretch>
-            <a:fillRect/>
-          </a:stretch>
-        </p:blipFill>
-        <p:spPr>
-          <a:xfrm>
-            <a:off x="5913437" y="3834871"/>
-            <a:ext cx="4463328" cy="1538640"/>
+            <a:off x="4115704" y="3898358"/>
+            <a:ext cx="3836287" cy="1657490"/>
           </a:xfrm>
           <a:prstGeom prst="rect">
             <a:avLst/>
@@ -19573,7 +19903,7 @@
     </p:spTree>
     <p:extLst>
       <p:ext uri="{BB962C8B-B14F-4D97-AF65-F5344CB8AC3E}">
-        <p14:creationId xmlns:p14="http://schemas.microsoft.com/office/powerpoint/2010/main" val="3277618454"/>
+        <p14:creationId xmlns:p14="http://schemas.microsoft.com/office/powerpoint/2010/main" val="1135466741"/>
       </p:ext>
     </p:extLst>
   </p:cSld>
@@ -19617,7 +19947,7 @@
           <a:p>
             <a:r>
               <a:rPr lang="en-GB" dirty="0"/>
-              <a:t>Mutant tests can generate code?</a:t>
+              <a:t>Mutant testing complexity</a:t>
             </a:r>
           </a:p>
           <a:p>
@@ -19631,40 +19961,16 @@
           </a:p>
         </p:txBody>
       </p:sp>
-      <p:pic>
-        <p:nvPicPr>
-          <p:cNvPr id="3" name="Picture 2"/>
-          <p:cNvPicPr>
-            <a:picLocks noChangeAspect="1"/>
-          </p:cNvPicPr>
-          <p:nvPr/>
-        </p:nvPicPr>
-        <p:blipFill>
-          <a:blip r:embed="rId3"/>
-          <a:stretch>
-            <a:fillRect/>
-          </a:stretch>
-        </p:blipFill>
-        <p:spPr>
-          <a:xfrm>
-            <a:off x="1012648" y="2110317"/>
-            <a:ext cx="3118133" cy="1231194"/>
-          </a:xfrm>
-          <a:prstGeom prst="rect">
-            <a:avLst/>
-          </a:prstGeom>
-        </p:spPr>
-      </p:pic>
-      <p:sp>
-        <p:nvSpPr>
-          <p:cNvPr id="4" name="TextBox 3"/>
+      <p:sp>
+        <p:nvSpPr>
+          <p:cNvPr id="3" name="TextBox 2"/>
           <p:cNvSpPr txBox="1"/>
           <p:nvPr/>
         </p:nvSpPr>
         <p:spPr>
           <a:xfrm>
-            <a:off x="679063" y="1488193"/>
-            <a:ext cx="667170" cy="369332"/>
+            <a:off x="1747777" y="1759352"/>
+            <a:ext cx="8102279" cy="3108543"/>
           </a:xfrm>
           <a:prstGeom prst="rect">
             <a:avLst/>
@@ -19672,163 +19978,86 @@
           <a:noFill/>
         </p:spPr>
         <p:txBody>
-          <a:bodyPr wrap="none" rtlCol="0">
+          <a:bodyPr wrap="square" rtlCol="0">
             <a:spAutoFit/>
           </a:bodyPr>
           <a:lstStyle/>
           <a:p>
-            <a:r>
-              <a:rPr lang="en-GB" dirty="0"/>
-              <a:t>Code</a:t>
-            </a:r>
-          </a:p>
-        </p:txBody>
-      </p:sp>
-      <p:sp>
-        <p:nvSpPr>
-          <p:cNvPr id="5" name="TextBox 4"/>
-          <p:cNvSpPr txBox="1"/>
-          <p:nvPr/>
-        </p:nvSpPr>
-        <p:spPr>
-          <a:xfrm>
-            <a:off x="5594596" y="1488193"/>
-            <a:ext cx="645690" cy="369332"/>
-          </a:xfrm>
-          <a:prstGeom prst="rect">
-            <a:avLst/>
-          </a:prstGeom>
-          <a:noFill/>
-        </p:spPr>
-        <p:txBody>
-          <a:bodyPr wrap="none" rtlCol="0">
-            <a:spAutoFit/>
-          </a:bodyPr>
-          <a:lstStyle/>
-          <a:p>
-            <a:r>
-              <a:rPr lang="en-GB" dirty="0"/>
-              <a:t>Tests</a:t>
-            </a:r>
-          </a:p>
-        </p:txBody>
-      </p:sp>
-      <p:pic>
-        <p:nvPicPr>
-          <p:cNvPr id="9" name="Picture 8"/>
-          <p:cNvPicPr>
-            <a:picLocks noChangeAspect="1"/>
-          </p:cNvPicPr>
-          <p:nvPr/>
-        </p:nvPicPr>
-        <p:blipFill>
-          <a:blip r:embed="rId4"/>
-          <a:stretch>
-            <a:fillRect/>
-          </a:stretch>
-        </p:blipFill>
-        <p:spPr>
-          <a:xfrm>
-            <a:off x="5913437" y="2110317"/>
-            <a:ext cx="5551305" cy="719870"/>
-          </a:xfrm>
-          <a:prstGeom prst="rect">
-            <a:avLst/>
-          </a:prstGeom>
-        </p:spPr>
-      </p:pic>
-      <p:pic>
-        <p:nvPicPr>
-          <p:cNvPr id="10" name="Picture 9"/>
-          <p:cNvPicPr>
-            <a:picLocks noChangeAspect="1"/>
-          </p:cNvPicPr>
-          <p:nvPr/>
-        </p:nvPicPr>
-        <p:blipFill>
-          <a:blip r:embed="rId5"/>
-          <a:stretch>
-            <a:fillRect/>
-          </a:stretch>
-        </p:blipFill>
-        <p:spPr>
-          <a:xfrm>
-            <a:off x="5913437" y="3834871"/>
-            <a:ext cx="4463328" cy="1538640"/>
-          </a:xfrm>
-          <a:prstGeom prst="rect">
-            <a:avLst/>
-          </a:prstGeom>
-        </p:spPr>
-      </p:pic>
-      <p:sp>
-        <p:nvSpPr>
-          <p:cNvPr id="6" name="Arrow: Down 5"/>
-          <p:cNvSpPr/>
-          <p:nvPr/>
-        </p:nvSpPr>
-        <p:spPr>
-          <a:xfrm>
-            <a:off x="2448612" y="3544372"/>
-            <a:ext cx="246203" cy="335315"/>
-          </a:xfrm>
-          <a:prstGeom prst="downArrow">
-            <a:avLst/>
-          </a:prstGeom>
-        </p:spPr>
-        <p:style>
-          <a:lnRef idx="2">
-            <a:schemeClr val="accent1">
-              <a:shade val="50000"/>
-            </a:schemeClr>
-          </a:lnRef>
-          <a:fillRef idx="1">
-            <a:schemeClr val="accent1"/>
-          </a:fillRef>
-          <a:effectRef idx="0">
-            <a:schemeClr val="accent1"/>
-          </a:effectRef>
-          <a:fontRef idx="minor">
-            <a:schemeClr val="lt1"/>
-          </a:fontRef>
-        </p:style>
-        <p:txBody>
-          <a:bodyPr rtlCol="0" anchor="ctr"/>
-          <a:lstStyle/>
-          <a:p>
-            <a:pPr algn="ctr"/>
-            <a:endParaRPr lang="en-GB"/>
-          </a:p>
-        </p:txBody>
-      </p:sp>
-      <p:pic>
-        <p:nvPicPr>
-          <p:cNvPr id="7" name="Picture 6"/>
-          <p:cNvPicPr>
-            <a:picLocks noChangeAspect="1"/>
-          </p:cNvPicPr>
-          <p:nvPr/>
-        </p:nvPicPr>
-        <p:blipFill>
-          <a:blip r:embed="rId6"/>
-          <a:stretch>
-            <a:fillRect/>
-          </a:stretch>
-        </p:blipFill>
-        <p:spPr>
-          <a:xfrm>
-            <a:off x="1012648" y="4082548"/>
-            <a:ext cx="3124200" cy="1228725"/>
-          </a:xfrm>
-          <a:prstGeom prst="rect">
-            <a:avLst/>
-          </a:prstGeom>
-        </p:spPr>
-      </p:pic>
+            <a:pPr marL="285750" indent="-285750">
+              <a:buFont typeface="Arial" panose="020B0604020202020204" pitchFamily="34" charset="0"/>
+              <a:buChar char="•"/>
+            </a:pPr>
+            <a:r>
+              <a:rPr lang="en-US" sz="2800" dirty="0"/>
+              <a:t>N</a:t>
+            </a:r>
+            <a:r>
+              <a:rPr lang="en-US" sz="2800" baseline="30000" dirty="0"/>
+              <a:t>2  </a:t>
+            </a:r>
+            <a:r>
+              <a:rPr lang="en-US" sz="2800" dirty="0"/>
+              <a:t>?</a:t>
+            </a:r>
+          </a:p>
+          <a:p>
+            <a:pPr marL="285750" indent="-285750">
+              <a:buFont typeface="Arial" panose="020B0604020202020204" pitchFamily="34" charset="0"/>
+              <a:buChar char="•"/>
+            </a:pPr>
+            <a:endParaRPr lang="en-US" sz="2800" dirty="0"/>
+          </a:p>
+          <a:p>
+            <a:pPr marL="285750" indent="-285750">
+              <a:buFont typeface="Arial" panose="020B0604020202020204" pitchFamily="34" charset="0"/>
+              <a:buChar char="•"/>
+            </a:pPr>
+            <a:r>
+              <a:rPr lang="en-US" sz="2800" dirty="0"/>
+              <a:t>Independent for classes</a:t>
+            </a:r>
+          </a:p>
+          <a:p>
+            <a:pPr marL="285750" indent="-285750">
+              <a:buFont typeface="Arial" panose="020B0604020202020204" pitchFamily="34" charset="0"/>
+              <a:buChar char="•"/>
+            </a:pPr>
+            <a:endParaRPr lang="en-US" sz="2800" dirty="0"/>
+          </a:p>
+          <a:p>
+            <a:pPr marL="285750" indent="-285750">
+              <a:buFont typeface="Arial" panose="020B0604020202020204" pitchFamily="34" charset="0"/>
+              <a:buChar char="•"/>
+            </a:pPr>
+            <a:r>
+              <a:rPr lang="en-US" sz="2800" dirty="0"/>
+              <a:t>Clear code restriction</a:t>
+            </a:r>
+          </a:p>
+          <a:p>
+            <a:pPr marL="285750" indent="-285750">
+              <a:buFont typeface="Arial" panose="020B0604020202020204" pitchFamily="34" charset="0"/>
+              <a:buChar char="•"/>
+            </a:pPr>
+            <a:endParaRPr lang="en-US" sz="2800" dirty="0"/>
+          </a:p>
+          <a:p>
+            <a:pPr marL="285750" indent="-285750">
+              <a:buFont typeface="Arial" panose="020B0604020202020204" pitchFamily="34" charset="0"/>
+              <a:buChar char="•"/>
+            </a:pPr>
+            <a:r>
+              <a:rPr lang="en-US" sz="2800" dirty="0"/>
+              <a:t>Test coverage analyze</a:t>
+            </a:r>
+            <a:endParaRPr lang="en-GB" sz="2800" dirty="0"/>
+          </a:p>
+        </p:txBody>
+      </p:sp>
     </p:spTree>
     <p:extLst>
       <p:ext uri="{BB962C8B-B14F-4D97-AF65-F5344CB8AC3E}">
-        <p14:creationId xmlns:p14="http://schemas.microsoft.com/office/powerpoint/2010/main" val="1895629891"/>
+        <p14:creationId xmlns:p14="http://schemas.microsoft.com/office/powerpoint/2010/main" val="3125230620"/>
       </p:ext>
     </p:extLst>
   </p:cSld>
@@ -19872,11 +20101,520 @@
           <a:p>
             <a:r>
               <a:rPr lang="en-GB" dirty="0"/>
-              <a:t>Mutation level</a:t>
+              <a:t>Parallelization of Mutant killings</a:t>
             </a:r>
           </a:p>
           <a:p>
             <a:endParaRPr lang="en-GB" dirty="0"/>
+          </a:p>
+          <a:p>
+            <a:endParaRPr lang="en-GB" dirty="0"/>
+          </a:p>
+          <a:p>
+            <a:endParaRPr lang="ru-RU" dirty="0"/>
+          </a:p>
+        </p:txBody>
+      </p:sp>
+      <p:sp>
+        <p:nvSpPr>
+          <p:cNvPr id="3" name="TextBox 2"/>
+          <p:cNvSpPr txBox="1"/>
+          <p:nvPr/>
+        </p:nvSpPr>
+        <p:spPr>
+          <a:xfrm>
+            <a:off x="1747777" y="1759352"/>
+            <a:ext cx="8102279" cy="3108543"/>
+          </a:xfrm>
+          <a:prstGeom prst="rect">
+            <a:avLst/>
+          </a:prstGeom>
+          <a:noFill/>
+        </p:spPr>
+        <p:txBody>
+          <a:bodyPr wrap="square" rtlCol="0">
+            <a:spAutoFit/>
+          </a:bodyPr>
+          <a:lstStyle/>
+          <a:p>
+            <a:pPr marL="285750" indent="-285750">
+              <a:buFont typeface="Arial" panose="020B0604020202020204" pitchFamily="34" charset="0"/>
+              <a:buChar char="•"/>
+            </a:pPr>
+            <a:r>
+              <a:rPr lang="en-US" sz="2800" dirty="0"/>
+              <a:t>By class</a:t>
+            </a:r>
+          </a:p>
+          <a:p>
+            <a:pPr marL="285750" indent="-285750">
+              <a:buFont typeface="Arial" panose="020B0604020202020204" pitchFamily="34" charset="0"/>
+              <a:buChar char="•"/>
+            </a:pPr>
+            <a:endParaRPr lang="en-US" sz="2800" dirty="0"/>
+          </a:p>
+          <a:p>
+            <a:pPr marL="285750" indent="-285750">
+              <a:buFont typeface="Arial" panose="020B0604020202020204" pitchFamily="34" charset="0"/>
+              <a:buChar char="•"/>
+            </a:pPr>
+            <a:r>
+              <a:rPr lang="en-US" sz="2800" dirty="0"/>
+              <a:t>By mutants</a:t>
+            </a:r>
+          </a:p>
+          <a:p>
+            <a:pPr marL="285750" indent="-285750">
+              <a:buFont typeface="Arial" panose="020B0604020202020204" pitchFamily="34" charset="0"/>
+              <a:buChar char="•"/>
+            </a:pPr>
+            <a:endParaRPr lang="en-US" sz="2800" dirty="0"/>
+          </a:p>
+          <a:p>
+            <a:pPr marL="285750" indent="-285750">
+              <a:buFont typeface="Arial" panose="020B0604020202020204" pitchFamily="34" charset="0"/>
+              <a:buChar char="•"/>
+            </a:pPr>
+            <a:r>
+              <a:rPr lang="en-US" sz="2800" dirty="0">
+                <a:solidFill>
+                  <a:srgbClr val="FF0000"/>
+                </a:solidFill>
+              </a:rPr>
+              <a:t>By methods</a:t>
+            </a:r>
+          </a:p>
+          <a:p>
+            <a:pPr marL="285750" indent="-285750">
+              <a:buFont typeface="Arial" panose="020B0604020202020204" pitchFamily="34" charset="0"/>
+              <a:buChar char="•"/>
+            </a:pPr>
+            <a:endParaRPr lang="en-US" sz="2800" dirty="0">
+              <a:solidFill>
+                <a:srgbClr val="FF0000"/>
+              </a:solidFill>
+            </a:endParaRPr>
+          </a:p>
+          <a:p>
+            <a:pPr marL="285750" indent="-285750">
+              <a:buFont typeface="Arial" panose="020B0604020202020204" pitchFamily="34" charset="0"/>
+              <a:buChar char="•"/>
+            </a:pPr>
+            <a:r>
+              <a:rPr lang="en-US" sz="2800" dirty="0"/>
+              <a:t>Incrementation testing</a:t>
+            </a:r>
+          </a:p>
+        </p:txBody>
+      </p:sp>
+    </p:spTree>
+    <p:extLst>
+      <p:ext uri="{BB962C8B-B14F-4D97-AF65-F5344CB8AC3E}">
+        <p14:creationId xmlns:p14="http://schemas.microsoft.com/office/powerpoint/2010/main" val="3085324142"/>
+      </p:ext>
+    </p:extLst>
+  </p:cSld>
+  <p:clrMapOvr>
+    <a:masterClrMapping/>
+  </p:clrMapOvr>
+</p:sld>
+</file>
+
+<file path=ppt/slides/slide2.xml><?xml version="1.0" encoding="utf-8"?>
+<p:sld xmlns:a="http://schemas.openxmlformats.org/drawingml/2006/main" xmlns:r="http://schemas.openxmlformats.org/officeDocument/2006/relationships" xmlns:p="http://schemas.openxmlformats.org/presentationml/2006/main">
+  <p:cSld>
+    <p:spTree>
+      <p:nvGrpSpPr>
+        <p:cNvPr id="1" name=""/>
+        <p:cNvGrpSpPr/>
+        <p:nvPr/>
+      </p:nvGrpSpPr>
+      <p:grpSpPr>
+        <a:xfrm>
+          <a:off x="0" y="0"/>
+          <a:ext cx="0" cy="0"/>
+          <a:chOff x="0" y="0"/>
+          <a:chExt cx="0" cy="0"/>
+        </a:xfrm>
+      </p:grpSpPr>
+      <p:sp>
+        <p:nvSpPr>
+          <p:cNvPr id="2" name="Text Placeholder 1"/>
+          <p:cNvSpPr>
+            <a:spLocks noGrp="1"/>
+          </p:cNvSpPr>
+          <p:nvPr>
+            <p:ph type="body" sz="quarter" idx="33"/>
+          </p:nvPr>
+        </p:nvSpPr>
+        <p:spPr/>
+        <p:txBody>
+          <a:bodyPr/>
+          <a:lstStyle/>
+          <a:p>
+            <a:r>
+              <a:rPr lang="en-GB" dirty="0"/>
+              <a:t>Plan</a:t>
+            </a:r>
+          </a:p>
+        </p:txBody>
+      </p:sp>
+      <p:sp>
+        <p:nvSpPr>
+          <p:cNvPr id="3" name="TextBox 2"/>
+          <p:cNvSpPr txBox="1"/>
+          <p:nvPr/>
+        </p:nvSpPr>
+        <p:spPr>
+          <a:xfrm>
+            <a:off x="1049482" y="1475509"/>
+            <a:ext cx="4739887" cy="3970318"/>
+          </a:xfrm>
+          <a:prstGeom prst="rect">
+            <a:avLst/>
+          </a:prstGeom>
+          <a:noFill/>
+        </p:spPr>
+        <p:txBody>
+          <a:bodyPr wrap="none" rtlCol="0">
+            <a:spAutoFit/>
+          </a:bodyPr>
+          <a:lstStyle/>
+          <a:p>
+            <a:pPr marL="285750" indent="-285750">
+              <a:buFont typeface="Arial" panose="020B0604020202020204" pitchFamily="34" charset="0"/>
+              <a:buChar char="•"/>
+            </a:pPr>
+            <a:r>
+              <a:rPr lang="en-GB" sz="2800" dirty="0"/>
+              <a:t>Unit testing</a:t>
+            </a:r>
+          </a:p>
+          <a:p>
+            <a:pPr marL="285750" indent="-285750">
+              <a:buFont typeface="Arial" panose="020B0604020202020204" pitchFamily="34" charset="0"/>
+              <a:buChar char="•"/>
+            </a:pPr>
+            <a:r>
+              <a:rPr lang="en-GB" sz="2800" dirty="0"/>
+              <a:t>Code coverage</a:t>
+            </a:r>
+          </a:p>
+          <a:p>
+            <a:pPr marL="285750" indent="-285750">
+              <a:buFont typeface="Arial" panose="020B0604020202020204" pitchFamily="34" charset="0"/>
+              <a:buChar char="•"/>
+            </a:pPr>
+            <a:r>
+              <a:rPr lang="en-GB" sz="2800" dirty="0"/>
+              <a:t>TDD</a:t>
+            </a:r>
+          </a:p>
+          <a:p>
+            <a:pPr marL="285750" indent="-285750">
+              <a:buFont typeface="Arial" panose="020B0604020202020204" pitchFamily="34" charset="0"/>
+              <a:buChar char="•"/>
+            </a:pPr>
+            <a:r>
+              <a:rPr lang="en-GB" sz="2800" dirty="0"/>
+              <a:t>Mutation test</a:t>
+            </a:r>
+          </a:p>
+          <a:p>
+            <a:pPr marL="285750" indent="-285750">
+              <a:buFont typeface="Arial" panose="020B0604020202020204" pitchFamily="34" charset="0"/>
+              <a:buChar char="•"/>
+            </a:pPr>
+            <a:r>
+              <a:rPr lang="en-GB" sz="2800" dirty="0"/>
+              <a:t>How to use it</a:t>
+            </a:r>
+          </a:p>
+          <a:p>
+            <a:pPr marL="285750" indent="-285750">
+              <a:buFont typeface="Arial" panose="020B0604020202020204" pitchFamily="34" charset="0"/>
+              <a:buChar char="•"/>
+            </a:pPr>
+            <a:r>
+              <a:rPr lang="en-GB" sz="2800" dirty="0"/>
+              <a:t>Problems of Mutation testing</a:t>
+            </a:r>
+          </a:p>
+          <a:p>
+            <a:pPr marL="285750" indent="-285750">
+              <a:buFont typeface="Arial" panose="020B0604020202020204" pitchFamily="34" charset="0"/>
+              <a:buChar char="•"/>
+            </a:pPr>
+            <a:r>
+              <a:rPr lang="en-GB" sz="2800" dirty="0"/>
+              <a:t>Complexity</a:t>
+            </a:r>
+          </a:p>
+          <a:p>
+            <a:pPr marL="285750" indent="-285750">
+              <a:buFont typeface="Arial" panose="020B0604020202020204" pitchFamily="34" charset="0"/>
+              <a:buChar char="•"/>
+            </a:pPr>
+            <a:r>
+              <a:rPr lang="en-GB" sz="2800" dirty="0"/>
+              <a:t>Next level of testing</a:t>
+            </a:r>
+          </a:p>
+          <a:p>
+            <a:pPr marL="285750" indent="-285750">
+              <a:buFont typeface="Arial" panose="020B0604020202020204" pitchFamily="34" charset="0"/>
+              <a:buChar char="•"/>
+            </a:pPr>
+            <a:endParaRPr lang="en-GB" sz="2800" dirty="0"/>
+          </a:p>
+        </p:txBody>
+      </p:sp>
+    </p:spTree>
+    <p:extLst>
+      <p:ext uri="{BB962C8B-B14F-4D97-AF65-F5344CB8AC3E}">
+        <p14:creationId xmlns:p14="http://schemas.microsoft.com/office/powerpoint/2010/main" val="935960321"/>
+      </p:ext>
+    </p:extLst>
+  </p:cSld>
+  <p:clrMapOvr>
+    <a:masterClrMapping/>
+  </p:clrMapOvr>
+</p:sld>
+</file>
+
+<file path=ppt/slides/slide20.xml><?xml version="1.0" encoding="utf-8"?>
+<p:sld xmlns:a="http://schemas.openxmlformats.org/drawingml/2006/main" xmlns:r="http://schemas.openxmlformats.org/officeDocument/2006/relationships" xmlns:p="http://schemas.openxmlformats.org/presentationml/2006/main">
+  <p:cSld>
+    <p:spTree>
+      <p:nvGrpSpPr>
+        <p:cNvPr id="1" name=""/>
+        <p:cNvGrpSpPr/>
+        <p:nvPr/>
+      </p:nvGrpSpPr>
+      <p:grpSpPr>
+        <a:xfrm>
+          <a:off x="0" y="0"/>
+          <a:ext cx="0" cy="0"/>
+          <a:chOff x="0" y="0"/>
+          <a:chExt cx="0" cy="0"/>
+        </a:xfrm>
+      </p:grpSpPr>
+      <p:sp>
+        <p:nvSpPr>
+          <p:cNvPr id="2" name="Текст 1"/>
+          <p:cNvSpPr>
+            <a:spLocks noGrp="1"/>
+          </p:cNvSpPr>
+          <p:nvPr>
+            <p:ph type="body" sz="quarter" idx="33"/>
+          </p:nvPr>
+        </p:nvSpPr>
+        <p:spPr/>
+        <p:txBody>
+          <a:bodyPr/>
+          <a:lstStyle/>
+          <a:p>
+            <a:r>
+              <a:rPr lang="en-GB" dirty="0"/>
+              <a:t>Mutant testing advantages and disadvantages</a:t>
+            </a:r>
+          </a:p>
+          <a:p>
+            <a:endParaRPr lang="en-GB" dirty="0"/>
+          </a:p>
+          <a:p>
+            <a:endParaRPr lang="en-GB" dirty="0"/>
+          </a:p>
+          <a:p>
+            <a:endParaRPr lang="ru-RU" dirty="0"/>
+          </a:p>
+        </p:txBody>
+      </p:sp>
+      <p:sp>
+        <p:nvSpPr>
+          <p:cNvPr id="3" name="TextBox 2"/>
+          <p:cNvSpPr txBox="1"/>
+          <p:nvPr/>
+        </p:nvSpPr>
+        <p:spPr>
+          <a:xfrm>
+            <a:off x="1027558" y="1805650"/>
+            <a:ext cx="4512454" cy="1384995"/>
+          </a:xfrm>
+          <a:prstGeom prst="rect">
+            <a:avLst/>
+          </a:prstGeom>
+          <a:noFill/>
+        </p:spPr>
+        <p:txBody>
+          <a:bodyPr wrap="none" rtlCol="0">
+            <a:spAutoFit/>
+          </a:bodyPr>
+          <a:lstStyle/>
+          <a:p>
+            <a:pPr marL="285750" indent="-285750">
+              <a:buFont typeface="Arial" panose="020B0604020202020204" pitchFamily="34" charset="0"/>
+              <a:buChar char="•"/>
+            </a:pPr>
+            <a:r>
+              <a:rPr lang="en-US" sz="2800" dirty="0"/>
+              <a:t>Hard tested code</a:t>
+            </a:r>
+          </a:p>
+          <a:p>
+            <a:pPr marL="285750" indent="-285750">
+              <a:buFont typeface="Arial" panose="020B0604020202020204" pitchFamily="34" charset="0"/>
+              <a:buChar char="•"/>
+            </a:pPr>
+            <a:r>
+              <a:rPr lang="en-US" sz="2800" dirty="0"/>
+              <a:t>Show true untested code</a:t>
+            </a:r>
+          </a:p>
+          <a:p>
+            <a:pPr marL="285750" indent="-285750">
+              <a:buFont typeface="Arial" panose="020B0604020202020204" pitchFamily="34" charset="0"/>
+              <a:buChar char="•"/>
+            </a:pPr>
+            <a:r>
+              <a:rPr lang="en-US" sz="2800" dirty="0"/>
+              <a:t>Force to write code smarter</a:t>
+            </a:r>
+            <a:endParaRPr lang="en-GB" sz="2800" dirty="0"/>
+          </a:p>
+        </p:txBody>
+      </p:sp>
+      <p:sp>
+        <p:nvSpPr>
+          <p:cNvPr id="5" name="TextBox 4"/>
+          <p:cNvSpPr txBox="1"/>
+          <p:nvPr/>
+        </p:nvSpPr>
+        <p:spPr>
+          <a:xfrm>
+            <a:off x="6157072" y="1828270"/>
+            <a:ext cx="3876382" cy="2246769"/>
+          </a:xfrm>
+          <a:prstGeom prst="rect">
+            <a:avLst/>
+          </a:prstGeom>
+          <a:noFill/>
+        </p:spPr>
+        <p:txBody>
+          <a:bodyPr wrap="none" rtlCol="0">
+            <a:spAutoFit/>
+          </a:bodyPr>
+          <a:lstStyle/>
+          <a:p>
+            <a:pPr marL="285750" indent="-285750">
+              <a:buFont typeface="Arial" panose="020B0604020202020204" pitchFamily="34" charset="0"/>
+              <a:buChar char="•"/>
+            </a:pPr>
+            <a:r>
+              <a:rPr lang="en-US" sz="2800" dirty="0"/>
+              <a:t>Hard to test code</a:t>
+            </a:r>
+          </a:p>
+          <a:p>
+            <a:pPr marL="285750" indent="-285750">
+              <a:buFont typeface="Arial" panose="020B0604020202020204" pitchFamily="34" charset="0"/>
+              <a:buChar char="•"/>
+            </a:pPr>
+            <a:r>
+              <a:rPr lang="en-US" sz="2800" dirty="0"/>
+              <a:t>Hard to change code</a:t>
+            </a:r>
+          </a:p>
+          <a:p>
+            <a:pPr marL="285750" indent="-285750">
+              <a:buFont typeface="Arial" panose="020B0604020202020204" pitchFamily="34" charset="0"/>
+              <a:buChar char="•"/>
+            </a:pPr>
+            <a:r>
+              <a:rPr lang="en-GB" sz="2800" dirty="0"/>
+              <a:t>“</a:t>
+            </a:r>
+            <a:r>
+              <a:rPr lang="en-US" sz="2800" dirty="0"/>
+              <a:t>Score”</a:t>
+            </a:r>
+            <a:r>
+              <a:rPr lang="ru-RU" sz="2800" dirty="0"/>
+              <a:t> </a:t>
+            </a:r>
+            <a:r>
+              <a:rPr lang="en-US" sz="2800" dirty="0"/>
+              <a:t>is not objective</a:t>
+            </a:r>
+          </a:p>
+          <a:p>
+            <a:pPr marL="285750" indent="-285750">
+              <a:buFont typeface="Arial" panose="020B0604020202020204" pitchFamily="34" charset="0"/>
+              <a:buChar char="•"/>
+            </a:pPr>
+            <a:r>
+              <a:rPr lang="en-US" sz="2800" dirty="0"/>
+              <a:t>Can be unstable</a:t>
+            </a:r>
+          </a:p>
+          <a:p>
+            <a:pPr marL="285750" indent="-285750">
+              <a:buFont typeface="Arial" panose="020B0604020202020204" pitchFamily="34" charset="0"/>
+              <a:buChar char="•"/>
+            </a:pPr>
+            <a:endParaRPr lang="en-GB" sz="2800" dirty="0"/>
+          </a:p>
+        </p:txBody>
+      </p:sp>
+    </p:spTree>
+    <p:extLst>
+      <p:ext uri="{BB962C8B-B14F-4D97-AF65-F5344CB8AC3E}">
+        <p14:creationId xmlns:p14="http://schemas.microsoft.com/office/powerpoint/2010/main" val="902548611"/>
+      </p:ext>
+    </p:extLst>
+  </p:cSld>
+  <p:clrMapOvr>
+    <a:masterClrMapping/>
+  </p:clrMapOvr>
+</p:sld>
+</file>
+
+<file path=ppt/slides/slide21.xml><?xml version="1.0" encoding="utf-8"?>
+<p:sld xmlns:a="http://schemas.openxmlformats.org/drawingml/2006/main" xmlns:r="http://schemas.openxmlformats.org/officeDocument/2006/relationships" xmlns:p="http://schemas.openxmlformats.org/presentationml/2006/main">
+  <p:cSld>
+    <p:spTree>
+      <p:nvGrpSpPr>
+        <p:cNvPr id="1" name=""/>
+        <p:cNvGrpSpPr/>
+        <p:nvPr/>
+      </p:nvGrpSpPr>
+      <p:grpSpPr>
+        <a:xfrm>
+          <a:off x="0" y="0"/>
+          <a:ext cx="0" cy="0"/>
+          <a:chOff x="0" y="0"/>
+          <a:chExt cx="0" cy="0"/>
+        </a:xfrm>
+      </p:grpSpPr>
+      <p:sp>
+        <p:nvSpPr>
+          <p:cNvPr id="2" name="Текст 1"/>
+          <p:cNvSpPr>
+            <a:spLocks noGrp="1"/>
+          </p:cNvSpPr>
+          <p:nvPr>
+            <p:ph type="body" sz="quarter" idx="33"/>
+          </p:nvPr>
+        </p:nvSpPr>
+        <p:spPr/>
+        <p:txBody>
+          <a:bodyPr/>
+          <a:lstStyle/>
+          <a:p>
+            <a:r>
+              <a:rPr lang="en-GB" dirty="0"/>
+              <a:t>Mutant tests can generate code?</a:t>
+            </a:r>
           </a:p>
           <a:p>
             <a:endParaRPr lang="en-GB" dirty="0"/>
@@ -19905,17 +20643,75 @@
         </p:blipFill>
         <p:spPr>
           <a:xfrm>
-            <a:off x="573438" y="3332450"/>
-            <a:ext cx="3010420" cy="345458"/>
+            <a:off x="1012648" y="2110317"/>
+            <a:ext cx="3118133" cy="1231194"/>
           </a:xfrm>
           <a:prstGeom prst="rect">
             <a:avLst/>
           </a:prstGeom>
         </p:spPr>
       </p:pic>
+      <p:sp>
+        <p:nvSpPr>
+          <p:cNvPr id="4" name="TextBox 3"/>
+          <p:cNvSpPr txBox="1"/>
+          <p:nvPr/>
+        </p:nvSpPr>
+        <p:spPr>
+          <a:xfrm>
+            <a:off x="679063" y="1488193"/>
+            <a:ext cx="825867" cy="461665"/>
+          </a:xfrm>
+          <a:prstGeom prst="rect">
+            <a:avLst/>
+          </a:prstGeom>
+          <a:noFill/>
+        </p:spPr>
+        <p:txBody>
+          <a:bodyPr wrap="none" rtlCol="0">
+            <a:spAutoFit/>
+          </a:bodyPr>
+          <a:lstStyle/>
+          <a:p>
+            <a:r>
+              <a:rPr lang="en-GB" sz="2400" dirty="0"/>
+              <a:t>Code</a:t>
+            </a:r>
+          </a:p>
+        </p:txBody>
+      </p:sp>
+      <p:sp>
+        <p:nvSpPr>
+          <p:cNvPr id="5" name="TextBox 4"/>
+          <p:cNvSpPr txBox="1"/>
+          <p:nvPr/>
+        </p:nvSpPr>
+        <p:spPr>
+          <a:xfrm>
+            <a:off x="5594596" y="1488193"/>
+            <a:ext cx="801438" cy="461665"/>
+          </a:xfrm>
+          <a:prstGeom prst="rect">
+            <a:avLst/>
+          </a:prstGeom>
+          <a:noFill/>
+        </p:spPr>
+        <p:txBody>
+          <a:bodyPr wrap="none" rtlCol="0">
+            <a:spAutoFit/>
+          </a:bodyPr>
+          <a:lstStyle/>
+          <a:p>
+            <a:r>
+              <a:rPr lang="en-GB" sz="2400" dirty="0"/>
+              <a:t>Tests</a:t>
+            </a:r>
+          </a:p>
+        </p:txBody>
+      </p:sp>
       <p:pic>
         <p:nvPicPr>
-          <p:cNvPr id="4" name="Picture 3"/>
+          <p:cNvPr id="9" name="Picture 8"/>
           <p:cNvPicPr>
             <a:picLocks noChangeAspect="1"/>
           </p:cNvPicPr>
@@ -19929,8 +20725,8 @@
         </p:blipFill>
         <p:spPr>
           <a:xfrm>
-            <a:off x="4342164" y="3316000"/>
-            <a:ext cx="3010419" cy="361908"/>
+            <a:off x="5913437" y="2110317"/>
+            <a:ext cx="5551305" cy="719870"/>
           </a:xfrm>
           <a:prstGeom prst="rect">
             <a:avLst/>
@@ -19939,7 +20735,7 @@
       </p:pic>
       <p:pic>
         <p:nvPicPr>
-          <p:cNvPr id="6" name="Picture 5"/>
+          <p:cNvPr id="10" name="Picture 9"/>
           <p:cNvPicPr>
             <a:picLocks noChangeAspect="1"/>
           </p:cNvPicPr>
@@ -19953,74 +20749,217 @@
         </p:blipFill>
         <p:spPr>
           <a:xfrm>
-            <a:off x="4342164" y="4196072"/>
-            <a:ext cx="3010420" cy="345458"/>
+            <a:off x="5913437" y="3834871"/>
+            <a:ext cx="4463328" cy="1538640"/>
           </a:xfrm>
           <a:prstGeom prst="rect">
             <a:avLst/>
           </a:prstGeom>
         </p:spPr>
       </p:pic>
+    </p:spTree>
+    <p:extLst>
+      <p:ext uri="{BB962C8B-B14F-4D97-AF65-F5344CB8AC3E}">
+        <p14:creationId xmlns:p14="http://schemas.microsoft.com/office/powerpoint/2010/main" val="3277618454"/>
+      </p:ext>
+    </p:extLst>
+  </p:cSld>
+  <p:clrMapOvr>
+    <a:masterClrMapping/>
+  </p:clrMapOvr>
+</p:sld>
+</file>
+
+<file path=ppt/slides/slide22.xml><?xml version="1.0" encoding="utf-8"?>
+<p:sld xmlns:a="http://schemas.openxmlformats.org/drawingml/2006/main" xmlns:r="http://schemas.openxmlformats.org/officeDocument/2006/relationships" xmlns:p="http://schemas.openxmlformats.org/presentationml/2006/main">
+  <p:cSld>
+    <p:spTree>
+      <p:nvGrpSpPr>
+        <p:cNvPr id="1" name=""/>
+        <p:cNvGrpSpPr/>
+        <p:nvPr/>
+      </p:nvGrpSpPr>
+      <p:grpSpPr>
+        <a:xfrm>
+          <a:off x="0" y="0"/>
+          <a:ext cx="0" cy="0"/>
+          <a:chOff x="0" y="0"/>
+          <a:chExt cx="0" cy="0"/>
+        </a:xfrm>
+      </p:grpSpPr>
+      <p:sp>
+        <p:nvSpPr>
+          <p:cNvPr id="2" name="Текст 1"/>
+          <p:cNvSpPr>
+            <a:spLocks noGrp="1"/>
+          </p:cNvSpPr>
+          <p:nvPr>
+            <p:ph type="body" sz="quarter" idx="33"/>
+          </p:nvPr>
+        </p:nvSpPr>
+        <p:spPr/>
+        <p:txBody>
+          <a:bodyPr/>
+          <a:lstStyle/>
+          <a:p>
+            <a:r>
+              <a:rPr lang="en-GB" dirty="0"/>
+              <a:t>Mutant tests can generate code?</a:t>
+            </a:r>
+          </a:p>
+          <a:p>
+            <a:endParaRPr lang="en-GB" dirty="0"/>
+          </a:p>
+          <a:p>
+            <a:endParaRPr lang="en-GB" dirty="0"/>
+          </a:p>
+          <a:p>
+            <a:endParaRPr lang="ru-RU" dirty="0"/>
+          </a:p>
+        </p:txBody>
+      </p:sp>
       <p:pic>
         <p:nvPicPr>
-          <p:cNvPr id="7" name="Picture 6"/>
+          <p:cNvPr id="3" name="Picture 2"/>
           <p:cNvPicPr>
             <a:picLocks noChangeAspect="1"/>
           </p:cNvPicPr>
           <p:nvPr/>
         </p:nvPicPr>
         <p:blipFill>
-          <a:blip r:embed="rId6"/>
+          <a:blip r:embed="rId3"/>
           <a:stretch>
             <a:fillRect/>
           </a:stretch>
         </p:blipFill>
         <p:spPr>
           <a:xfrm>
-            <a:off x="4342164" y="2435090"/>
-            <a:ext cx="3000896" cy="362746"/>
+            <a:off x="1012648" y="2110317"/>
+            <a:ext cx="3118133" cy="1231194"/>
           </a:xfrm>
           <a:prstGeom prst="rect">
             <a:avLst/>
           </a:prstGeom>
         </p:spPr>
       </p:pic>
+      <p:sp>
+        <p:nvSpPr>
+          <p:cNvPr id="4" name="TextBox 3"/>
+          <p:cNvSpPr txBox="1"/>
+          <p:nvPr/>
+        </p:nvSpPr>
+        <p:spPr>
+          <a:xfrm>
+            <a:off x="679063" y="1488193"/>
+            <a:ext cx="825867" cy="461665"/>
+          </a:xfrm>
+          <a:prstGeom prst="rect">
+            <a:avLst/>
+          </a:prstGeom>
+          <a:noFill/>
+        </p:spPr>
+        <p:txBody>
+          <a:bodyPr wrap="none" rtlCol="0">
+            <a:spAutoFit/>
+          </a:bodyPr>
+          <a:lstStyle/>
+          <a:p>
+            <a:r>
+              <a:rPr lang="en-GB" sz="2400" dirty="0"/>
+              <a:t>Code</a:t>
+            </a:r>
+          </a:p>
+        </p:txBody>
+      </p:sp>
+      <p:sp>
+        <p:nvSpPr>
+          <p:cNvPr id="5" name="TextBox 4"/>
+          <p:cNvSpPr txBox="1"/>
+          <p:nvPr/>
+        </p:nvSpPr>
+        <p:spPr>
+          <a:xfrm>
+            <a:off x="5594596" y="1488193"/>
+            <a:ext cx="801438" cy="461665"/>
+          </a:xfrm>
+          <a:prstGeom prst="rect">
+            <a:avLst/>
+          </a:prstGeom>
+          <a:noFill/>
+        </p:spPr>
+        <p:txBody>
+          <a:bodyPr wrap="none" rtlCol="0">
+            <a:spAutoFit/>
+          </a:bodyPr>
+          <a:lstStyle/>
+          <a:p>
+            <a:r>
+              <a:rPr lang="en-GB" sz="2400" dirty="0"/>
+              <a:t>Tests</a:t>
+            </a:r>
+          </a:p>
+        </p:txBody>
+      </p:sp>
       <p:pic>
         <p:nvPicPr>
-          <p:cNvPr id="8" name="Picture 7"/>
+          <p:cNvPr id="9" name="Picture 8"/>
           <p:cNvPicPr>
             <a:picLocks noChangeAspect="1"/>
           </p:cNvPicPr>
           <p:nvPr/>
         </p:nvPicPr>
         <p:blipFill>
-          <a:blip r:embed="rId7"/>
+          <a:blip r:embed="rId4"/>
           <a:stretch>
             <a:fillRect/>
           </a:stretch>
         </p:blipFill>
         <p:spPr>
           <a:xfrm>
-            <a:off x="8110889" y="3300035"/>
-            <a:ext cx="3009900" cy="361950"/>
+            <a:off x="5913437" y="2110317"/>
+            <a:ext cx="5551305" cy="719870"/>
           </a:xfrm>
           <a:prstGeom prst="rect">
             <a:avLst/>
           </a:prstGeom>
         </p:spPr>
       </p:pic>
-      <p:sp>
-        <p:nvSpPr>
-          <p:cNvPr id="9" name="Arrow: Right 8"/>
+      <p:pic>
+        <p:nvPicPr>
+          <p:cNvPr id="10" name="Picture 9"/>
+          <p:cNvPicPr>
+            <a:picLocks noChangeAspect="1"/>
+          </p:cNvPicPr>
+          <p:nvPr/>
+        </p:nvPicPr>
+        <p:blipFill>
+          <a:blip r:embed="rId5"/>
+          <a:stretch>
+            <a:fillRect/>
+          </a:stretch>
+        </p:blipFill>
+        <p:spPr>
+          <a:xfrm>
+            <a:off x="5913437" y="3834871"/>
+            <a:ext cx="4463328" cy="1538640"/>
+          </a:xfrm>
+          <a:prstGeom prst="rect">
+            <a:avLst/>
+          </a:prstGeom>
+        </p:spPr>
+      </p:pic>
+      <p:sp>
+        <p:nvSpPr>
+          <p:cNvPr id="6" name="Arrow: Down 5"/>
           <p:cNvSpPr/>
           <p:nvPr/>
         </p:nvSpPr>
         <p:spPr>
           <a:xfrm>
-            <a:off x="3795371" y="3393389"/>
-            <a:ext cx="335280" cy="148560"/>
-          </a:xfrm>
-          <a:prstGeom prst="rightArrow">
+            <a:off x="2448612" y="3544372"/>
+            <a:ext cx="246203" cy="335315"/>
+          </a:xfrm>
+          <a:prstGeom prst="downArrow">
             <a:avLst/>
           </a:prstGeom>
         </p:spPr>
@@ -20049,15 +20988,223 @@
           </a:p>
         </p:txBody>
       </p:sp>
-      <p:sp>
-        <p:nvSpPr>
-          <p:cNvPr id="11" name="Arrow: Right 10"/>
+      <p:pic>
+        <p:nvPicPr>
+          <p:cNvPr id="7" name="Picture 6"/>
+          <p:cNvPicPr>
+            <a:picLocks noChangeAspect="1"/>
+          </p:cNvPicPr>
+          <p:nvPr/>
+        </p:nvPicPr>
+        <p:blipFill>
+          <a:blip r:embed="rId6"/>
+          <a:stretch>
+            <a:fillRect/>
+          </a:stretch>
+        </p:blipFill>
+        <p:spPr>
+          <a:xfrm>
+            <a:off x="1012648" y="4082548"/>
+            <a:ext cx="3124200" cy="1228725"/>
+          </a:xfrm>
+          <a:prstGeom prst="rect">
+            <a:avLst/>
+          </a:prstGeom>
+        </p:spPr>
+      </p:pic>
+    </p:spTree>
+    <p:extLst>
+      <p:ext uri="{BB962C8B-B14F-4D97-AF65-F5344CB8AC3E}">
+        <p14:creationId xmlns:p14="http://schemas.microsoft.com/office/powerpoint/2010/main" val="1895629891"/>
+      </p:ext>
+    </p:extLst>
+  </p:cSld>
+  <p:clrMapOvr>
+    <a:masterClrMapping/>
+  </p:clrMapOvr>
+</p:sld>
+</file>
+
+<file path=ppt/slides/slide23.xml><?xml version="1.0" encoding="utf-8"?>
+<p:sld xmlns:a="http://schemas.openxmlformats.org/drawingml/2006/main" xmlns:r="http://schemas.openxmlformats.org/officeDocument/2006/relationships" xmlns:p="http://schemas.openxmlformats.org/presentationml/2006/main">
+  <p:cSld>
+    <p:spTree>
+      <p:nvGrpSpPr>
+        <p:cNvPr id="1" name=""/>
+        <p:cNvGrpSpPr/>
+        <p:nvPr/>
+      </p:nvGrpSpPr>
+      <p:grpSpPr>
+        <a:xfrm>
+          <a:off x="0" y="0"/>
+          <a:ext cx="0" cy="0"/>
+          <a:chOff x="0" y="0"/>
+          <a:chExt cx="0" cy="0"/>
+        </a:xfrm>
+      </p:grpSpPr>
+      <p:sp>
+        <p:nvSpPr>
+          <p:cNvPr id="2" name="Текст 1"/>
+          <p:cNvSpPr>
+            <a:spLocks noGrp="1"/>
+          </p:cNvSpPr>
+          <p:nvPr>
+            <p:ph type="body" sz="quarter" idx="33"/>
+          </p:nvPr>
+        </p:nvSpPr>
+        <p:spPr/>
+        <p:txBody>
+          <a:bodyPr/>
+          <a:lstStyle/>
+          <a:p>
+            <a:r>
+              <a:rPr lang="en-GB" dirty="0"/>
+              <a:t>Mutation level</a:t>
+            </a:r>
+          </a:p>
+          <a:p>
+            <a:endParaRPr lang="en-GB" dirty="0"/>
+          </a:p>
+          <a:p>
+            <a:endParaRPr lang="en-GB" dirty="0"/>
+          </a:p>
+          <a:p>
+            <a:endParaRPr lang="en-GB" dirty="0"/>
+          </a:p>
+          <a:p>
+            <a:endParaRPr lang="ru-RU" dirty="0"/>
+          </a:p>
+        </p:txBody>
+      </p:sp>
+      <p:pic>
+        <p:nvPicPr>
+          <p:cNvPr id="3" name="Picture 2"/>
+          <p:cNvPicPr>
+            <a:picLocks noChangeAspect="1"/>
+          </p:cNvPicPr>
+          <p:nvPr/>
+        </p:nvPicPr>
+        <p:blipFill>
+          <a:blip r:embed="rId3"/>
+          <a:stretch>
+            <a:fillRect/>
+          </a:stretch>
+        </p:blipFill>
+        <p:spPr>
+          <a:xfrm>
+            <a:off x="573438" y="3332450"/>
+            <a:ext cx="3010420" cy="345458"/>
+          </a:xfrm>
+          <a:prstGeom prst="rect">
+            <a:avLst/>
+          </a:prstGeom>
+        </p:spPr>
+      </p:pic>
+      <p:pic>
+        <p:nvPicPr>
+          <p:cNvPr id="4" name="Picture 3"/>
+          <p:cNvPicPr>
+            <a:picLocks noChangeAspect="1"/>
+          </p:cNvPicPr>
+          <p:nvPr/>
+        </p:nvPicPr>
+        <p:blipFill>
+          <a:blip r:embed="rId4"/>
+          <a:stretch>
+            <a:fillRect/>
+          </a:stretch>
+        </p:blipFill>
+        <p:spPr>
+          <a:xfrm>
+            <a:off x="4342164" y="3316000"/>
+            <a:ext cx="3010419" cy="361908"/>
+          </a:xfrm>
+          <a:prstGeom prst="rect">
+            <a:avLst/>
+          </a:prstGeom>
+        </p:spPr>
+      </p:pic>
+      <p:pic>
+        <p:nvPicPr>
+          <p:cNvPr id="6" name="Picture 5"/>
+          <p:cNvPicPr>
+            <a:picLocks noChangeAspect="1"/>
+          </p:cNvPicPr>
+          <p:nvPr/>
+        </p:nvPicPr>
+        <p:blipFill>
+          <a:blip r:embed="rId5"/>
+          <a:stretch>
+            <a:fillRect/>
+          </a:stretch>
+        </p:blipFill>
+        <p:spPr>
+          <a:xfrm>
+            <a:off x="4342164" y="4196072"/>
+            <a:ext cx="3010420" cy="345458"/>
+          </a:xfrm>
+          <a:prstGeom prst="rect">
+            <a:avLst/>
+          </a:prstGeom>
+        </p:spPr>
+      </p:pic>
+      <p:pic>
+        <p:nvPicPr>
+          <p:cNvPr id="7" name="Picture 6"/>
+          <p:cNvPicPr>
+            <a:picLocks noChangeAspect="1"/>
+          </p:cNvPicPr>
+          <p:nvPr/>
+        </p:nvPicPr>
+        <p:blipFill>
+          <a:blip r:embed="rId6"/>
+          <a:stretch>
+            <a:fillRect/>
+          </a:stretch>
+        </p:blipFill>
+        <p:spPr>
+          <a:xfrm>
+            <a:off x="4342164" y="2435090"/>
+            <a:ext cx="3000896" cy="362746"/>
+          </a:xfrm>
+          <a:prstGeom prst="rect">
+            <a:avLst/>
+          </a:prstGeom>
+        </p:spPr>
+      </p:pic>
+      <p:pic>
+        <p:nvPicPr>
+          <p:cNvPr id="8" name="Picture 7"/>
+          <p:cNvPicPr>
+            <a:picLocks noChangeAspect="1"/>
+          </p:cNvPicPr>
+          <p:nvPr/>
+        </p:nvPicPr>
+        <p:blipFill>
+          <a:blip r:embed="rId7"/>
+          <a:stretch>
+            <a:fillRect/>
+          </a:stretch>
+        </p:blipFill>
+        <p:spPr>
+          <a:xfrm>
+            <a:off x="8110889" y="3300035"/>
+            <a:ext cx="3009900" cy="361950"/>
+          </a:xfrm>
+          <a:prstGeom prst="rect">
+            <a:avLst/>
+          </a:prstGeom>
+        </p:spPr>
+      </p:pic>
+      <p:sp>
+        <p:nvSpPr>
+          <p:cNvPr id="9" name="Arrow: Right 8"/>
           <p:cNvSpPr/>
           <p:nvPr/>
         </p:nvSpPr>
         <p:spPr>
           <a:xfrm>
-            <a:off x="7564096" y="3406730"/>
+            <a:off x="3795371" y="3393389"/>
             <a:ext cx="335280" cy="148560"/>
           </a:xfrm>
           <a:prstGeom prst="rightArrow">
@@ -20091,13 +21238,13 @@
       </p:sp>
       <p:sp>
         <p:nvSpPr>
-          <p:cNvPr id="12" name="Arrow: Right 11"/>
+          <p:cNvPr id="11" name="Arrow: Right 10"/>
           <p:cNvSpPr/>
           <p:nvPr/>
         </p:nvSpPr>
         <p:spPr>
-          <a:xfrm rot="18900000">
-            <a:off x="3791947" y="2865068"/>
+          <a:xfrm>
+            <a:off x="7564096" y="3406730"/>
             <a:ext cx="335280" cy="148560"/>
           </a:xfrm>
           <a:prstGeom prst="rightArrow">
@@ -20131,13 +21278,13 @@
       </p:sp>
       <p:sp>
         <p:nvSpPr>
-          <p:cNvPr id="13" name="Arrow: Right 12"/>
+          <p:cNvPr id="12" name="Arrow: Right 11"/>
           <p:cNvSpPr/>
           <p:nvPr/>
         </p:nvSpPr>
         <p:spPr>
-          <a:xfrm rot="1800000">
-            <a:off x="3780691" y="3913340"/>
+          <a:xfrm rot="18900000">
+            <a:off x="3791947" y="2865068"/>
             <a:ext cx="335280" cy="148560"/>
           </a:xfrm>
           <a:prstGeom prst="rightArrow">
@@ -20171,24 +21318,18 @@
       </p:sp>
       <p:sp>
         <p:nvSpPr>
-          <p:cNvPr id="17" name="Rectangle 16"/>
+          <p:cNvPr id="13" name="Arrow: Right 12"/>
           <p:cNvSpPr/>
           <p:nvPr/>
         </p:nvSpPr>
         <p:spPr>
-          <a:xfrm>
-            <a:off x="6182360" y="3264492"/>
-            <a:ext cx="955040" cy="464924"/>
-          </a:xfrm>
-          <a:prstGeom prst="rect">
+          <a:xfrm rot="1800000">
+            <a:off x="3780691" y="3913340"/>
+            <a:ext cx="335280" cy="148560"/>
+          </a:xfrm>
+          <a:prstGeom prst="rightArrow">
             <a:avLst/>
           </a:prstGeom>
-          <a:noFill/>
-          <a:ln w="50800">
-            <a:solidFill>
-              <a:srgbClr val="C00000"/>
-            </a:solidFill>
-          </a:ln>
         </p:spPr>
         <p:style>
           <a:lnRef idx="2">
@@ -20211,19 +21352,19 @@
           <a:lstStyle/>
           <a:p>
             <a:pPr algn="ctr"/>
-            <a:endParaRPr lang="en-GB" dirty="0"/>
-          </a:p>
-        </p:txBody>
-      </p:sp>
-      <p:sp>
-        <p:nvSpPr>
-          <p:cNvPr id="18" name="Rectangle 17"/>
+            <a:endParaRPr lang="en-GB"/>
+          </a:p>
+        </p:txBody>
+      </p:sp>
+      <p:sp>
+        <p:nvSpPr>
+          <p:cNvPr id="17" name="Rectangle 16"/>
           <p:cNvSpPr/>
           <p:nvPr/>
         </p:nvSpPr>
         <p:spPr>
           <a:xfrm>
-            <a:off x="5552440" y="4136339"/>
+            <a:off x="6182360" y="3264492"/>
             <a:ext cx="955040" cy="464924"/>
           </a:xfrm>
           <a:prstGeom prst="rect">
@@ -20263,14 +21404,14 @@
       </p:sp>
       <p:sp>
         <p:nvSpPr>
-          <p:cNvPr id="19" name="Rectangle 18"/>
+          <p:cNvPr id="18" name="Rectangle 17"/>
           <p:cNvSpPr/>
           <p:nvPr/>
         </p:nvSpPr>
         <p:spPr>
           <a:xfrm>
-            <a:off x="4505960" y="2392645"/>
-            <a:ext cx="2738120" cy="464924"/>
+            <a:off x="5552440" y="4136339"/>
+            <a:ext cx="955040" cy="464924"/>
           </a:xfrm>
           <a:prstGeom prst="rect">
             <a:avLst/>
@@ -20309,14 +21450,14 @@
       </p:sp>
       <p:sp>
         <p:nvSpPr>
-          <p:cNvPr id="20" name="Rectangle 19"/>
+          <p:cNvPr id="19" name="Rectangle 18"/>
           <p:cNvSpPr/>
           <p:nvPr/>
         </p:nvSpPr>
         <p:spPr>
           <a:xfrm>
-            <a:off x="9316720" y="3235206"/>
-            <a:ext cx="1584960" cy="494209"/>
+            <a:off x="4505960" y="2392645"/>
+            <a:ext cx="2738120" cy="464924"/>
           </a:xfrm>
           <a:prstGeom prst="rect">
             <a:avLst/>
@@ -20355,19 +21496,65 @@
       </p:sp>
       <p:sp>
         <p:nvSpPr>
-          <p:cNvPr id="21" name="TextBox 20"/>
-          <p:cNvSpPr txBox="1"/>
+          <p:cNvPr id="20" name="Rectangle 19"/>
+          <p:cNvSpPr/>
           <p:nvPr/>
         </p:nvSpPr>
         <p:spPr>
           <a:xfrm>
-            <a:off x="1562582" y="1134319"/>
-            <a:ext cx="836896" cy="369332"/>
+            <a:off x="9316720" y="3235206"/>
+            <a:ext cx="1584960" cy="494209"/>
           </a:xfrm>
           <a:prstGeom prst="rect">
             <a:avLst/>
           </a:prstGeom>
           <a:noFill/>
+          <a:ln w="50800">
+            <a:solidFill>
+              <a:srgbClr val="C00000"/>
+            </a:solidFill>
+          </a:ln>
+        </p:spPr>
+        <p:style>
+          <a:lnRef idx="2">
+            <a:schemeClr val="accent1">
+              <a:shade val="50000"/>
+            </a:schemeClr>
+          </a:lnRef>
+          <a:fillRef idx="1">
+            <a:schemeClr val="accent1"/>
+          </a:fillRef>
+          <a:effectRef idx="0">
+            <a:schemeClr val="accent1"/>
+          </a:effectRef>
+          <a:fontRef idx="minor">
+            <a:schemeClr val="lt1"/>
+          </a:fontRef>
+        </p:style>
+        <p:txBody>
+          <a:bodyPr rtlCol="0" anchor="ctr"/>
+          <a:lstStyle/>
+          <a:p>
+            <a:pPr algn="ctr"/>
+            <a:endParaRPr lang="en-GB" dirty="0"/>
+          </a:p>
+        </p:txBody>
+      </p:sp>
+      <p:sp>
+        <p:nvSpPr>
+          <p:cNvPr id="21" name="TextBox 20"/>
+          <p:cNvSpPr txBox="1"/>
+          <p:nvPr/>
+        </p:nvSpPr>
+        <p:spPr>
+          <a:xfrm>
+            <a:off x="1562582" y="1134319"/>
+            <a:ext cx="1052211" cy="461665"/>
+          </a:xfrm>
+          <a:prstGeom prst="rect">
+            <a:avLst/>
+          </a:prstGeom>
+          <a:noFill/>
         </p:spPr>
         <p:txBody>
           <a:bodyPr wrap="none" rtlCol="0">
@@ -20376,7 +21563,7 @@
           <a:lstStyle/>
           <a:p>
             <a:r>
-              <a:rPr lang="en-GB" dirty="0"/>
+              <a:rPr lang="en-GB" sz="2400" dirty="0"/>
               <a:t>Level 0</a:t>
             </a:r>
           </a:p>
@@ -20391,7 +21578,7 @@
         <p:spPr>
           <a:xfrm>
             <a:off x="5424164" y="1134319"/>
-            <a:ext cx="836896" cy="369332"/>
+            <a:ext cx="1052211" cy="461665"/>
           </a:xfrm>
           <a:prstGeom prst="rect">
             <a:avLst/>
@@ -20405,7 +21592,7 @@
           <a:lstStyle/>
           <a:p>
             <a:r>
-              <a:rPr lang="en-GB" dirty="0"/>
+              <a:rPr lang="en-GB" sz="2400" dirty="0"/>
               <a:t>Level 1</a:t>
             </a:r>
           </a:p>
@@ -20420,7 +21607,7 @@
         <p:spPr>
           <a:xfrm>
             <a:off x="9197391" y="1134319"/>
-            <a:ext cx="836896" cy="369332"/>
+            <a:ext cx="1052211" cy="461665"/>
           </a:xfrm>
           <a:prstGeom prst="rect">
             <a:avLst/>
@@ -20434,7 +21621,7 @@
           <a:lstStyle/>
           <a:p>
             <a:r>
-              <a:rPr lang="en-GB" dirty="0"/>
+              <a:rPr lang="en-GB" sz="2400" dirty="0"/>
               <a:t>Level 2</a:t>
             </a:r>
           </a:p>
@@ -20513,7 +21700,7 @@
 </p:sld>
 </file>
 
-<file path=ppt/slides/slide2.xml><?xml version="1.0" encoding="utf-8"?>
+<file path=ppt/slides/slide24.xml><?xml version="1.0" encoding="utf-8"?>
 <p:sld xmlns:a="http://schemas.openxmlformats.org/drawingml/2006/main" xmlns:r="http://schemas.openxmlformats.org/officeDocument/2006/relationships" xmlns:p="http://schemas.openxmlformats.org/presentationml/2006/main">
   <p:cSld>
     <p:spTree>
@@ -20547,72 +21734,33 @@
           <a:p>
             <a:r>
               <a:rPr lang="en-GB" dirty="0"/>
-              <a:t>Unit testing</a:t>
-            </a:r>
+              <a:t>Whole level mutation testing</a:t>
+            </a:r>
+          </a:p>
+          <a:p>
+            <a:endParaRPr lang="en-GB" dirty="0"/>
+          </a:p>
+          <a:p>
+            <a:endParaRPr lang="en-GB" dirty="0"/>
+          </a:p>
+          <a:p>
+            <a:endParaRPr lang="en-GB" dirty="0"/>
           </a:p>
           <a:p>
             <a:endParaRPr lang="ru-RU" dirty="0"/>
           </a:p>
         </p:txBody>
       </p:sp>
-      <p:pic>
-        <p:nvPicPr>
-          <p:cNvPr id="4" name="Picture 3"/>
-          <p:cNvPicPr>
-            <a:picLocks noChangeAspect="1"/>
-          </p:cNvPicPr>
-          <p:nvPr/>
-        </p:nvPicPr>
-        <p:blipFill>
-          <a:blip r:embed="rId3"/>
-          <a:stretch>
-            <a:fillRect/>
-          </a:stretch>
-        </p:blipFill>
-        <p:spPr>
-          <a:xfrm>
-            <a:off x="1665514" y="2732314"/>
-            <a:ext cx="3128346" cy="966107"/>
-          </a:xfrm>
-          <a:prstGeom prst="rect">
-            <a:avLst/>
-          </a:prstGeom>
-        </p:spPr>
-      </p:pic>
-      <p:pic>
-        <p:nvPicPr>
-          <p:cNvPr id="5" name="Picture 4"/>
-          <p:cNvPicPr>
-            <a:picLocks noChangeAspect="1"/>
-          </p:cNvPicPr>
-          <p:nvPr/>
-        </p:nvPicPr>
-        <p:blipFill>
-          <a:blip r:embed="rId4"/>
-          <a:stretch>
-            <a:fillRect/>
-          </a:stretch>
-        </p:blipFill>
-        <p:spPr>
-          <a:xfrm>
-            <a:off x="6709682" y="2732314"/>
-            <a:ext cx="4130598" cy="975632"/>
-          </a:xfrm>
-          <a:prstGeom prst="rect">
-            <a:avLst/>
-          </a:prstGeom>
-        </p:spPr>
-      </p:pic>
-      <p:sp>
-        <p:nvSpPr>
-          <p:cNvPr id="6" name="TextBox 5"/>
+      <p:sp>
+        <p:nvSpPr>
+          <p:cNvPr id="4" name="TextBox 3"/>
           <p:cNvSpPr txBox="1"/>
           <p:nvPr/>
         </p:nvSpPr>
         <p:spPr>
           <a:xfrm>
-            <a:off x="1513114" y="1893723"/>
-            <a:ext cx="667170" cy="369332"/>
+            <a:off x="2817727" y="1145894"/>
+            <a:ext cx="1052211" cy="461665"/>
           </a:xfrm>
           <a:prstGeom prst="rect">
             <a:avLst/>
@@ -20626,22 +21774,22 @@
           <a:lstStyle/>
           <a:p>
             <a:r>
-              <a:rPr lang="en-GB" dirty="0"/>
-              <a:t>Code</a:t>
-            </a:r>
-          </a:p>
-        </p:txBody>
-      </p:sp>
-      <p:sp>
-        <p:nvSpPr>
-          <p:cNvPr id="7" name="TextBox 6"/>
+              <a:rPr lang="en-GB" sz="2400" dirty="0"/>
+              <a:t>Level 1</a:t>
+            </a:r>
+          </a:p>
+        </p:txBody>
+      </p:sp>
+      <p:sp>
+        <p:nvSpPr>
+          <p:cNvPr id="5" name="TextBox 4"/>
           <p:cNvSpPr txBox="1"/>
           <p:nvPr/>
         </p:nvSpPr>
         <p:spPr>
           <a:xfrm>
-            <a:off x="6431721" y="1893723"/>
-            <a:ext cx="555921" cy="369332"/>
+            <a:off x="5785731" y="1157469"/>
+            <a:ext cx="1052211" cy="461665"/>
           </a:xfrm>
           <a:prstGeom prst="rect">
             <a:avLst/>
@@ -20655,129 +21803,7 @@
           <a:lstStyle/>
           <a:p>
             <a:r>
-              <a:rPr lang="en-GB" dirty="0"/>
-              <a:t>Test</a:t>
-            </a:r>
-          </a:p>
-        </p:txBody>
-      </p:sp>
-    </p:spTree>
-    <p:extLst>
-      <p:ext uri="{BB962C8B-B14F-4D97-AF65-F5344CB8AC3E}">
-        <p14:creationId xmlns:p14="http://schemas.microsoft.com/office/powerpoint/2010/main" val="2081994167"/>
-      </p:ext>
-    </p:extLst>
-  </p:cSld>
-  <p:clrMapOvr>
-    <a:masterClrMapping/>
-  </p:clrMapOvr>
-</p:sld>
-</file>
-
-<file path=ppt/slides/slide20.xml><?xml version="1.0" encoding="utf-8"?>
-<p:sld xmlns:a="http://schemas.openxmlformats.org/drawingml/2006/main" xmlns:r="http://schemas.openxmlformats.org/officeDocument/2006/relationships" xmlns:p="http://schemas.openxmlformats.org/presentationml/2006/main">
-  <p:cSld>
-    <p:spTree>
-      <p:nvGrpSpPr>
-        <p:cNvPr id="1" name=""/>
-        <p:cNvGrpSpPr/>
-        <p:nvPr/>
-      </p:nvGrpSpPr>
-      <p:grpSpPr>
-        <a:xfrm>
-          <a:off x="0" y="0"/>
-          <a:ext cx="0" cy="0"/>
-          <a:chOff x="0" y="0"/>
-          <a:chExt cx="0" cy="0"/>
-        </a:xfrm>
-      </p:grpSpPr>
-      <p:sp>
-        <p:nvSpPr>
-          <p:cNvPr id="2" name="Текст 1"/>
-          <p:cNvSpPr>
-            <a:spLocks noGrp="1"/>
-          </p:cNvSpPr>
-          <p:nvPr>
-            <p:ph type="body" sz="quarter" idx="33"/>
-          </p:nvPr>
-        </p:nvSpPr>
-        <p:spPr/>
-        <p:txBody>
-          <a:bodyPr/>
-          <a:lstStyle/>
-          <a:p>
-            <a:r>
-              <a:rPr lang="en-GB" dirty="0"/>
-              <a:t>Whole level mutation testing</a:t>
-            </a:r>
-          </a:p>
-          <a:p>
-            <a:endParaRPr lang="en-GB" dirty="0"/>
-          </a:p>
-          <a:p>
-            <a:endParaRPr lang="en-GB" dirty="0"/>
-          </a:p>
-          <a:p>
-            <a:endParaRPr lang="en-GB" dirty="0"/>
-          </a:p>
-          <a:p>
-            <a:endParaRPr lang="ru-RU" dirty="0"/>
-          </a:p>
-        </p:txBody>
-      </p:sp>
-      <p:sp>
-        <p:nvSpPr>
-          <p:cNvPr id="4" name="TextBox 3"/>
-          <p:cNvSpPr txBox="1"/>
-          <p:nvPr/>
-        </p:nvSpPr>
-        <p:spPr>
-          <a:xfrm>
-            <a:off x="2916819" y="1145894"/>
-            <a:ext cx="836896" cy="369332"/>
-          </a:xfrm>
-          <a:prstGeom prst="rect">
-            <a:avLst/>
-          </a:prstGeom>
-          <a:noFill/>
-        </p:spPr>
-        <p:txBody>
-          <a:bodyPr wrap="none" rtlCol="0">
-            <a:spAutoFit/>
-          </a:bodyPr>
-          <a:lstStyle/>
-          <a:p>
-            <a:r>
-              <a:rPr lang="en-GB" dirty="0"/>
-              <a:t>Level 1</a:t>
-            </a:r>
-          </a:p>
-        </p:txBody>
-      </p:sp>
-      <p:sp>
-        <p:nvSpPr>
-          <p:cNvPr id="5" name="TextBox 4"/>
-          <p:cNvSpPr txBox="1"/>
-          <p:nvPr/>
-        </p:nvSpPr>
-        <p:spPr>
-          <a:xfrm>
-            <a:off x="5785731" y="1157469"/>
-            <a:ext cx="836896" cy="369332"/>
-          </a:xfrm>
-          <a:prstGeom prst="rect">
-            <a:avLst/>
-          </a:prstGeom>
-          <a:noFill/>
-        </p:spPr>
-        <p:txBody>
-          <a:bodyPr wrap="none" rtlCol="0">
-            <a:spAutoFit/>
-          </a:bodyPr>
-          <a:lstStyle/>
-          <a:p>
-            <a:r>
-              <a:rPr lang="en-GB" dirty="0"/>
+              <a:rPr lang="en-GB" sz="2400" dirty="0"/>
               <a:t>Level 2</a:t>
             </a:r>
           </a:p>
@@ -20882,7 +21908,7 @@
         <p:spPr>
           <a:xfrm>
             <a:off x="9557938" y="1145894"/>
-            <a:ext cx="868956" cy="369332"/>
+            <a:ext cx="1095493" cy="461665"/>
           </a:xfrm>
           <a:prstGeom prst="rect">
             <a:avLst/>
@@ -20896,7 +21922,7 @@
           <a:lstStyle/>
           <a:p>
             <a:r>
-              <a:rPr lang="en-GB" dirty="0"/>
+              <a:rPr lang="en-GB" sz="2400" dirty="0"/>
               <a:t>Level N</a:t>
             </a:r>
           </a:p>
@@ -20941,7 +21967,7 @@
         <p:spPr>
           <a:xfrm>
             <a:off x="7951714" y="3587621"/>
-            <a:ext cx="343364" cy="369332"/>
+            <a:ext cx="397866" cy="461665"/>
           </a:xfrm>
           <a:prstGeom prst="rect">
             <a:avLst/>
@@ -20955,7 +21981,7 @@
           <a:lstStyle/>
           <a:p>
             <a:r>
-              <a:rPr lang="en-GB" dirty="0"/>
+              <a:rPr lang="en-GB" sz="2400" dirty="0"/>
               <a:t>…</a:t>
             </a:r>
           </a:p>
@@ -20969,8 +21995,8 @@
         </p:nvSpPr>
         <p:spPr>
           <a:xfrm>
-            <a:off x="617198" y="1837977"/>
-            <a:ext cx="1046953" cy="923330"/>
+            <a:off x="474594" y="1837977"/>
+            <a:ext cx="1332161" cy="1200329"/>
           </a:xfrm>
           <a:prstGeom prst="rect">
             <a:avLst/>
@@ -20985,24 +22011,23 @@
           <a:p>
             <a:pPr algn="ctr"/>
             <a:r>
-              <a:rPr lang="en-GB" dirty="0"/>
+              <a:rPr lang="en-GB" sz="2400" dirty="0"/>
               <a:t>Code</a:t>
             </a:r>
           </a:p>
           <a:p>
             <a:pPr algn="ctr"/>
             <a:r>
-              <a:rPr lang="en-GB" dirty="0"/>
+              <a:rPr lang="en-GB" sz="2400" dirty="0"/>
               <a:t>mutation</a:t>
             </a:r>
           </a:p>
           <a:p>
             <a:pPr algn="ctr"/>
             <a:r>
-              <a:rPr lang="en-GB" dirty="0"/>
+              <a:rPr lang="en-GB" sz="2400" dirty="0"/>
               <a:t>quantity</a:t>
             </a:r>
-            <a:endParaRPr lang="en-GB" dirty="0"/>
           </a:p>
         </p:txBody>
       </p:sp>
@@ -21015,7 +22040,7 @@
         <p:spPr>
           <a:xfrm>
             <a:off x="3107230" y="2114976"/>
-            <a:ext cx="333746" cy="369332"/>
+            <a:ext cx="383438" cy="461665"/>
           </a:xfrm>
           <a:prstGeom prst="rect">
             <a:avLst/>
@@ -21029,7 +22054,7 @@
           <a:lstStyle/>
           <a:p>
             <a:r>
-              <a:rPr lang="en-GB" dirty="0"/>
+              <a:rPr lang="en-GB" sz="2400" dirty="0"/>
               <a:t>N</a:t>
             </a:r>
           </a:p>
@@ -21043,8 +22068,8 @@
         </p:nvSpPr>
         <p:spPr>
           <a:xfrm>
-            <a:off x="5553199" y="2134934"/>
-            <a:ext cx="1301959" cy="369332"/>
+            <a:off x="5869099" y="2114975"/>
+            <a:ext cx="641522" cy="461665"/>
           </a:xfrm>
           <a:prstGeom prst="rect">
             <a:avLst/>
@@ -21058,8 +22083,12 @@
           <a:lstStyle/>
           <a:p>
             <a:r>
-              <a:rPr lang="en-GB" dirty="0"/>
-              <a:t>&gt; N*(N-1)/2</a:t>
+              <a:rPr lang="en-GB" sz="2400" dirty="0"/>
+              <a:t>~N</a:t>
+            </a:r>
+            <a:r>
+              <a:rPr lang="en-GB" sz="2400" baseline="30000" dirty="0"/>
+              <a:t>2</a:t>
             </a:r>
           </a:p>
         </p:txBody>
@@ -21072,8 +22101,8 @@
         </p:nvSpPr>
         <p:spPr>
           <a:xfrm>
-            <a:off x="9609553" y="2114976"/>
-            <a:ext cx="734496" cy="369332"/>
+            <a:off x="9704690" y="2114975"/>
+            <a:ext cx="627095" cy="461665"/>
           </a:xfrm>
           <a:prstGeom prst="rect">
             <a:avLst/>
@@ -21087,8 +22116,12 @@
           <a:lstStyle/>
           <a:p>
             <a:r>
-              <a:rPr lang="en-GB" dirty="0"/>
-              <a:t>&gt; 2^N</a:t>
+              <a:rPr lang="en-GB" sz="2400" dirty="0"/>
+              <a:t>~2</a:t>
+            </a:r>
+            <a:r>
+              <a:rPr lang="en-GB" sz="2400" baseline="30000" dirty="0"/>
+              <a:t>N</a:t>
             </a:r>
           </a:p>
         </p:txBody>
@@ -21101,8 +22134,8 @@
         </p:nvSpPr>
         <p:spPr>
           <a:xfrm>
-            <a:off x="655863" y="3310622"/>
-            <a:ext cx="969624" cy="923330"/>
+            <a:off x="525601" y="3218288"/>
+            <a:ext cx="1230145" cy="1200329"/>
           </a:xfrm>
           <a:prstGeom prst="rect">
             <a:avLst/>
@@ -21117,24 +22150,23 @@
           <a:p>
             <a:pPr algn="ctr"/>
             <a:r>
-              <a:rPr lang="en-GB" dirty="0"/>
+              <a:rPr lang="en-GB" sz="2400" dirty="0"/>
               <a:t>Test</a:t>
             </a:r>
             <a:br>
-              <a:rPr lang="en-GB" dirty="0"/>
+              <a:rPr lang="en-GB" sz="2400" dirty="0"/>
             </a:br>
             <a:r>
-              <a:rPr lang="en-GB" dirty="0"/>
+              <a:rPr lang="en-GB" sz="2400" dirty="0"/>
               <a:t>quantity</a:t>
             </a:r>
           </a:p>
           <a:p>
             <a:pPr algn="ctr"/>
             <a:r>
-              <a:rPr lang="en-GB" dirty="0"/>
+              <a:rPr lang="en-GB" sz="2400" dirty="0"/>
               <a:t>increase</a:t>
             </a:r>
-            <a:endParaRPr lang="en-GB" dirty="0"/>
           </a:p>
         </p:txBody>
       </p:sp>
@@ -21146,8 +22178,8 @@
         </p:nvSpPr>
         <p:spPr>
           <a:xfrm>
-            <a:off x="619249" y="4516318"/>
-            <a:ext cx="965521" cy="1200329"/>
+            <a:off x="486938" y="4516318"/>
+            <a:ext cx="1230145" cy="1569660"/>
           </a:xfrm>
           <a:prstGeom prst="rect">
             <a:avLst/>
@@ -21162,31 +22194,30 @@
           <a:p>
             <a:pPr algn="ctr"/>
             <a:r>
-              <a:rPr lang="en-GB" dirty="0"/>
+              <a:rPr lang="en-GB" sz="2400" dirty="0"/>
               <a:t>Test</a:t>
             </a:r>
             <a:br>
-              <a:rPr lang="en-GB" dirty="0"/>
+              <a:rPr lang="en-GB" sz="2400" dirty="0"/>
             </a:br>
             <a:r>
-              <a:rPr lang="en-GB" dirty="0"/>
+              <a:rPr lang="en-GB" sz="2400" dirty="0"/>
               <a:t>lines</a:t>
             </a:r>
           </a:p>
           <a:p>
             <a:pPr algn="ctr"/>
             <a:r>
-              <a:rPr lang="en-GB" dirty="0"/>
+              <a:rPr lang="en-GB" sz="2400" dirty="0"/>
               <a:t>quantity</a:t>
             </a:r>
           </a:p>
           <a:p>
             <a:pPr algn="ctr"/>
             <a:r>
-              <a:rPr lang="en-GB" dirty="0"/>
+              <a:rPr lang="en-GB" sz="2400" dirty="0"/>
               <a:t>increase</a:t>
             </a:r>
-            <a:endParaRPr lang="en-GB" dirty="0"/>
           </a:p>
         </p:txBody>
       </p:sp>
@@ -21199,7 +22230,7 @@
         <p:spPr>
           <a:xfrm>
             <a:off x="3073567" y="3587621"/>
-            <a:ext cx="401072" cy="369332"/>
+            <a:ext cx="473206" cy="461665"/>
           </a:xfrm>
           <a:prstGeom prst="rect">
             <a:avLst/>
@@ -21213,7 +22244,7 @@
           <a:lstStyle/>
           <a:p>
             <a:r>
-              <a:rPr lang="en-GB" dirty="0"/>
+              <a:rPr lang="en-GB" sz="2400" dirty="0"/>
               <a:t>x2</a:t>
             </a:r>
           </a:p>
@@ -21228,7 +22259,7 @@
         <p:spPr>
           <a:xfrm>
             <a:off x="3107230" y="4875600"/>
-            <a:ext cx="401072" cy="369332"/>
+            <a:ext cx="473206" cy="461665"/>
           </a:xfrm>
           <a:prstGeom prst="rect">
             <a:avLst/>
@@ -21242,7 +22273,7 @@
           <a:lstStyle/>
           <a:p>
             <a:r>
-              <a:rPr lang="en-GB" dirty="0"/>
+              <a:rPr lang="en-GB" sz="2400" dirty="0"/>
               <a:t>x4</a:t>
             </a:r>
           </a:p>
@@ -21256,8 +22287,8 @@
         </p:nvSpPr>
         <p:spPr>
           <a:xfrm>
-            <a:off x="6003643" y="3587621"/>
-            <a:ext cx="641522" cy="369332"/>
+            <a:off x="5876450" y="3587621"/>
+            <a:ext cx="792205" cy="461665"/>
           </a:xfrm>
           <a:prstGeom prst="rect">
             <a:avLst/>
@@ -21271,7 +22302,7 @@
           <a:lstStyle/>
           <a:p>
             <a:r>
-              <a:rPr lang="en-GB" dirty="0"/>
+              <a:rPr lang="en-GB" sz="2400" dirty="0"/>
               <a:t>1..2?</a:t>
             </a:r>
           </a:p>
@@ -21286,7 +22317,7 @@
         <p:spPr>
           <a:xfrm>
             <a:off x="6045664" y="4875012"/>
-            <a:ext cx="292068" cy="369332"/>
+            <a:ext cx="327334" cy="461665"/>
           </a:xfrm>
           <a:prstGeom prst="rect">
             <a:avLst/>
@@ -21300,7 +22331,7 @@
           <a:lstStyle/>
           <a:p>
             <a:r>
-              <a:rPr lang="en-GB" dirty="0"/>
+              <a:rPr lang="en-GB" sz="2400" dirty="0"/>
               <a:t>?</a:t>
             </a:r>
           </a:p>
@@ -21315,7 +22346,7 @@
         <p:spPr>
           <a:xfrm>
             <a:off x="9848159" y="3587621"/>
-            <a:ext cx="301686" cy="369332"/>
+            <a:ext cx="340158" cy="461665"/>
           </a:xfrm>
           <a:prstGeom prst="rect">
             <a:avLst/>
@@ -21329,7 +22360,7 @@
           <a:lstStyle/>
           <a:p>
             <a:r>
-              <a:rPr lang="en-GB" dirty="0"/>
+              <a:rPr lang="en-GB" sz="2400" dirty="0"/>
               <a:t>0</a:t>
             </a:r>
           </a:p>
@@ -21344,7 +22375,7 @@
         <p:spPr>
           <a:xfrm>
             <a:off x="7963371" y="4875012"/>
-            <a:ext cx="343364" cy="369332"/>
+            <a:ext cx="397866" cy="461665"/>
           </a:xfrm>
           <a:prstGeom prst="rect">
             <a:avLst/>
@@ -21358,7 +22389,7 @@
           <a:lstStyle/>
           <a:p>
             <a:r>
-              <a:rPr lang="en-GB" dirty="0"/>
+              <a:rPr lang="en-GB" sz="2400" dirty="0"/>
               <a:t>…</a:t>
             </a:r>
           </a:p>
@@ -21373,7 +22404,7 @@
         <p:spPr>
           <a:xfrm>
             <a:off x="7951714" y="2114976"/>
-            <a:ext cx="343364" cy="369332"/>
+            <a:ext cx="397866" cy="461665"/>
           </a:xfrm>
           <a:prstGeom prst="rect">
             <a:avLst/>
@@ -21387,7 +22418,7 @@
           <a:lstStyle/>
           <a:p>
             <a:r>
-              <a:rPr lang="en-GB" dirty="0"/>
+              <a:rPr lang="en-GB" sz="2400" dirty="0"/>
               <a:t>…</a:t>
             </a:r>
           </a:p>
@@ -21402,7 +22433,7 @@
         <p:spPr>
           <a:xfrm>
             <a:off x="9873384" y="4875012"/>
-            <a:ext cx="301686" cy="369332"/>
+            <a:ext cx="340158" cy="461665"/>
           </a:xfrm>
           <a:prstGeom prst="rect">
             <a:avLst/>
@@ -21416,7 +22447,7 @@
           <a:lstStyle/>
           <a:p>
             <a:r>
-              <a:rPr lang="en-GB" dirty="0"/>
+              <a:rPr lang="en-GB" sz="2400" dirty="0"/>
               <a:t>0</a:t>
             </a:r>
           </a:p>
@@ -21435,7 +22466,7 @@
 </p:sld>
 </file>
 
-<file path=ppt/slides/slide21.xml><?xml version="1.0" encoding="utf-8"?>
+<file path=ppt/slides/slide25.xml><?xml version="1.0" encoding="utf-8"?>
 <p:sld xmlns:a="http://schemas.openxmlformats.org/drawingml/2006/main" xmlns:r="http://schemas.openxmlformats.org/officeDocument/2006/relationships" xmlns:p="http://schemas.openxmlformats.org/presentationml/2006/main">
   <p:cSld>
     <p:spTree>
@@ -21809,7 +22840,7 @@
 </p:sld>
 </file>
 
-<file path=ppt/slides/slide22.xml><?xml version="1.0" encoding="utf-8"?>
+<file path=ppt/slides/slide26.xml><?xml version="1.0" encoding="utf-8"?>
 <p:sld xmlns:a="http://schemas.openxmlformats.org/drawingml/2006/main" xmlns:r="http://schemas.openxmlformats.org/officeDocument/2006/relationships" xmlns:p="http://schemas.openxmlformats.org/presentationml/2006/main">
   <p:cSld>
     <p:spTree>
@@ -22198,6 +23229,168 @@
     <p:extLst>
       <p:ext uri="{BB962C8B-B14F-4D97-AF65-F5344CB8AC3E}">
         <p14:creationId xmlns:p14="http://schemas.microsoft.com/office/powerpoint/2010/main" val="3556928305"/>
+      </p:ext>
+    </p:extLst>
+  </p:cSld>
+  <p:clrMapOvr>
+    <a:masterClrMapping/>
+  </p:clrMapOvr>
+</p:sld>
+</file>
+
+<file path=ppt/slides/slide27.xml><?xml version="1.0" encoding="utf-8"?>
+<p:sld xmlns:a="http://schemas.openxmlformats.org/drawingml/2006/main" xmlns:r="http://schemas.openxmlformats.org/officeDocument/2006/relationships" xmlns:p="http://schemas.openxmlformats.org/presentationml/2006/main">
+  <p:cSld>
+    <p:spTree>
+      <p:nvGrpSpPr>
+        <p:cNvPr id="1" name=""/>
+        <p:cNvGrpSpPr/>
+        <p:nvPr/>
+      </p:nvGrpSpPr>
+      <p:grpSpPr>
+        <a:xfrm>
+          <a:off x="0" y="0"/>
+          <a:ext cx="0" cy="0"/>
+          <a:chOff x="0" y="0"/>
+          <a:chExt cx="0" cy="0"/>
+        </a:xfrm>
+      </p:grpSpPr>
+      <p:sp>
+        <p:nvSpPr>
+          <p:cNvPr id="2" name="Text Placeholder 1"/>
+          <p:cNvSpPr>
+            <a:spLocks noGrp="1"/>
+          </p:cNvSpPr>
+          <p:nvPr>
+            <p:ph type="body" sz="quarter" idx="33"/>
+          </p:nvPr>
+        </p:nvSpPr>
+        <p:spPr/>
+        <p:txBody>
+          <a:bodyPr/>
+          <a:lstStyle/>
+          <a:p>
+            <a:r>
+              <a:rPr lang="en-GB" dirty="0"/>
+              <a:t>Questions?</a:t>
+            </a:r>
+          </a:p>
+        </p:txBody>
+      </p:sp>
+      <p:sp>
+        <p:nvSpPr>
+          <p:cNvPr id="3" name="TextBox 2"/>
+          <p:cNvSpPr txBox="1"/>
+          <p:nvPr/>
+        </p:nvSpPr>
+        <p:spPr>
+          <a:xfrm>
+            <a:off x="1049482" y="1475509"/>
+            <a:ext cx="4739887" cy="3970318"/>
+          </a:xfrm>
+          <a:prstGeom prst="rect">
+            <a:avLst/>
+          </a:prstGeom>
+          <a:noFill/>
+        </p:spPr>
+        <p:txBody>
+          <a:bodyPr wrap="none" rtlCol="0">
+            <a:spAutoFit/>
+          </a:bodyPr>
+          <a:lstStyle/>
+          <a:p>
+            <a:pPr marL="285750" indent="-285750">
+              <a:buFont typeface="Arial" panose="020B0604020202020204" pitchFamily="34" charset="0"/>
+              <a:buChar char="•"/>
+            </a:pPr>
+            <a:r>
+              <a:rPr lang="en-GB" sz="2800" dirty="0"/>
+              <a:t>Unit testing</a:t>
+            </a:r>
+          </a:p>
+          <a:p>
+            <a:pPr marL="285750" indent="-285750">
+              <a:buFont typeface="Arial" panose="020B0604020202020204" pitchFamily="34" charset="0"/>
+              <a:buChar char="•"/>
+            </a:pPr>
+            <a:r>
+              <a:rPr lang="en-GB" sz="2800" dirty="0"/>
+              <a:t>Code coverage</a:t>
+            </a:r>
+          </a:p>
+          <a:p>
+            <a:pPr marL="285750" indent="-285750">
+              <a:buFont typeface="Arial" panose="020B0604020202020204" pitchFamily="34" charset="0"/>
+              <a:buChar char="•"/>
+            </a:pPr>
+            <a:r>
+              <a:rPr lang="en-GB" sz="2800" dirty="0"/>
+              <a:t>TDD</a:t>
+            </a:r>
+          </a:p>
+          <a:p>
+            <a:pPr marL="285750" indent="-285750">
+              <a:buFont typeface="Arial" panose="020B0604020202020204" pitchFamily="34" charset="0"/>
+              <a:buChar char="•"/>
+            </a:pPr>
+            <a:r>
+              <a:rPr lang="en-GB" sz="2800" dirty="0"/>
+              <a:t>Mutation test</a:t>
+            </a:r>
+          </a:p>
+          <a:p>
+            <a:pPr marL="285750" indent="-285750">
+              <a:buFont typeface="Arial" panose="020B0604020202020204" pitchFamily="34" charset="0"/>
+              <a:buChar char="•"/>
+            </a:pPr>
+            <a:r>
+              <a:rPr lang="en-GB" sz="2800" dirty="0"/>
+              <a:t>How to use it</a:t>
+            </a:r>
+          </a:p>
+          <a:p>
+            <a:pPr marL="285750" indent="-285750">
+              <a:buFont typeface="Arial" panose="020B0604020202020204" pitchFamily="34" charset="0"/>
+              <a:buChar char="•"/>
+            </a:pPr>
+            <a:r>
+              <a:rPr lang="en-GB" sz="2800" dirty="0"/>
+              <a:t>Problems of Mutation testing</a:t>
+            </a:r>
+          </a:p>
+          <a:p>
+            <a:pPr marL="285750" indent="-285750">
+              <a:buFont typeface="Arial" panose="020B0604020202020204" pitchFamily="34" charset="0"/>
+              <a:buChar char="•"/>
+            </a:pPr>
+            <a:r>
+              <a:rPr lang="en-GB" sz="2800" dirty="0"/>
+              <a:t>Complexity</a:t>
+            </a:r>
+          </a:p>
+          <a:p>
+            <a:pPr marL="285750" indent="-285750">
+              <a:buFont typeface="Arial" panose="020B0604020202020204" pitchFamily="34" charset="0"/>
+              <a:buChar char="•"/>
+            </a:pPr>
+            <a:r>
+              <a:rPr lang="en-GB" sz="2800" dirty="0"/>
+              <a:t>Next level of testing</a:t>
+            </a:r>
+          </a:p>
+          <a:p>
+            <a:pPr marL="285750" indent="-285750">
+              <a:buFont typeface="Arial" panose="020B0604020202020204" pitchFamily="34" charset="0"/>
+              <a:buChar char="•"/>
+            </a:pPr>
+            <a:endParaRPr lang="en-GB" sz="2800" dirty="0"/>
+          </a:p>
+        </p:txBody>
+      </p:sp>
+    </p:spTree>
+    <p:extLst>
+      <p:ext uri="{BB962C8B-B14F-4D97-AF65-F5344CB8AC3E}">
+        <p14:creationId xmlns:p14="http://schemas.microsoft.com/office/powerpoint/2010/main" val="3639632175"/>
       </p:ext>
     </p:extLst>
   </p:cSld>
@@ -22241,7 +23434,7 @@
           <a:p>
             <a:r>
               <a:rPr lang="en-GB" dirty="0"/>
-              <a:t>Code coverage</a:t>
+              <a:t>Unit testing</a:t>
             </a:r>
           </a:p>
           <a:p>
@@ -22265,46 +23458,17 @@
         </p:blipFill>
         <p:spPr>
           <a:xfrm>
-            <a:off x="738191" y="2579914"/>
-            <a:ext cx="4130598" cy="975632"/>
+            <a:off x="1665514" y="2732314"/>
+            <a:ext cx="3128346" cy="966107"/>
           </a:xfrm>
           <a:prstGeom prst="rect">
             <a:avLst/>
           </a:prstGeom>
         </p:spPr>
       </p:pic>
-      <p:sp>
-        <p:nvSpPr>
-          <p:cNvPr id="6" name="TextBox 5"/>
-          <p:cNvSpPr txBox="1"/>
-          <p:nvPr/>
-        </p:nvSpPr>
-        <p:spPr>
-          <a:xfrm>
-            <a:off x="460230" y="1741323"/>
-            <a:ext cx="555921" cy="369332"/>
-          </a:xfrm>
-          <a:prstGeom prst="rect">
-            <a:avLst/>
-          </a:prstGeom>
-          <a:noFill/>
-        </p:spPr>
-        <p:txBody>
-          <a:bodyPr wrap="none" rtlCol="0">
-            <a:spAutoFit/>
-          </a:bodyPr>
-          <a:lstStyle/>
-          <a:p>
-            <a:r>
-              <a:rPr lang="en-GB" dirty="0"/>
-              <a:t>Test</a:t>
-            </a:r>
-          </a:p>
-        </p:txBody>
-      </p:sp>
       <p:pic>
         <p:nvPicPr>
-          <p:cNvPr id="8" name="Picture 7"/>
+          <p:cNvPr id="5" name="Picture 4"/>
           <p:cNvPicPr>
             <a:picLocks noChangeAspect="1"/>
           </p:cNvPicPr>
@@ -22318,31 +23482,24 @@
         </p:blipFill>
         <p:spPr>
           <a:xfrm>
-            <a:off x="6525985" y="2579914"/>
-            <a:ext cx="4624337" cy="1918608"/>
+            <a:off x="6709682" y="2732314"/>
+            <a:ext cx="4130598" cy="975632"/>
           </a:xfrm>
           <a:prstGeom prst="rect">
             <a:avLst/>
           </a:prstGeom>
-          <a:effectLst>
-            <a:outerShdw blurRad="63500" sx="102000" sy="102000" algn="ctr" rotWithShape="0">
-              <a:prstClr val="black">
-                <a:alpha val="40000"/>
-              </a:prstClr>
-            </a:outerShdw>
-          </a:effectLst>
         </p:spPr>
       </p:pic>
       <p:sp>
         <p:nvSpPr>
-          <p:cNvPr id="9" name="TextBox 8"/>
+          <p:cNvPr id="6" name="TextBox 5"/>
           <p:cNvSpPr txBox="1"/>
           <p:nvPr/>
         </p:nvSpPr>
         <p:spPr>
           <a:xfrm>
-            <a:off x="6193971" y="1741323"/>
-            <a:ext cx="1562607" cy="369332"/>
+            <a:off x="1513114" y="1893723"/>
+            <a:ext cx="931665" cy="523220"/>
           </a:xfrm>
           <a:prstGeom prst="rect">
             <a:avLst/>
@@ -22356,16 +23513,47 @@
           <a:lstStyle/>
           <a:p>
             <a:r>
-              <a:rPr lang="en-GB" dirty="0"/>
-              <a:t>Code coverage</a:t>
-            </a:r>
+              <a:rPr lang="en-GB" sz="2800" dirty="0"/>
+              <a:t>Code</a:t>
+            </a:r>
+            <a:endParaRPr lang="en-GB" dirty="0"/>
+          </a:p>
+        </p:txBody>
+      </p:sp>
+      <p:sp>
+        <p:nvSpPr>
+          <p:cNvPr id="7" name="TextBox 6"/>
+          <p:cNvSpPr txBox="1"/>
+          <p:nvPr/>
+        </p:nvSpPr>
+        <p:spPr>
+          <a:xfrm>
+            <a:off x="6431721" y="1893723"/>
+            <a:ext cx="762645" cy="523220"/>
+          </a:xfrm>
+          <a:prstGeom prst="rect">
+            <a:avLst/>
+          </a:prstGeom>
+          <a:noFill/>
+        </p:spPr>
+        <p:txBody>
+          <a:bodyPr wrap="none" rtlCol="0">
+            <a:spAutoFit/>
+          </a:bodyPr>
+          <a:lstStyle/>
+          <a:p>
+            <a:r>
+              <a:rPr lang="en-GB" sz="2800" dirty="0"/>
+              <a:t>Test</a:t>
+            </a:r>
+            <a:endParaRPr lang="en-GB" dirty="0"/>
           </a:p>
         </p:txBody>
       </p:sp>
     </p:spTree>
     <p:extLst>
       <p:ext uri="{BB962C8B-B14F-4D97-AF65-F5344CB8AC3E}">
-        <p14:creationId xmlns:p14="http://schemas.microsoft.com/office/powerpoint/2010/main" val="1824173865"/>
+        <p14:creationId xmlns:p14="http://schemas.microsoft.com/office/powerpoint/2010/main" val="2081994167"/>
       </p:ext>
     </p:extLst>
   </p:cSld>
@@ -22417,38 +23605,9 @@
           </a:p>
         </p:txBody>
       </p:sp>
-      <p:sp>
-        <p:nvSpPr>
-          <p:cNvPr id="4" name="TextBox 3"/>
-          <p:cNvSpPr txBox="1"/>
-          <p:nvPr/>
-        </p:nvSpPr>
-        <p:spPr>
-          <a:xfrm>
-            <a:off x="460230" y="1741323"/>
-            <a:ext cx="555921" cy="369332"/>
-          </a:xfrm>
-          <a:prstGeom prst="rect">
-            <a:avLst/>
-          </a:prstGeom>
-          <a:noFill/>
-        </p:spPr>
-        <p:txBody>
-          <a:bodyPr wrap="none" rtlCol="0">
-            <a:spAutoFit/>
-          </a:bodyPr>
-          <a:lstStyle/>
-          <a:p>
-            <a:r>
-              <a:rPr lang="en-GB" dirty="0"/>
-              <a:t>Test</a:t>
-            </a:r>
-          </a:p>
-        </p:txBody>
-      </p:sp>
       <p:pic>
         <p:nvPicPr>
-          <p:cNvPr id="5" name="Picture 4"/>
+          <p:cNvPr id="4" name="Picture 3"/>
           <p:cNvPicPr>
             <a:picLocks noChangeAspect="1"/>
           </p:cNvPicPr>
@@ -22462,19 +23621,12 @@
         </p:blipFill>
         <p:spPr>
           <a:xfrm>
-            <a:off x="6525985" y="2579914"/>
-            <a:ext cx="4624337" cy="1918608"/>
+            <a:off x="738191" y="2579914"/>
+            <a:ext cx="4130598" cy="975632"/>
           </a:xfrm>
           <a:prstGeom prst="rect">
             <a:avLst/>
           </a:prstGeom>
-          <a:effectLst>
-            <a:outerShdw blurRad="63500" sx="102000" sy="102000" algn="ctr" rotWithShape="0">
-              <a:prstClr val="black">
-                <a:alpha val="40000"/>
-              </a:prstClr>
-            </a:outerShdw>
-          </a:effectLst>
         </p:spPr>
       </p:pic>
       <p:sp>
@@ -22485,8 +23637,8 @@
         </p:nvSpPr>
         <p:spPr>
           <a:xfrm>
-            <a:off x="6193971" y="1741323"/>
-            <a:ext cx="1562607" cy="369332"/>
+            <a:off x="460230" y="1741323"/>
+            <a:ext cx="555921" cy="369332"/>
           </a:xfrm>
           <a:prstGeom prst="rect">
             <a:avLst/>
@@ -22501,14 +23653,14 @@
           <a:p>
             <a:r>
               <a:rPr lang="en-GB" dirty="0"/>
-              <a:t>Code coverage</a:t>
+              <a:t>Test</a:t>
             </a:r>
           </a:p>
         </p:txBody>
       </p:sp>
       <p:pic>
         <p:nvPicPr>
-          <p:cNvPr id="7" name="Picture 6"/>
+          <p:cNvPr id="8" name="Picture 7"/>
           <p:cNvPicPr>
             <a:picLocks noChangeAspect="1"/>
           </p:cNvPicPr>
@@ -22522,18 +23674,54 @@
         </p:blipFill>
         <p:spPr>
           <a:xfrm>
-            <a:off x="738190" y="2651198"/>
-            <a:ext cx="4127219" cy="950584"/>
+            <a:off x="6525985" y="2579914"/>
+            <a:ext cx="4624337" cy="1918608"/>
           </a:xfrm>
           <a:prstGeom prst="rect">
             <a:avLst/>
           </a:prstGeom>
+          <a:effectLst>
+            <a:outerShdw blurRad="63500" sx="102000" sy="102000" algn="ctr" rotWithShape="0">
+              <a:prstClr val="black">
+                <a:alpha val="40000"/>
+              </a:prstClr>
+            </a:outerShdw>
+          </a:effectLst>
         </p:spPr>
       </p:pic>
+      <p:sp>
+        <p:nvSpPr>
+          <p:cNvPr id="9" name="TextBox 8"/>
+          <p:cNvSpPr txBox="1"/>
+          <p:nvPr/>
+        </p:nvSpPr>
+        <p:spPr>
+          <a:xfrm>
+            <a:off x="6193971" y="1741323"/>
+            <a:ext cx="1562607" cy="369332"/>
+          </a:xfrm>
+          <a:prstGeom prst="rect">
+            <a:avLst/>
+          </a:prstGeom>
+          <a:noFill/>
+        </p:spPr>
+        <p:txBody>
+          <a:bodyPr wrap="none" rtlCol="0">
+            <a:spAutoFit/>
+          </a:bodyPr>
+          <a:lstStyle/>
+          <a:p>
+            <a:r>
+              <a:rPr lang="en-GB" dirty="0"/>
+              <a:t>Code coverage</a:t>
+            </a:r>
+          </a:p>
+        </p:txBody>
+      </p:sp>
     </p:spTree>
     <p:extLst>
       <p:ext uri="{BB962C8B-B14F-4D97-AF65-F5344CB8AC3E}">
-        <p14:creationId xmlns:p14="http://schemas.microsoft.com/office/powerpoint/2010/main" val="2564615696"/>
+        <p14:creationId xmlns:p14="http://schemas.microsoft.com/office/powerpoint/2010/main" val="1824173865"/>
       </p:ext>
     </p:extLst>
   </p:cSld>
@@ -22585,9 +23773,38 @@
           </a:p>
         </p:txBody>
       </p:sp>
+      <p:sp>
+        <p:nvSpPr>
+          <p:cNvPr id="4" name="TextBox 3"/>
+          <p:cNvSpPr txBox="1"/>
+          <p:nvPr/>
+        </p:nvSpPr>
+        <p:spPr>
+          <a:xfrm>
+            <a:off x="460230" y="1741323"/>
+            <a:ext cx="555921" cy="369332"/>
+          </a:xfrm>
+          <a:prstGeom prst="rect">
+            <a:avLst/>
+          </a:prstGeom>
+          <a:noFill/>
+        </p:spPr>
+        <p:txBody>
+          <a:bodyPr wrap="none" rtlCol="0">
+            <a:spAutoFit/>
+          </a:bodyPr>
+          <a:lstStyle/>
+          <a:p>
+            <a:r>
+              <a:rPr lang="en-GB" dirty="0"/>
+              <a:t>Test</a:t>
+            </a:r>
+          </a:p>
+        </p:txBody>
+      </p:sp>
       <p:pic>
         <p:nvPicPr>
-          <p:cNvPr id="7" name="Picture 6"/>
+          <p:cNvPr id="5" name="Picture 4"/>
           <p:cNvPicPr>
             <a:picLocks noChangeAspect="1"/>
           </p:cNvPicPr>
@@ -22601,8 +23818,8 @@
         </p:blipFill>
         <p:spPr>
           <a:xfrm>
-            <a:off x="2614612" y="1604962"/>
-            <a:ext cx="6962775" cy="3648075"/>
+            <a:off x="6525985" y="2579914"/>
+            <a:ext cx="4624337" cy="1918608"/>
           </a:xfrm>
           <a:prstGeom prst="rect">
             <a:avLst/>
@@ -22616,10 +23833,63 @@
           </a:effectLst>
         </p:spPr>
       </p:pic>
+      <p:sp>
+        <p:nvSpPr>
+          <p:cNvPr id="6" name="TextBox 5"/>
+          <p:cNvSpPr txBox="1"/>
+          <p:nvPr/>
+        </p:nvSpPr>
+        <p:spPr>
+          <a:xfrm>
+            <a:off x="6193971" y="1741323"/>
+            <a:ext cx="1562607" cy="369332"/>
+          </a:xfrm>
+          <a:prstGeom prst="rect">
+            <a:avLst/>
+          </a:prstGeom>
+          <a:noFill/>
+        </p:spPr>
+        <p:txBody>
+          <a:bodyPr wrap="none" rtlCol="0">
+            <a:spAutoFit/>
+          </a:bodyPr>
+          <a:lstStyle/>
+          <a:p>
+            <a:r>
+              <a:rPr lang="en-GB" dirty="0"/>
+              <a:t>Code coverage</a:t>
+            </a:r>
+          </a:p>
+        </p:txBody>
+      </p:sp>
+      <p:pic>
+        <p:nvPicPr>
+          <p:cNvPr id="7" name="Picture 6"/>
+          <p:cNvPicPr>
+            <a:picLocks noChangeAspect="1"/>
+          </p:cNvPicPr>
+          <p:nvPr/>
+        </p:nvPicPr>
+        <p:blipFill>
+          <a:blip r:embed="rId4"/>
+          <a:stretch>
+            <a:fillRect/>
+          </a:stretch>
+        </p:blipFill>
+        <p:spPr>
+          <a:xfrm>
+            <a:off x="738190" y="2651198"/>
+            <a:ext cx="4127219" cy="950584"/>
+          </a:xfrm>
+          <a:prstGeom prst="rect">
+            <a:avLst/>
+          </a:prstGeom>
+        </p:spPr>
+      </p:pic>
     </p:spTree>
     <p:extLst>
       <p:ext uri="{BB962C8B-B14F-4D97-AF65-F5344CB8AC3E}">
-        <p14:creationId xmlns:p14="http://schemas.microsoft.com/office/powerpoint/2010/main" val="604617979"/>
+        <p14:creationId xmlns:p14="http://schemas.microsoft.com/office/powerpoint/2010/main" val="2564615696"/>
       </p:ext>
     </p:extLst>
   </p:cSld>
@@ -22663,11 +23933,8 @@
           <a:p>
             <a:r>
               <a:rPr lang="en-GB" dirty="0"/>
-              <a:t>Mutant</a:t>
-            </a:r>
-          </a:p>
-          <a:p>
-            <a:endParaRPr lang="en-GB" dirty="0"/>
+              <a:t>Code coverage</a:t>
+            </a:r>
           </a:p>
           <a:p>
             <a:endParaRPr lang="ru-RU" dirty="0"/>
@@ -22676,7 +23943,7 @@
       </p:sp>
       <p:pic>
         <p:nvPicPr>
-          <p:cNvPr id="3" name="Picture 2"/>
+          <p:cNvPr id="7" name="Picture 6"/>
           <p:cNvPicPr>
             <a:picLocks noChangeAspect="1"/>
           </p:cNvPicPr>
@@ -22690,228 +23957,25 @@
         </p:blipFill>
         <p:spPr>
           <a:xfrm>
-            <a:off x="1704976" y="1131755"/>
-            <a:ext cx="3750276" cy="1077207"/>
+            <a:off x="2614612" y="1604962"/>
+            <a:ext cx="6962775" cy="3648075"/>
           </a:xfrm>
           <a:prstGeom prst="rect">
             <a:avLst/>
           </a:prstGeom>
-        </p:spPr>
-      </p:pic>
-      <p:pic>
-        <p:nvPicPr>
-          <p:cNvPr id="4" name="Picture 3"/>
-          <p:cNvPicPr>
-            <a:picLocks noChangeAspect="1"/>
-          </p:cNvPicPr>
-          <p:nvPr/>
-        </p:nvPicPr>
-        <p:blipFill>
-          <a:blip r:embed="rId4"/>
-          <a:stretch>
-            <a:fillRect/>
-          </a:stretch>
-        </p:blipFill>
-        <p:spPr>
-          <a:xfrm>
-            <a:off x="7952291" y="1239000"/>
-            <a:ext cx="2323773" cy="862718"/>
-          </a:xfrm>
-          <a:prstGeom prst="rect">
-            <a:avLst/>
-          </a:prstGeom>
-        </p:spPr>
-      </p:pic>
-      <p:sp>
-        <p:nvSpPr>
-          <p:cNvPr id="5" name="Arrow: Right 4"/>
-          <p:cNvSpPr/>
-          <p:nvPr/>
-        </p:nvSpPr>
-        <p:spPr>
-          <a:xfrm>
-            <a:off x="6331238" y="1581238"/>
-            <a:ext cx="745067" cy="178240"/>
-          </a:xfrm>
-          <a:prstGeom prst="rightArrow">
-            <a:avLst/>
-          </a:prstGeom>
-        </p:spPr>
-        <p:style>
-          <a:lnRef idx="2">
-            <a:schemeClr val="accent1">
-              <a:shade val="50000"/>
-            </a:schemeClr>
-          </a:lnRef>
-          <a:fillRef idx="1">
-            <a:schemeClr val="accent1"/>
-          </a:fillRef>
-          <a:effectRef idx="0">
-            <a:schemeClr val="accent1"/>
-          </a:effectRef>
-          <a:fontRef idx="minor">
-            <a:schemeClr val="lt1"/>
-          </a:fontRef>
-        </p:style>
-        <p:txBody>
-          <a:bodyPr rtlCol="0" anchor="ctr"/>
-          <a:lstStyle/>
-          <a:p>
-            <a:pPr algn="ctr"/>
-            <a:endParaRPr lang="en-GB"/>
-          </a:p>
-        </p:txBody>
-      </p:sp>
-      <p:pic>
-        <p:nvPicPr>
-          <p:cNvPr id="6" name="Picture 5"/>
-          <p:cNvPicPr>
-            <a:picLocks noChangeAspect="1"/>
-          </p:cNvPicPr>
-          <p:nvPr/>
-        </p:nvPicPr>
-        <p:blipFill>
-          <a:blip r:embed="rId5"/>
-          <a:stretch>
-            <a:fillRect/>
-          </a:stretch>
-        </p:blipFill>
-        <p:spPr>
-          <a:xfrm>
-            <a:off x="4105188" y="3519310"/>
-            <a:ext cx="1334206" cy="453630"/>
-          </a:xfrm>
-          <a:prstGeom prst="rect">
-            <a:avLst/>
-          </a:prstGeom>
-        </p:spPr>
-      </p:pic>
-      <p:sp>
-        <p:nvSpPr>
-          <p:cNvPr id="7" name="TextBox 6"/>
-          <p:cNvSpPr txBox="1"/>
-          <p:nvPr/>
-        </p:nvSpPr>
-        <p:spPr>
-          <a:xfrm>
-            <a:off x="738191" y="1081793"/>
-            <a:ext cx="667170" cy="369332"/>
-          </a:xfrm>
-          <a:prstGeom prst="rect">
-            <a:avLst/>
-          </a:prstGeom>
-          <a:noFill/>
-        </p:spPr>
-        <p:txBody>
-          <a:bodyPr wrap="none" rtlCol="0">
-            <a:spAutoFit/>
-          </a:bodyPr>
-          <a:lstStyle/>
-          <a:p>
-            <a:r>
-              <a:rPr lang="en-GB" dirty="0"/>
-              <a:t>Code</a:t>
-            </a:r>
-          </a:p>
-        </p:txBody>
-      </p:sp>
-      <p:sp>
-        <p:nvSpPr>
-          <p:cNvPr id="8" name="TextBox 7"/>
-          <p:cNvSpPr txBox="1"/>
-          <p:nvPr/>
-        </p:nvSpPr>
-        <p:spPr>
-          <a:xfrm>
-            <a:off x="738191" y="3149978"/>
-            <a:ext cx="1562607" cy="369332"/>
-          </a:xfrm>
-          <a:prstGeom prst="rect">
-            <a:avLst/>
-          </a:prstGeom>
-          <a:noFill/>
-        </p:spPr>
-        <p:txBody>
-          <a:bodyPr wrap="none" rtlCol="0">
-            <a:spAutoFit/>
-          </a:bodyPr>
-          <a:lstStyle/>
-          <a:p>
-            <a:r>
-              <a:rPr lang="en-GB" dirty="0"/>
-              <a:t>Code coverage</a:t>
-            </a:r>
-          </a:p>
-        </p:txBody>
-      </p:sp>
-      <p:sp>
-        <p:nvSpPr>
-          <p:cNvPr id="9" name="Arrow: Right 8"/>
-          <p:cNvSpPr/>
-          <p:nvPr/>
-        </p:nvSpPr>
-        <p:spPr>
-          <a:xfrm>
-            <a:off x="6331237" y="3657005"/>
-            <a:ext cx="745067" cy="178240"/>
-          </a:xfrm>
-          <a:prstGeom prst="rightArrow">
-            <a:avLst/>
-          </a:prstGeom>
-        </p:spPr>
-        <p:style>
-          <a:lnRef idx="2">
-            <a:schemeClr val="accent1">
-              <a:shade val="50000"/>
-            </a:schemeClr>
-          </a:lnRef>
-          <a:fillRef idx="1">
-            <a:schemeClr val="accent1"/>
-          </a:fillRef>
-          <a:effectRef idx="0">
-            <a:schemeClr val="accent1"/>
-          </a:effectRef>
-          <a:fontRef idx="minor">
-            <a:schemeClr val="lt1"/>
-          </a:fontRef>
-        </p:style>
-        <p:txBody>
-          <a:bodyPr rtlCol="0" anchor="ctr"/>
-          <a:lstStyle/>
-          <a:p>
-            <a:pPr algn="ctr"/>
-            <a:endParaRPr lang="en-GB"/>
-          </a:p>
-        </p:txBody>
-      </p:sp>
-      <p:pic>
-        <p:nvPicPr>
-          <p:cNvPr id="11" name="Picture 10"/>
-          <p:cNvPicPr>
-            <a:picLocks noChangeAspect="1"/>
-          </p:cNvPicPr>
-          <p:nvPr/>
-        </p:nvPicPr>
-        <p:blipFill>
-          <a:blip r:embed="rId5"/>
-          <a:stretch>
-            <a:fillRect/>
-          </a:stretch>
-        </p:blipFill>
-        <p:spPr>
-          <a:xfrm>
-            <a:off x="7952291" y="3519310"/>
-            <a:ext cx="1334206" cy="453630"/>
-          </a:xfrm>
-          <a:prstGeom prst="rect">
-            <a:avLst/>
-          </a:prstGeom>
+          <a:effectLst>
+            <a:outerShdw blurRad="63500" sx="102000" sy="102000" algn="ctr" rotWithShape="0">
+              <a:prstClr val="black">
+                <a:alpha val="40000"/>
+              </a:prstClr>
+            </a:outerShdw>
+          </a:effectLst>
         </p:spPr>
       </p:pic>
     </p:spTree>
     <p:extLst>
       <p:ext uri="{BB962C8B-B14F-4D97-AF65-F5344CB8AC3E}">
-        <p14:creationId xmlns:p14="http://schemas.microsoft.com/office/powerpoint/2010/main" val="460337962"/>
+        <p14:creationId xmlns:p14="http://schemas.microsoft.com/office/powerpoint/2010/main" val="604617979"/>
       </p:ext>
     </p:extLst>
   </p:cSld>
@@ -22940,7 +24004,7 @@
       </p:grpSpPr>
       <p:sp>
         <p:nvSpPr>
-          <p:cNvPr id="2" name="Текст 1"/>
+          <p:cNvPr id="2" name="Text Placeholder 1"/>
           <p:cNvSpPr>
             <a:spLocks noGrp="1"/>
           </p:cNvSpPr>
@@ -22955,420 +24019,57 @@
           <a:p>
             <a:r>
               <a:rPr lang="en-GB" dirty="0"/>
-              <a:t>Mutant</a:t>
-            </a:r>
-          </a:p>
-          <a:p>
+              <a:t>Test-driven development</a:t>
+            </a:r>
             <a:endParaRPr lang="en-GB" dirty="0"/>
-          </a:p>
-          <a:p>
-            <a:endParaRPr lang="ru-RU" dirty="0"/>
           </a:p>
         </p:txBody>
       </p:sp>
       <p:pic>
         <p:nvPicPr>
-          <p:cNvPr id="3" name="Picture 2"/>
+          <p:cNvPr id="1026" name="Picture 2" descr="Related image"/>
           <p:cNvPicPr>
-            <a:picLocks noChangeAspect="1"/>
+            <a:picLocks noChangeAspect="1" noChangeArrowheads="1"/>
           </p:cNvPicPr>
           <p:nvPr/>
         </p:nvPicPr>
         <p:blipFill>
-          <a:blip r:embed="rId3"/>
+          <a:blip r:embed="rId2">
+            <a:extLst>
+              <a:ext uri="{28A0092B-C50C-407E-A947-70E740481C1C}">
+                <a14:useLocalDpi xmlns:a14="http://schemas.microsoft.com/office/drawing/2010/main" val="0"/>
+              </a:ext>
+            </a:extLst>
+          </a:blip>
+          <a:srcRect/>
           <a:stretch>
             <a:fillRect/>
           </a:stretch>
         </p:blipFill>
-        <p:spPr>
-          <a:xfrm>
-            <a:off x="1727552" y="1124307"/>
-            <a:ext cx="3750276" cy="1077207"/>
-          </a:xfrm>
-          <a:prstGeom prst="rect">
-            <a:avLst/>
-          </a:prstGeom>
-        </p:spPr>
-      </p:pic>
-      <p:pic>
-        <p:nvPicPr>
-          <p:cNvPr id="4" name="Picture 3"/>
-          <p:cNvPicPr>
-            <a:picLocks noChangeAspect="1"/>
-          </p:cNvPicPr>
-          <p:nvPr/>
-        </p:nvPicPr>
-        <p:blipFill>
-          <a:blip r:embed="rId4"/>
-          <a:stretch>
-            <a:fillRect/>
-          </a:stretch>
-        </p:blipFill>
-        <p:spPr>
-          <a:xfrm>
-            <a:off x="7974867" y="1231552"/>
-            <a:ext cx="2323773" cy="862718"/>
-          </a:xfrm>
-          <a:prstGeom prst="rect">
-            <a:avLst/>
-          </a:prstGeom>
-        </p:spPr>
-      </p:pic>
-      <p:sp>
-        <p:nvSpPr>
-          <p:cNvPr id="5" name="Arrow: Right 4"/>
-          <p:cNvSpPr/>
-          <p:nvPr/>
-        </p:nvSpPr>
-        <p:spPr>
-          <a:xfrm>
-            <a:off x="6353814" y="1573790"/>
-            <a:ext cx="745067" cy="178240"/>
-          </a:xfrm>
-          <a:prstGeom prst="rightArrow">
-            <a:avLst/>
-          </a:prstGeom>
-        </p:spPr>
-        <p:style>
-          <a:lnRef idx="2">
-            <a:schemeClr val="accent1">
-              <a:shade val="50000"/>
-            </a:schemeClr>
-          </a:lnRef>
-          <a:fillRef idx="1">
-            <a:schemeClr val="accent1"/>
-          </a:fillRef>
-          <a:effectRef idx="0">
-            <a:schemeClr val="accent1"/>
-          </a:effectRef>
-          <a:fontRef idx="minor">
-            <a:schemeClr val="lt1"/>
-          </a:fontRef>
-        </p:style>
-        <p:txBody>
-          <a:bodyPr rtlCol="0" anchor="ctr"/>
-          <a:lstStyle/>
-          <a:p>
-            <a:pPr algn="ctr"/>
-            <a:endParaRPr lang="en-GB"/>
-          </a:p>
-        </p:txBody>
-      </p:sp>
-      <p:sp>
-        <p:nvSpPr>
-          <p:cNvPr id="7" name="TextBox 6"/>
-          <p:cNvSpPr txBox="1"/>
-          <p:nvPr/>
-        </p:nvSpPr>
-        <p:spPr>
-          <a:xfrm>
-            <a:off x="738191" y="1081793"/>
-            <a:ext cx="667170" cy="369332"/>
+        <p:spPr bwMode="auto">
+          <a:xfrm>
+            <a:off x="4041197" y="2025362"/>
+            <a:ext cx="3714750" cy="3181350"/>
           </a:xfrm>
           <a:prstGeom prst="rect">
             <a:avLst/>
           </a:prstGeom>
           <a:noFill/>
-        </p:spPr>
-        <p:txBody>
-          <a:bodyPr wrap="none" rtlCol="0">
-            <a:spAutoFit/>
-          </a:bodyPr>
-          <a:lstStyle/>
-          <a:p>
-            <a:r>
-              <a:rPr lang="en-GB" dirty="0"/>
-              <a:t>Code</a:t>
-            </a:r>
-          </a:p>
-        </p:txBody>
-      </p:sp>
-      <p:sp>
-        <p:nvSpPr>
-          <p:cNvPr id="8" name="TextBox 7"/>
-          <p:cNvSpPr txBox="1"/>
-          <p:nvPr/>
-        </p:nvSpPr>
-        <p:spPr>
-          <a:xfrm>
-            <a:off x="738191" y="2600333"/>
-            <a:ext cx="949042" cy="369332"/>
-          </a:xfrm>
-          <a:prstGeom prst="rect">
-            <a:avLst/>
-          </a:prstGeom>
-          <a:noFill/>
-        </p:spPr>
-        <p:txBody>
-          <a:bodyPr wrap="none" rtlCol="0">
-            <a:spAutoFit/>
-          </a:bodyPr>
-          <a:lstStyle/>
-          <a:p>
-            <a:r>
-              <a:rPr lang="en-GB" dirty="0"/>
-              <a:t>Bad test</a:t>
-            </a:r>
-          </a:p>
-        </p:txBody>
-      </p:sp>
-      <p:sp>
-        <p:nvSpPr>
-          <p:cNvPr id="9" name="Arrow: Right 8"/>
-          <p:cNvSpPr/>
-          <p:nvPr/>
-        </p:nvSpPr>
-        <p:spPr>
-          <a:xfrm>
-            <a:off x="6332584" y="5878426"/>
-            <a:ext cx="745067" cy="178240"/>
-          </a:xfrm>
-          <a:prstGeom prst="rightArrow">
-            <a:avLst/>
-          </a:prstGeom>
-        </p:spPr>
-        <p:style>
-          <a:lnRef idx="2">
-            <a:schemeClr val="accent1">
-              <a:shade val="50000"/>
-            </a:schemeClr>
-          </a:lnRef>
-          <a:fillRef idx="1">
-            <a:schemeClr val="accent1"/>
-          </a:fillRef>
-          <a:effectRef idx="0">
-            <a:schemeClr val="accent1"/>
-          </a:effectRef>
-          <a:fontRef idx="minor">
-            <a:schemeClr val="lt1"/>
-          </a:fontRef>
-        </p:style>
-        <p:txBody>
-          <a:bodyPr rtlCol="0" anchor="ctr"/>
-          <a:lstStyle/>
-          <a:p>
-            <a:pPr algn="ctr"/>
-            <a:endParaRPr lang="en-GB"/>
-          </a:p>
-        </p:txBody>
-      </p:sp>
-      <p:pic>
-        <p:nvPicPr>
-          <p:cNvPr id="12" name="Picture 11"/>
-          <p:cNvPicPr>
-            <a:picLocks noChangeAspect="1"/>
-          </p:cNvPicPr>
-          <p:nvPr/>
-        </p:nvPicPr>
-        <p:blipFill>
-          <a:blip r:embed="rId5"/>
-          <a:stretch>
-            <a:fillRect/>
-          </a:stretch>
-        </p:blipFill>
-        <p:spPr>
-          <a:xfrm>
-            <a:off x="4639818" y="4677967"/>
-            <a:ext cx="4130598" cy="975632"/>
-          </a:xfrm>
-          <a:prstGeom prst="rect">
-            <a:avLst/>
-          </a:prstGeom>
-        </p:spPr>
-      </p:pic>
-      <p:pic>
-        <p:nvPicPr>
-          <p:cNvPr id="10" name="Picture 9"/>
-          <p:cNvPicPr>
-            <a:picLocks noChangeAspect="1"/>
-          </p:cNvPicPr>
-          <p:nvPr/>
-        </p:nvPicPr>
-        <p:blipFill>
-          <a:blip r:embed="rId6"/>
-          <a:stretch>
-            <a:fillRect/>
-          </a:stretch>
-        </p:blipFill>
-        <p:spPr>
-          <a:xfrm>
-            <a:off x="4161646" y="5773650"/>
-            <a:ext cx="1294953" cy="390260"/>
-          </a:xfrm>
-          <a:prstGeom prst="rect">
-            <a:avLst/>
-          </a:prstGeom>
-        </p:spPr>
-      </p:pic>
-      <p:pic>
-        <p:nvPicPr>
-          <p:cNvPr id="13" name="Picture 12"/>
-          <p:cNvPicPr>
-            <a:picLocks noChangeAspect="1"/>
-          </p:cNvPicPr>
-          <p:nvPr/>
-        </p:nvPicPr>
-        <p:blipFill>
-          <a:blip r:embed="rId7"/>
-          <a:stretch>
-            <a:fillRect/>
-          </a:stretch>
-        </p:blipFill>
-        <p:spPr>
-          <a:xfrm>
-            <a:off x="7953636" y="5773650"/>
-            <a:ext cx="1593562" cy="390260"/>
-          </a:xfrm>
-          <a:prstGeom prst="rect">
-            <a:avLst/>
-          </a:prstGeom>
-        </p:spPr>
-      </p:pic>
-      <p:sp>
-        <p:nvSpPr>
-          <p:cNvPr id="15" name="TextBox 14"/>
-          <p:cNvSpPr txBox="1"/>
-          <p:nvPr/>
-        </p:nvSpPr>
-        <p:spPr>
-          <a:xfrm>
-            <a:off x="738190" y="4308635"/>
-            <a:ext cx="1102931" cy="369332"/>
-          </a:xfrm>
-          <a:prstGeom prst="rect">
-            <a:avLst/>
-          </a:prstGeom>
-          <a:noFill/>
-        </p:spPr>
-        <p:txBody>
-          <a:bodyPr wrap="none" rtlCol="0">
-            <a:spAutoFit/>
-          </a:bodyPr>
-          <a:lstStyle/>
-          <a:p>
-            <a:r>
-              <a:rPr lang="en-GB" dirty="0"/>
-              <a:t>Good test</a:t>
-            </a:r>
-          </a:p>
-        </p:txBody>
-      </p:sp>
-      <p:pic>
-        <p:nvPicPr>
-          <p:cNvPr id="20" name="Picture 19"/>
-          <p:cNvPicPr>
-            <a:picLocks noChangeAspect="1"/>
-          </p:cNvPicPr>
-          <p:nvPr/>
-        </p:nvPicPr>
-        <p:blipFill>
-          <a:blip r:embed="rId8"/>
-          <a:stretch>
-            <a:fillRect/>
-          </a:stretch>
-        </p:blipFill>
-        <p:spPr>
-          <a:xfrm>
-            <a:off x="4649276" y="2632769"/>
-            <a:ext cx="4127219" cy="950584"/>
-          </a:xfrm>
-          <a:prstGeom prst="rect">
-            <a:avLst/>
-          </a:prstGeom>
-        </p:spPr>
-      </p:pic>
-      <p:sp>
-        <p:nvSpPr>
-          <p:cNvPr id="21" name="Arrow: Right 20"/>
-          <p:cNvSpPr/>
-          <p:nvPr/>
-        </p:nvSpPr>
-        <p:spPr>
-          <a:xfrm>
-            <a:off x="6342042" y="3961228"/>
-            <a:ext cx="745067" cy="178240"/>
-          </a:xfrm>
-          <a:prstGeom prst="rightArrow">
-            <a:avLst/>
-          </a:prstGeom>
-        </p:spPr>
-        <p:style>
-          <a:lnRef idx="2">
-            <a:schemeClr val="accent1">
-              <a:shade val="50000"/>
-            </a:schemeClr>
-          </a:lnRef>
-          <a:fillRef idx="1">
-            <a:schemeClr val="accent1"/>
-          </a:fillRef>
-          <a:effectRef idx="0">
-            <a:schemeClr val="accent1"/>
-          </a:effectRef>
-          <a:fontRef idx="minor">
-            <a:schemeClr val="lt1"/>
-          </a:fontRef>
-        </p:style>
-        <p:txBody>
-          <a:bodyPr rtlCol="0" anchor="ctr"/>
-          <a:lstStyle/>
-          <a:p>
-            <a:pPr algn="ctr"/>
-            <a:endParaRPr lang="en-GB"/>
-          </a:p>
-        </p:txBody>
-      </p:sp>
-      <p:pic>
-        <p:nvPicPr>
-          <p:cNvPr id="22" name="Picture 21"/>
-          <p:cNvPicPr>
-            <a:picLocks noChangeAspect="1"/>
-          </p:cNvPicPr>
-          <p:nvPr/>
-        </p:nvPicPr>
-        <p:blipFill>
-          <a:blip r:embed="rId6"/>
-          <a:stretch>
-            <a:fillRect/>
-          </a:stretch>
-        </p:blipFill>
-        <p:spPr>
-          <a:xfrm>
-            <a:off x="4171104" y="3856452"/>
-            <a:ext cx="1294953" cy="390260"/>
-          </a:xfrm>
-          <a:prstGeom prst="rect">
-            <a:avLst/>
-          </a:prstGeom>
-        </p:spPr>
-      </p:pic>
-      <p:pic>
-        <p:nvPicPr>
-          <p:cNvPr id="23" name="Picture 22"/>
-          <p:cNvPicPr>
-            <a:picLocks noChangeAspect="1"/>
-          </p:cNvPicPr>
-          <p:nvPr/>
-        </p:nvPicPr>
-        <p:blipFill>
-          <a:blip r:embed="rId6"/>
-          <a:stretch>
-            <a:fillRect/>
-          </a:stretch>
-        </p:blipFill>
-        <p:spPr>
-          <a:xfrm>
-            <a:off x="7963094" y="3853771"/>
-            <a:ext cx="1294953" cy="390260"/>
-          </a:xfrm>
-          <a:prstGeom prst="rect">
-            <a:avLst/>
-          </a:prstGeom>
+          <a:extLst>
+            <a:ext uri="{909E8E84-426E-40DD-AFC4-6F175D3DCCD1}">
+              <a14:hiddenFill xmlns:a14="http://schemas.microsoft.com/office/drawing/2010/main">
+                <a:solidFill>
+                  <a:srgbClr val="FFFFFF"/>
+                </a:solidFill>
+              </a14:hiddenFill>
+            </a:ext>
+          </a:extLst>
         </p:spPr>
       </p:pic>
     </p:spTree>
     <p:extLst>
       <p:ext uri="{BB962C8B-B14F-4D97-AF65-F5344CB8AC3E}">
-        <p14:creationId xmlns:p14="http://schemas.microsoft.com/office/powerpoint/2010/main" val="3156070302"/>
+        <p14:creationId xmlns:p14="http://schemas.microsoft.com/office/powerpoint/2010/main" val="1301599450"/>
       </p:ext>
     </p:extLst>
   </p:cSld>
@@ -23412,8 +24113,11 @@
           <a:p>
             <a:r>
               <a:rPr lang="en-GB" dirty="0"/>
-              <a:t>Mutants</a:t>
-            </a:r>
+              <a:t>Mutant</a:t>
+            </a:r>
+          </a:p>
+          <a:p>
+            <a:endParaRPr lang="en-GB" dirty="0"/>
           </a:p>
           <a:p>
             <a:endParaRPr lang="ru-RU" dirty="0"/>
@@ -23436,35 +24140,47 @@
         </p:blipFill>
         <p:spPr>
           <a:xfrm>
-            <a:off x="888117" y="2207154"/>
-            <a:ext cx="2996779" cy="2443868"/>
+            <a:off x="1798494" y="2981337"/>
+            <a:ext cx="3750276" cy="1077207"/>
           </a:xfrm>
           <a:prstGeom prst="rect">
             <a:avLst/>
           </a:prstGeom>
-          <a:ln>
-            <a:solidFill>
-              <a:schemeClr val="bg1"/>
-            </a:solidFill>
-          </a:ln>
-          <a:effectLst>
-            <a:outerShdw blurRad="63500" sx="102000" sy="102000" algn="ctr" rotWithShape="0">
-              <a:prstClr val="black">
-                <a:alpha val="40000"/>
-              </a:prstClr>
-            </a:outerShdw>
-          </a:effectLst>
         </p:spPr>
       </p:pic>
-      <p:sp>
-        <p:nvSpPr>
-          <p:cNvPr id="4" name="Arrow: Right 3"/>
+      <p:pic>
+        <p:nvPicPr>
+          <p:cNvPr id="4" name="Picture 3"/>
+          <p:cNvPicPr>
+            <a:picLocks noChangeAspect="1"/>
+          </p:cNvPicPr>
+          <p:nvPr/>
+        </p:nvPicPr>
+        <p:blipFill>
+          <a:blip r:embed="rId4"/>
+          <a:stretch>
+            <a:fillRect/>
+          </a:stretch>
+        </p:blipFill>
+        <p:spPr>
+          <a:xfrm>
+            <a:off x="8045809" y="3088582"/>
+            <a:ext cx="2323773" cy="862718"/>
+          </a:xfrm>
+          <a:prstGeom prst="rect">
+            <a:avLst/>
+          </a:prstGeom>
+        </p:spPr>
+      </p:pic>
+      <p:sp>
+        <p:nvSpPr>
+          <p:cNvPr id="5" name="Arrow: Right 4"/>
           <p:cNvSpPr/>
           <p:nvPr/>
         </p:nvSpPr>
         <p:spPr>
           <a:xfrm>
-            <a:off x="4118614" y="3339968"/>
+            <a:off x="6424756" y="3430820"/>
             <a:ext cx="745067" cy="178240"/>
           </a:xfrm>
           <a:prstGeom prst="rightArrow">
@@ -23496,15 +24212,97 @@
           </a:p>
         </p:txBody>
       </p:sp>
-      <p:sp>
-        <p:nvSpPr>
-          <p:cNvPr id="5" name="Arrow: Right 4"/>
+      <p:pic>
+        <p:nvPicPr>
+          <p:cNvPr id="6" name="Picture 5"/>
+          <p:cNvPicPr>
+            <a:picLocks noChangeAspect="1"/>
+          </p:cNvPicPr>
+          <p:nvPr/>
+        </p:nvPicPr>
+        <p:blipFill>
+          <a:blip r:embed="rId5"/>
+          <a:stretch>
+            <a:fillRect/>
+          </a:stretch>
+        </p:blipFill>
+        <p:spPr>
+          <a:xfrm>
+            <a:off x="4198706" y="4925934"/>
+            <a:ext cx="1334206" cy="453630"/>
+          </a:xfrm>
+          <a:prstGeom prst="rect">
+            <a:avLst/>
+          </a:prstGeom>
+        </p:spPr>
+      </p:pic>
+      <p:sp>
+        <p:nvSpPr>
+          <p:cNvPr id="7" name="TextBox 6"/>
+          <p:cNvSpPr txBox="1"/>
+          <p:nvPr/>
+        </p:nvSpPr>
+        <p:spPr>
+          <a:xfrm>
+            <a:off x="831709" y="2931375"/>
+            <a:ext cx="825867" cy="461665"/>
+          </a:xfrm>
+          <a:prstGeom prst="rect">
+            <a:avLst/>
+          </a:prstGeom>
+          <a:noFill/>
+        </p:spPr>
+        <p:txBody>
+          <a:bodyPr wrap="none" rtlCol="0">
+            <a:spAutoFit/>
+          </a:bodyPr>
+          <a:lstStyle/>
+          <a:p>
+            <a:r>
+              <a:rPr lang="en-GB" sz="2400" dirty="0"/>
+              <a:t>Code</a:t>
+            </a:r>
+          </a:p>
+        </p:txBody>
+      </p:sp>
+      <p:sp>
+        <p:nvSpPr>
+          <p:cNvPr id="8" name="TextBox 7"/>
+          <p:cNvSpPr txBox="1"/>
+          <p:nvPr/>
+        </p:nvSpPr>
+        <p:spPr>
+          <a:xfrm>
+            <a:off x="831709" y="4556602"/>
+            <a:ext cx="2017155" cy="461665"/>
+          </a:xfrm>
+          <a:prstGeom prst="rect">
+            <a:avLst/>
+          </a:prstGeom>
+          <a:noFill/>
+        </p:spPr>
+        <p:txBody>
+          <a:bodyPr wrap="none" rtlCol="0">
+            <a:spAutoFit/>
+          </a:bodyPr>
+          <a:lstStyle/>
+          <a:p>
+            <a:r>
+              <a:rPr lang="en-GB" sz="2400" dirty="0"/>
+              <a:t>Code coverage</a:t>
+            </a:r>
+          </a:p>
+        </p:txBody>
+      </p:sp>
+      <p:sp>
+        <p:nvSpPr>
+          <p:cNvPr id="9" name="Arrow: Right 8"/>
           <p:cNvSpPr/>
           <p:nvPr/>
         </p:nvSpPr>
         <p:spPr>
           <a:xfrm>
-            <a:off x="4153828" y="5426871"/>
+            <a:off x="6424755" y="5063629"/>
             <a:ext cx="745067" cy="178240"/>
           </a:xfrm>
           <a:prstGeom prst="rightArrow">
@@ -23538,43 +24336,7 @@
       </p:sp>
       <p:pic>
         <p:nvPicPr>
-          <p:cNvPr id="6" name="Picture 5"/>
-          <p:cNvPicPr>
-            <a:picLocks noChangeAspect="1"/>
-          </p:cNvPicPr>
-          <p:nvPr/>
-        </p:nvPicPr>
-        <p:blipFill>
-          <a:blip r:embed="rId4"/>
-          <a:stretch>
-            <a:fillRect/>
-          </a:stretch>
-        </p:blipFill>
-        <p:spPr>
-          <a:xfrm>
-            <a:off x="1982890" y="5322095"/>
-            <a:ext cx="1294953" cy="390260"/>
-          </a:xfrm>
-          <a:prstGeom prst="rect">
-            <a:avLst/>
-          </a:prstGeom>
-          <a:ln>
-            <a:solidFill>
-              <a:schemeClr val="bg1"/>
-            </a:solidFill>
-          </a:ln>
-          <a:effectLst>
-            <a:outerShdw blurRad="63500" sx="102000" sy="102000" algn="ctr" rotWithShape="0">
-              <a:prstClr val="black">
-                <a:alpha val="40000"/>
-              </a:prstClr>
-            </a:outerShdw>
-          </a:effectLst>
-        </p:spPr>
-      </p:pic>
-      <p:pic>
-        <p:nvPicPr>
-          <p:cNvPr id="7" name="Picture 6"/>
+          <p:cNvPr id="11" name="Picture 10"/>
           <p:cNvPicPr>
             <a:picLocks noChangeAspect="1"/>
           </p:cNvPicPr>
@@ -23588,29 +24350,46 @@
         </p:blipFill>
         <p:spPr>
           <a:xfrm>
-            <a:off x="5582969" y="5214851"/>
-            <a:ext cx="1593562" cy="390260"/>
+            <a:off x="8045809" y="4925934"/>
+            <a:ext cx="1334206" cy="453630"/>
           </a:xfrm>
           <a:prstGeom prst="rect">
             <a:avLst/>
           </a:prstGeom>
-          <a:ln w="38100">
-            <a:solidFill>
-              <a:schemeClr val="bg1"/>
-            </a:solidFill>
-          </a:ln>
-          <a:effectLst>
-            <a:outerShdw blurRad="63500" sx="102000" sy="102000" algn="ctr" rotWithShape="0">
-              <a:prstClr val="black">
-                <a:alpha val="40000"/>
-              </a:prstClr>
-            </a:outerShdw>
-          </a:effectLst>
         </p:spPr>
       </p:pic>
+      <p:sp>
+        <p:nvSpPr>
+          <p:cNvPr id="12" name="TextBox 11"/>
+          <p:cNvSpPr txBox="1"/>
+          <p:nvPr/>
+        </p:nvSpPr>
+        <p:spPr>
+          <a:xfrm>
+            <a:off x="831709" y="1390248"/>
+            <a:ext cx="681212" cy="461665"/>
+          </a:xfrm>
+          <a:prstGeom prst="rect">
+            <a:avLst/>
+          </a:prstGeom>
+          <a:noFill/>
+        </p:spPr>
+        <p:txBody>
+          <a:bodyPr wrap="none" rtlCol="0">
+            <a:spAutoFit/>
+          </a:bodyPr>
+          <a:lstStyle/>
+          <a:p>
+            <a:r>
+              <a:rPr lang="en-GB" sz="2400" dirty="0"/>
+              <a:t>Test</a:t>
+            </a:r>
+          </a:p>
+        </p:txBody>
+      </p:sp>
       <p:pic>
         <p:nvPicPr>
-          <p:cNvPr id="9" name="Picture 8"/>
+          <p:cNvPr id="13" name="Picture 12"/>
           <p:cNvPicPr>
             <a:picLocks noChangeAspect="1"/>
           </p:cNvPicPr>
@@ -23624,174 +24403,18 @@
         </p:blipFill>
         <p:spPr>
           <a:xfrm>
-            <a:off x="5214232" y="1322695"/>
-            <a:ext cx="2984525" cy="2195513"/>
+            <a:off x="1798494" y="1473756"/>
+            <a:ext cx="4609334" cy="1061625"/>
           </a:xfrm>
           <a:prstGeom prst="rect">
             <a:avLst/>
           </a:prstGeom>
-          <a:ln w="38100">
-            <a:solidFill>
-              <a:schemeClr val="bg1"/>
-            </a:solidFill>
-          </a:ln>
-          <a:effectLst>
-            <a:outerShdw blurRad="63500" sx="102000" sy="102000" algn="ctr" rotWithShape="0">
-              <a:prstClr val="black">
-                <a:alpha val="40000"/>
-              </a:prstClr>
-            </a:outerShdw>
-          </a:effectLst>
-        </p:spPr>
-      </p:pic>
-      <p:pic>
-        <p:nvPicPr>
-          <p:cNvPr id="10" name="Picture 9"/>
-          <p:cNvPicPr>
-            <a:picLocks noChangeAspect="1"/>
-          </p:cNvPicPr>
-          <p:nvPr/>
-        </p:nvPicPr>
-        <p:blipFill>
-          <a:blip r:embed="rId7"/>
-          <a:stretch>
-            <a:fillRect/>
-          </a:stretch>
-        </p:blipFill>
-        <p:spPr>
-          <a:xfrm>
-            <a:off x="6872463" y="2331331"/>
-            <a:ext cx="3010343" cy="2195513"/>
-          </a:xfrm>
-          <a:prstGeom prst="rect">
-            <a:avLst/>
-          </a:prstGeom>
-          <a:ln w="38100">
-            <a:solidFill>
-              <a:schemeClr val="bg1"/>
-            </a:solidFill>
-          </a:ln>
-          <a:effectLst>
-            <a:outerShdw blurRad="63500" sx="102000" sy="102000" algn="ctr" rotWithShape="0">
-              <a:prstClr val="black">
-                <a:alpha val="40000"/>
-              </a:prstClr>
-            </a:outerShdw>
-          </a:effectLst>
-        </p:spPr>
-      </p:pic>
-      <p:pic>
-        <p:nvPicPr>
-          <p:cNvPr id="11" name="Picture 10"/>
-          <p:cNvPicPr>
-            <a:picLocks noChangeAspect="1"/>
-          </p:cNvPicPr>
-          <p:nvPr/>
-        </p:nvPicPr>
-        <p:blipFill>
-          <a:blip r:embed="rId8"/>
-          <a:stretch>
-            <a:fillRect/>
-          </a:stretch>
-        </p:blipFill>
-        <p:spPr>
-          <a:xfrm>
-            <a:off x="8590816" y="3126582"/>
-            <a:ext cx="2950221" cy="2195513"/>
-          </a:xfrm>
-          <a:prstGeom prst="rect">
-            <a:avLst/>
-          </a:prstGeom>
-          <a:ln w="38100">
-            <a:solidFill>
-              <a:schemeClr val="bg1"/>
-            </a:solidFill>
-          </a:ln>
-          <a:effectLst>
-            <a:outerShdw blurRad="63500" sx="102000" sy="102000" algn="ctr" rotWithShape="0">
-              <a:prstClr val="black">
-                <a:alpha val="40000"/>
-              </a:prstClr>
-            </a:outerShdw>
-          </a:effectLst>
-        </p:spPr>
-      </p:pic>
-      <p:pic>
-        <p:nvPicPr>
-          <p:cNvPr id="12" name="Picture 11"/>
-          <p:cNvPicPr>
-            <a:picLocks noChangeAspect="1"/>
-          </p:cNvPicPr>
-          <p:nvPr/>
-        </p:nvPicPr>
-        <p:blipFill>
-          <a:blip r:embed="rId5"/>
-          <a:stretch>
-            <a:fillRect/>
-          </a:stretch>
-        </p:blipFill>
-        <p:spPr>
-          <a:xfrm>
-            <a:off x="6519947" y="5511715"/>
-            <a:ext cx="1593562" cy="390260"/>
-          </a:xfrm>
-          <a:prstGeom prst="rect">
-            <a:avLst/>
-          </a:prstGeom>
-          <a:ln w="38100">
-            <a:solidFill>
-              <a:schemeClr val="bg1"/>
-            </a:solidFill>
-          </a:ln>
-          <a:effectLst>
-            <a:outerShdw blurRad="63500" sx="102000" sy="102000" algn="ctr" rotWithShape="0">
-              <a:prstClr val="black">
-                <a:alpha val="40000"/>
-              </a:prstClr>
-            </a:outerShdw>
-          </a:effectLst>
-        </p:spPr>
-      </p:pic>
-      <p:pic>
-        <p:nvPicPr>
-          <p:cNvPr id="13" name="Picture 12"/>
-          <p:cNvPicPr>
-            <a:picLocks noChangeAspect="1"/>
-          </p:cNvPicPr>
-          <p:nvPr/>
-        </p:nvPicPr>
-        <p:blipFill>
-          <a:blip r:embed="rId5"/>
-          <a:stretch>
-            <a:fillRect/>
-          </a:stretch>
-        </p:blipFill>
-        <p:spPr>
-          <a:xfrm>
-            <a:off x="7291621" y="5808579"/>
-            <a:ext cx="1593562" cy="390260"/>
-          </a:xfrm>
-          <a:prstGeom prst="rect">
-            <a:avLst/>
-          </a:prstGeom>
-          <a:ln w="38100">
-            <a:solidFill>
-              <a:schemeClr val="bg1"/>
-            </a:solidFill>
-          </a:ln>
-          <a:effectLst>
-            <a:outerShdw blurRad="63500" sx="102000" sy="102000" algn="ctr" rotWithShape="0">
-              <a:prstClr val="black">
-                <a:alpha val="40000"/>
-              </a:prstClr>
-            </a:outerShdw>
-          </a:effectLst>
         </p:spPr>
       </p:pic>
     </p:spTree>
     <p:extLst>
       <p:ext uri="{BB962C8B-B14F-4D97-AF65-F5344CB8AC3E}">
-        <p14:creationId xmlns:p14="http://schemas.microsoft.com/office/powerpoint/2010/main" val="621114528"/>
+        <p14:creationId xmlns:p14="http://schemas.microsoft.com/office/powerpoint/2010/main" val="460337962"/>
       </p:ext>
     </p:extLst>
   </p:cSld>
@@ -23835,8 +24458,11 @@
           <a:p>
             <a:r>
               <a:rPr lang="en-GB" dirty="0"/>
-              <a:t>Mutations</a:t>
-            </a:r>
+              <a:t>Mutant</a:t>
+            </a:r>
+          </a:p>
+          <a:p>
+            <a:endParaRPr lang="en-GB" dirty="0"/>
           </a:p>
           <a:p>
             <a:endParaRPr lang="ru-RU" dirty="0"/>
@@ -23845,7 +24471,7 @@
       </p:sp>
       <p:pic>
         <p:nvPicPr>
-          <p:cNvPr id="5" name="Picture 4"/>
+          <p:cNvPr id="3" name="Picture 2"/>
           <p:cNvPicPr>
             <a:picLocks noChangeAspect="1"/>
           </p:cNvPicPr>
@@ -23859,8 +24485,8 @@
         </p:blipFill>
         <p:spPr>
           <a:xfrm>
-            <a:off x="738191" y="1289070"/>
-            <a:ext cx="3086100" cy="3724275"/>
+            <a:off x="1727552" y="1124307"/>
+            <a:ext cx="3750276" cy="1077207"/>
           </a:xfrm>
           <a:prstGeom prst="rect">
             <a:avLst/>
@@ -23869,7 +24495,7 @@
       </p:pic>
       <p:pic>
         <p:nvPicPr>
-          <p:cNvPr id="6" name="Picture 5"/>
+          <p:cNvPr id="4" name="Picture 3"/>
           <p:cNvPicPr>
             <a:picLocks noChangeAspect="1"/>
           </p:cNvPicPr>
@@ -23883,17 +24509,155 @@
         </p:blipFill>
         <p:spPr>
           <a:xfrm>
-            <a:off x="3361304" y="2436893"/>
-            <a:ext cx="3086100" cy="2657475"/>
+            <a:off x="7974867" y="1231552"/>
+            <a:ext cx="2323773" cy="862718"/>
           </a:xfrm>
           <a:prstGeom prst="rect">
             <a:avLst/>
           </a:prstGeom>
         </p:spPr>
       </p:pic>
+      <p:sp>
+        <p:nvSpPr>
+          <p:cNvPr id="5" name="Arrow: Right 4"/>
+          <p:cNvSpPr/>
+          <p:nvPr/>
+        </p:nvSpPr>
+        <p:spPr>
+          <a:xfrm>
+            <a:off x="6353814" y="1573790"/>
+            <a:ext cx="745067" cy="178240"/>
+          </a:xfrm>
+          <a:prstGeom prst="rightArrow">
+            <a:avLst/>
+          </a:prstGeom>
+        </p:spPr>
+        <p:style>
+          <a:lnRef idx="2">
+            <a:schemeClr val="accent1">
+              <a:shade val="50000"/>
+            </a:schemeClr>
+          </a:lnRef>
+          <a:fillRef idx="1">
+            <a:schemeClr val="accent1"/>
+          </a:fillRef>
+          <a:effectRef idx="0">
+            <a:schemeClr val="accent1"/>
+          </a:effectRef>
+          <a:fontRef idx="minor">
+            <a:schemeClr val="lt1"/>
+          </a:fontRef>
+        </p:style>
+        <p:txBody>
+          <a:bodyPr rtlCol="0" anchor="ctr"/>
+          <a:lstStyle/>
+          <a:p>
+            <a:pPr algn="ctr"/>
+            <a:endParaRPr lang="en-GB"/>
+          </a:p>
+        </p:txBody>
+      </p:sp>
+      <p:sp>
+        <p:nvSpPr>
+          <p:cNvPr id="7" name="TextBox 6"/>
+          <p:cNvSpPr txBox="1"/>
+          <p:nvPr/>
+        </p:nvSpPr>
+        <p:spPr>
+          <a:xfrm>
+            <a:off x="738191" y="1081793"/>
+            <a:ext cx="825867" cy="461665"/>
+          </a:xfrm>
+          <a:prstGeom prst="rect">
+            <a:avLst/>
+          </a:prstGeom>
+          <a:noFill/>
+        </p:spPr>
+        <p:txBody>
+          <a:bodyPr wrap="none" rtlCol="0">
+            <a:spAutoFit/>
+          </a:bodyPr>
+          <a:lstStyle/>
+          <a:p>
+            <a:r>
+              <a:rPr lang="en-GB" sz="2400" dirty="0"/>
+              <a:t>Code</a:t>
+            </a:r>
+          </a:p>
+        </p:txBody>
+      </p:sp>
+      <p:sp>
+        <p:nvSpPr>
+          <p:cNvPr id="8" name="TextBox 7"/>
+          <p:cNvSpPr txBox="1"/>
+          <p:nvPr/>
+        </p:nvSpPr>
+        <p:spPr>
+          <a:xfrm>
+            <a:off x="738191" y="2600333"/>
+            <a:ext cx="1202189" cy="461665"/>
+          </a:xfrm>
+          <a:prstGeom prst="rect">
+            <a:avLst/>
+          </a:prstGeom>
+          <a:noFill/>
+        </p:spPr>
+        <p:txBody>
+          <a:bodyPr wrap="none" rtlCol="0">
+            <a:spAutoFit/>
+          </a:bodyPr>
+          <a:lstStyle/>
+          <a:p>
+            <a:r>
+              <a:rPr lang="en-GB" sz="2400" dirty="0"/>
+              <a:t>Bad test</a:t>
+            </a:r>
+          </a:p>
+        </p:txBody>
+      </p:sp>
+      <p:sp>
+        <p:nvSpPr>
+          <p:cNvPr id="9" name="Arrow: Right 8"/>
+          <p:cNvSpPr/>
+          <p:nvPr/>
+        </p:nvSpPr>
+        <p:spPr>
+          <a:xfrm>
+            <a:off x="6332584" y="5878426"/>
+            <a:ext cx="745067" cy="178240"/>
+          </a:xfrm>
+          <a:prstGeom prst="rightArrow">
+            <a:avLst/>
+          </a:prstGeom>
+        </p:spPr>
+        <p:style>
+          <a:lnRef idx="2">
+            <a:schemeClr val="accent1">
+              <a:shade val="50000"/>
+            </a:schemeClr>
+          </a:lnRef>
+          <a:fillRef idx="1">
+            <a:schemeClr val="accent1"/>
+          </a:fillRef>
+          <a:effectRef idx="0">
+            <a:schemeClr val="accent1"/>
+          </a:effectRef>
+          <a:fontRef idx="minor">
+            <a:schemeClr val="lt1"/>
+          </a:fontRef>
+        </p:style>
+        <p:txBody>
+          <a:bodyPr rtlCol="0" anchor="ctr"/>
+          <a:lstStyle/>
+          <a:p>
+            <a:pPr algn="ctr"/>
+            <a:endParaRPr lang="en-GB"/>
+          </a:p>
+        </p:txBody>
+      </p:sp>
       <p:pic>
         <p:nvPicPr>
-          <p:cNvPr id="7" name="Picture 6"/>
+          <p:cNvPr id="12" name="Picture 11"/>
           <p:cNvPicPr>
             <a:picLocks noChangeAspect="1"/>
           </p:cNvPicPr>
@@ -23907,8 +24671,197 @@
         </p:blipFill>
         <p:spPr>
           <a:xfrm>
-            <a:off x="7659003" y="1381668"/>
-            <a:ext cx="2962275" cy="3267075"/>
+            <a:off x="4639818" y="4677967"/>
+            <a:ext cx="4130598" cy="975632"/>
+          </a:xfrm>
+          <a:prstGeom prst="rect">
+            <a:avLst/>
+          </a:prstGeom>
+        </p:spPr>
+      </p:pic>
+      <p:pic>
+        <p:nvPicPr>
+          <p:cNvPr id="10" name="Picture 9"/>
+          <p:cNvPicPr>
+            <a:picLocks noChangeAspect="1"/>
+          </p:cNvPicPr>
+          <p:nvPr/>
+        </p:nvPicPr>
+        <p:blipFill>
+          <a:blip r:embed="rId6"/>
+          <a:stretch>
+            <a:fillRect/>
+          </a:stretch>
+        </p:blipFill>
+        <p:spPr>
+          <a:xfrm>
+            <a:off x="4161646" y="5773650"/>
+            <a:ext cx="1294953" cy="390260"/>
+          </a:xfrm>
+          <a:prstGeom prst="rect">
+            <a:avLst/>
+          </a:prstGeom>
+        </p:spPr>
+      </p:pic>
+      <p:pic>
+        <p:nvPicPr>
+          <p:cNvPr id="13" name="Picture 12"/>
+          <p:cNvPicPr>
+            <a:picLocks noChangeAspect="1"/>
+          </p:cNvPicPr>
+          <p:nvPr/>
+        </p:nvPicPr>
+        <p:blipFill>
+          <a:blip r:embed="rId7"/>
+          <a:stretch>
+            <a:fillRect/>
+          </a:stretch>
+        </p:blipFill>
+        <p:spPr>
+          <a:xfrm>
+            <a:off x="7953636" y="5773650"/>
+            <a:ext cx="1593562" cy="390260"/>
+          </a:xfrm>
+          <a:prstGeom prst="rect">
+            <a:avLst/>
+          </a:prstGeom>
+        </p:spPr>
+      </p:pic>
+      <p:sp>
+        <p:nvSpPr>
+          <p:cNvPr id="15" name="TextBox 14"/>
+          <p:cNvSpPr txBox="1"/>
+          <p:nvPr/>
+        </p:nvSpPr>
+        <p:spPr>
+          <a:xfrm>
+            <a:off x="738190" y="4308635"/>
+            <a:ext cx="1405769" cy="461665"/>
+          </a:xfrm>
+          <a:prstGeom prst="rect">
+            <a:avLst/>
+          </a:prstGeom>
+          <a:noFill/>
+        </p:spPr>
+        <p:txBody>
+          <a:bodyPr wrap="none" rtlCol="0">
+            <a:spAutoFit/>
+          </a:bodyPr>
+          <a:lstStyle/>
+          <a:p>
+            <a:r>
+              <a:rPr lang="en-GB" sz="2400" dirty="0"/>
+              <a:t>Good test</a:t>
+            </a:r>
+          </a:p>
+        </p:txBody>
+      </p:sp>
+      <p:pic>
+        <p:nvPicPr>
+          <p:cNvPr id="20" name="Picture 19"/>
+          <p:cNvPicPr>
+            <a:picLocks noChangeAspect="1"/>
+          </p:cNvPicPr>
+          <p:nvPr/>
+        </p:nvPicPr>
+        <p:blipFill>
+          <a:blip r:embed="rId8"/>
+          <a:stretch>
+            <a:fillRect/>
+          </a:stretch>
+        </p:blipFill>
+        <p:spPr>
+          <a:xfrm>
+            <a:off x="4649276" y="2632769"/>
+            <a:ext cx="4127219" cy="950584"/>
+          </a:xfrm>
+          <a:prstGeom prst="rect">
+            <a:avLst/>
+          </a:prstGeom>
+        </p:spPr>
+      </p:pic>
+      <p:sp>
+        <p:nvSpPr>
+          <p:cNvPr id="21" name="Arrow: Right 20"/>
+          <p:cNvSpPr/>
+          <p:nvPr/>
+        </p:nvSpPr>
+        <p:spPr>
+          <a:xfrm>
+            <a:off x="6342042" y="3961228"/>
+            <a:ext cx="745067" cy="178240"/>
+          </a:xfrm>
+          <a:prstGeom prst="rightArrow">
+            <a:avLst/>
+          </a:prstGeom>
+        </p:spPr>
+        <p:style>
+          <a:lnRef idx="2">
+            <a:schemeClr val="accent1">
+              <a:shade val="50000"/>
+            </a:schemeClr>
+          </a:lnRef>
+          <a:fillRef idx="1">
+            <a:schemeClr val="accent1"/>
+          </a:fillRef>
+          <a:effectRef idx="0">
+            <a:schemeClr val="accent1"/>
+          </a:effectRef>
+          <a:fontRef idx="minor">
+            <a:schemeClr val="lt1"/>
+          </a:fontRef>
+        </p:style>
+        <p:txBody>
+          <a:bodyPr rtlCol="0" anchor="ctr"/>
+          <a:lstStyle/>
+          <a:p>
+            <a:pPr algn="ctr"/>
+            <a:endParaRPr lang="en-GB"/>
+          </a:p>
+        </p:txBody>
+      </p:sp>
+      <p:pic>
+        <p:nvPicPr>
+          <p:cNvPr id="22" name="Picture 21"/>
+          <p:cNvPicPr>
+            <a:picLocks noChangeAspect="1"/>
+          </p:cNvPicPr>
+          <p:nvPr/>
+        </p:nvPicPr>
+        <p:blipFill>
+          <a:blip r:embed="rId6"/>
+          <a:stretch>
+            <a:fillRect/>
+          </a:stretch>
+        </p:blipFill>
+        <p:spPr>
+          <a:xfrm>
+            <a:off x="4171104" y="3856452"/>
+            <a:ext cx="1294953" cy="390260"/>
+          </a:xfrm>
+          <a:prstGeom prst="rect">
+            <a:avLst/>
+          </a:prstGeom>
+        </p:spPr>
+      </p:pic>
+      <p:pic>
+        <p:nvPicPr>
+          <p:cNvPr id="23" name="Picture 22"/>
+          <p:cNvPicPr>
+            <a:picLocks noChangeAspect="1"/>
+          </p:cNvPicPr>
+          <p:nvPr/>
+        </p:nvPicPr>
+        <p:blipFill>
+          <a:blip r:embed="rId6"/>
+          <a:stretch>
+            <a:fillRect/>
+          </a:stretch>
+        </p:blipFill>
+        <p:spPr>
+          <a:xfrm>
+            <a:off x="7963094" y="3853771"/>
+            <a:ext cx="1294953" cy="390260"/>
           </a:xfrm>
           <a:prstGeom prst="rect">
             <a:avLst/>
@@ -23918,7 +24871,7 @@
     </p:spTree>
     <p:extLst>
       <p:ext uri="{BB962C8B-B14F-4D97-AF65-F5344CB8AC3E}">
-        <p14:creationId xmlns:p14="http://schemas.microsoft.com/office/powerpoint/2010/main" val="347344376"/>
+        <p14:creationId xmlns:p14="http://schemas.microsoft.com/office/powerpoint/2010/main" val="3156070302"/>
       </p:ext>
     </p:extLst>
   </p:cSld>
